--- a/ML_0552050_1203.pptx
+++ b/ML_0552050_1203.pptx
@@ -3082,11 +3082,18 @@
         <a:lstStyle/>
         <a:p>
           <a:r>
+            <a:rPr lang="zh-TW" altLang="en-US" dirty="0" smtClean="0">
+              <a:latin typeface="Microsoft JhengHei Light" panose="020B0304030504040204" pitchFamily="34" charset="-120"/>
+              <a:ea typeface="Microsoft JhengHei Light" panose="020B0304030504040204" pitchFamily="34" charset="-120"/>
+            </a:rPr>
+            <a:t>紀錄</a:t>
+          </a:r>
+          <a:r>
             <a:rPr lang="zh-TW" altLang="en-US" dirty="0">
               <a:latin typeface="Microsoft JhengHei Light" panose="020B0304030504040204" pitchFamily="34" charset="-120"/>
               <a:ea typeface="Microsoft JhengHei Light" panose="020B0304030504040204" pitchFamily="34" charset="-120"/>
             </a:rPr>
-            <a:t>計錄遊戲數據</a:t>
+            <a:t>遊戲數據</a:t>
           </a:r>
         </a:p>
       </dgm:t>
@@ -3356,7 +3363,10 @@
         <a:lstStyle/>
         <a:p>
           <a:r>
-            <a:rPr lang="zh-TW" altLang="en-US" dirty="0"/>
+            <a:rPr lang="zh-TW" altLang="en-US" dirty="0">
+              <a:latin typeface="Microsoft JhengHei Light" panose="020B0304030504040204" pitchFamily="34" charset="-120"/>
+              <a:ea typeface="Microsoft JhengHei Light" panose="020B0304030504040204" pitchFamily="34" charset="-120"/>
+            </a:rPr>
             <a:t>訓練</a:t>
           </a:r>
         </a:p>
@@ -3365,10 +3375,24 @@
     <dgm:pt modelId="{B429E2B1-9AB4-4DAF-A3D8-FAB2AEC20118}" type="parTrans" cxnId="{A5A6396D-90A6-4EAB-BD65-C6E3EB328989}">
       <dgm:prSet/>
       <dgm:spPr/>
+      <dgm:t>
+        <a:bodyPr/>
+        <a:lstStyle/>
+        <a:p>
+          <a:endParaRPr lang="zh-TW" altLang="en-US"/>
+        </a:p>
+      </dgm:t>
     </dgm:pt>
     <dgm:pt modelId="{EFD350DB-5014-47BD-802E-75E7FEB9EDCE}" type="sibTrans" cxnId="{A5A6396D-90A6-4EAB-BD65-C6E3EB328989}">
       <dgm:prSet/>
       <dgm:spPr/>
+      <dgm:t>
+        <a:bodyPr/>
+        <a:lstStyle/>
+        <a:p>
+          <a:endParaRPr lang="zh-TW" altLang="en-US"/>
+        </a:p>
+      </dgm:t>
     </dgm:pt>
     <dgm:pt modelId="{764024E2-07FC-4A92-AB92-49DAE6C1E5A9}" type="pres">
       <dgm:prSet presAssocID="{29EEBFE2-BEA6-4F35-8D1E-FF7000BD40D5}" presName="hierChild1" presStyleCnt="0">
@@ -3382,6 +3406,13 @@
         </dgm:presLayoutVars>
       </dgm:prSet>
       <dgm:spPr/>
+      <dgm:t>
+        <a:bodyPr/>
+        <a:lstStyle/>
+        <a:p>
+          <a:endParaRPr lang="zh-TW" altLang="en-US"/>
+        </a:p>
+      </dgm:t>
     </dgm:pt>
     <dgm:pt modelId="{341D0529-C993-485F-BFBA-73789AD13323}" type="pres">
       <dgm:prSet presAssocID="{C1995ACD-DEEA-4649-9190-0A2396D6DBA3}" presName="hierRoot1" presStyleCnt="0">
@@ -3402,10 +3433,24 @@
         </dgm:presLayoutVars>
       </dgm:prSet>
       <dgm:spPr/>
+      <dgm:t>
+        <a:bodyPr/>
+        <a:lstStyle/>
+        <a:p>
+          <a:endParaRPr lang="zh-TW" altLang="en-US"/>
+        </a:p>
+      </dgm:t>
     </dgm:pt>
     <dgm:pt modelId="{51FCB016-BDCC-466A-AEB8-2EA2F7D30621}" type="pres">
       <dgm:prSet presAssocID="{C1995ACD-DEEA-4649-9190-0A2396D6DBA3}" presName="rootConnector1" presStyleLbl="node1" presStyleIdx="0" presStyleCnt="0"/>
       <dgm:spPr/>
+      <dgm:t>
+        <a:bodyPr/>
+        <a:lstStyle/>
+        <a:p>
+          <a:endParaRPr lang="zh-TW" altLang="en-US"/>
+        </a:p>
+      </dgm:t>
     </dgm:pt>
     <dgm:pt modelId="{70833F56-676C-4F4A-840C-BD3E2F8215EB}" type="pres">
       <dgm:prSet presAssocID="{C1995ACD-DEEA-4649-9190-0A2396D6DBA3}" presName="hierChild2" presStyleCnt="0"/>
@@ -3414,6 +3459,13 @@
     <dgm:pt modelId="{0D5A4EFE-1C67-4062-B174-8A1DEA7885B2}" type="pres">
       <dgm:prSet presAssocID="{69FD09DB-7D78-47CE-93D1-107E376A870E}" presName="Name37" presStyleLbl="parChTrans1D2" presStyleIdx="0" presStyleCnt="4"/>
       <dgm:spPr/>
+      <dgm:t>
+        <a:bodyPr/>
+        <a:lstStyle/>
+        <a:p>
+          <a:endParaRPr lang="zh-TW" altLang="en-US"/>
+        </a:p>
+      </dgm:t>
     </dgm:pt>
     <dgm:pt modelId="{DA6DE99B-499E-4D7B-B12E-6186C9E0DD80}" type="pres">
       <dgm:prSet presAssocID="{E7358108-83A8-42F1-84AF-1043344A61B4}" presName="hierRoot2" presStyleCnt="0">
@@ -3434,10 +3486,24 @@
         </dgm:presLayoutVars>
       </dgm:prSet>
       <dgm:spPr/>
+      <dgm:t>
+        <a:bodyPr/>
+        <a:lstStyle/>
+        <a:p>
+          <a:endParaRPr lang="zh-TW" altLang="en-US"/>
+        </a:p>
+      </dgm:t>
     </dgm:pt>
     <dgm:pt modelId="{74E53E5B-7DCA-4C09-A9BF-327363D42547}" type="pres">
       <dgm:prSet presAssocID="{E7358108-83A8-42F1-84AF-1043344A61B4}" presName="rootConnector" presStyleLbl="node2" presStyleIdx="0" presStyleCnt="4"/>
       <dgm:spPr/>
+      <dgm:t>
+        <a:bodyPr/>
+        <a:lstStyle/>
+        <a:p>
+          <a:endParaRPr lang="zh-TW" altLang="en-US"/>
+        </a:p>
+      </dgm:t>
     </dgm:pt>
     <dgm:pt modelId="{F19D0611-B84B-4FD7-BF2E-2DADD5D827ED}" type="pres">
       <dgm:prSet presAssocID="{E7358108-83A8-42F1-84AF-1043344A61B4}" presName="hierChild4" presStyleCnt="0"/>
@@ -3446,6 +3512,13 @@
     <dgm:pt modelId="{5F48F0E4-2C7E-480D-9A45-E44C79D6BEA5}" type="pres">
       <dgm:prSet presAssocID="{DBFF9E4D-F654-4E3E-A2C7-9EEF27EF4259}" presName="Name37" presStyleLbl="parChTrans1D3" presStyleIdx="0" presStyleCnt="10"/>
       <dgm:spPr/>
+      <dgm:t>
+        <a:bodyPr/>
+        <a:lstStyle/>
+        <a:p>
+          <a:endParaRPr lang="zh-TW" altLang="en-US"/>
+        </a:p>
+      </dgm:t>
     </dgm:pt>
     <dgm:pt modelId="{52A0685B-8E88-4949-BB15-552FEC72B4E8}" type="pres">
       <dgm:prSet presAssocID="{C8AEE87B-F7A2-4CFA-BE00-6B9F721DFE96}" presName="hierRoot2" presStyleCnt="0">
@@ -3466,10 +3539,24 @@
         </dgm:presLayoutVars>
       </dgm:prSet>
       <dgm:spPr/>
+      <dgm:t>
+        <a:bodyPr/>
+        <a:lstStyle/>
+        <a:p>
+          <a:endParaRPr lang="zh-TW" altLang="en-US"/>
+        </a:p>
+      </dgm:t>
     </dgm:pt>
     <dgm:pt modelId="{23546AB9-AA88-44E8-A74F-6A7DB71CEDFA}" type="pres">
       <dgm:prSet presAssocID="{C8AEE87B-F7A2-4CFA-BE00-6B9F721DFE96}" presName="rootConnector" presStyleLbl="node3" presStyleIdx="0" presStyleCnt="10"/>
       <dgm:spPr/>
+      <dgm:t>
+        <a:bodyPr/>
+        <a:lstStyle/>
+        <a:p>
+          <a:endParaRPr lang="zh-TW" altLang="en-US"/>
+        </a:p>
+      </dgm:t>
     </dgm:pt>
     <dgm:pt modelId="{939C9035-E800-4426-8773-B485420F1BE1}" type="pres">
       <dgm:prSet presAssocID="{C8AEE87B-F7A2-4CFA-BE00-6B9F721DFE96}" presName="hierChild4" presStyleCnt="0"/>
@@ -3482,6 +3569,13 @@
     <dgm:pt modelId="{1CACF2A5-9765-453F-9602-3749D63C20FF}" type="pres">
       <dgm:prSet presAssocID="{7F7DDA6E-F3A1-4195-9D49-DD6A7A673A53}" presName="Name37" presStyleLbl="parChTrans1D3" presStyleIdx="1" presStyleCnt="10"/>
       <dgm:spPr/>
+      <dgm:t>
+        <a:bodyPr/>
+        <a:lstStyle/>
+        <a:p>
+          <a:endParaRPr lang="zh-TW" altLang="en-US"/>
+        </a:p>
+      </dgm:t>
     </dgm:pt>
     <dgm:pt modelId="{797FA106-A9EF-4FA9-96A9-65973C18778A}" type="pres">
       <dgm:prSet presAssocID="{9D5DD00D-D723-41C3-A564-BE447082CEE3}" presName="hierRoot2" presStyleCnt="0">
@@ -3502,10 +3596,24 @@
         </dgm:presLayoutVars>
       </dgm:prSet>
       <dgm:spPr/>
+      <dgm:t>
+        <a:bodyPr/>
+        <a:lstStyle/>
+        <a:p>
+          <a:endParaRPr lang="zh-TW" altLang="en-US"/>
+        </a:p>
+      </dgm:t>
     </dgm:pt>
     <dgm:pt modelId="{7877DBA2-C865-46EE-839A-1D3781B37466}" type="pres">
       <dgm:prSet presAssocID="{9D5DD00D-D723-41C3-A564-BE447082CEE3}" presName="rootConnector" presStyleLbl="node3" presStyleIdx="1" presStyleCnt="10"/>
       <dgm:spPr/>
+      <dgm:t>
+        <a:bodyPr/>
+        <a:lstStyle/>
+        <a:p>
+          <a:endParaRPr lang="zh-TW" altLang="en-US"/>
+        </a:p>
+      </dgm:t>
     </dgm:pt>
     <dgm:pt modelId="{410DDF1F-9624-4ABA-AC0C-AF54B5CB8C95}" type="pres">
       <dgm:prSet presAssocID="{9D5DD00D-D723-41C3-A564-BE447082CEE3}" presName="hierChild4" presStyleCnt="0"/>
@@ -3518,6 +3626,13 @@
     <dgm:pt modelId="{FA5B38AC-797B-4312-B45A-B09C5187349A}" type="pres">
       <dgm:prSet presAssocID="{81BF323F-0728-4CEC-A5C6-E78EFAB532FA}" presName="Name37" presStyleLbl="parChTrans1D3" presStyleIdx="2" presStyleCnt="10"/>
       <dgm:spPr/>
+      <dgm:t>
+        <a:bodyPr/>
+        <a:lstStyle/>
+        <a:p>
+          <a:endParaRPr lang="zh-TW" altLang="en-US"/>
+        </a:p>
+      </dgm:t>
     </dgm:pt>
     <dgm:pt modelId="{69F22005-0E27-4DB7-9C51-EBE00F36D749}" type="pres">
       <dgm:prSet presAssocID="{68B252EE-9C0A-4188-A43E-0D986D13139E}" presName="hierRoot2" presStyleCnt="0">
@@ -3538,10 +3653,24 @@
         </dgm:presLayoutVars>
       </dgm:prSet>
       <dgm:spPr/>
+      <dgm:t>
+        <a:bodyPr/>
+        <a:lstStyle/>
+        <a:p>
+          <a:endParaRPr lang="zh-TW" altLang="en-US"/>
+        </a:p>
+      </dgm:t>
     </dgm:pt>
     <dgm:pt modelId="{53D166CE-3030-491E-8941-378611132950}" type="pres">
       <dgm:prSet presAssocID="{68B252EE-9C0A-4188-A43E-0D986D13139E}" presName="rootConnector" presStyleLbl="node3" presStyleIdx="2" presStyleCnt="10"/>
       <dgm:spPr/>
+      <dgm:t>
+        <a:bodyPr/>
+        <a:lstStyle/>
+        <a:p>
+          <a:endParaRPr lang="zh-TW" altLang="en-US"/>
+        </a:p>
+      </dgm:t>
     </dgm:pt>
     <dgm:pt modelId="{4944634E-CD86-43D9-882B-B92CF6579E42}" type="pres">
       <dgm:prSet presAssocID="{68B252EE-9C0A-4188-A43E-0D986D13139E}" presName="hierChild4" presStyleCnt="0"/>
@@ -3558,6 +3687,13 @@
     <dgm:pt modelId="{34F89FF5-4CE7-4557-94ED-372F163EBFBB}" type="pres">
       <dgm:prSet presAssocID="{B3FBE738-30A6-4B4A-9DB3-9AB2CC3B1641}" presName="Name37" presStyleLbl="parChTrans1D2" presStyleIdx="1" presStyleCnt="4"/>
       <dgm:spPr/>
+      <dgm:t>
+        <a:bodyPr/>
+        <a:lstStyle/>
+        <a:p>
+          <a:endParaRPr lang="zh-TW" altLang="en-US"/>
+        </a:p>
+      </dgm:t>
     </dgm:pt>
     <dgm:pt modelId="{EBF4EF29-E177-4261-9BC5-8B137BDD078C}" type="pres">
       <dgm:prSet presAssocID="{BB9FF21B-E75B-43A4-B03F-6C82A45E4511}" presName="hierRoot2" presStyleCnt="0">
@@ -3578,10 +3714,24 @@
         </dgm:presLayoutVars>
       </dgm:prSet>
       <dgm:spPr/>
+      <dgm:t>
+        <a:bodyPr/>
+        <a:lstStyle/>
+        <a:p>
+          <a:endParaRPr lang="zh-TW" altLang="en-US"/>
+        </a:p>
+      </dgm:t>
     </dgm:pt>
     <dgm:pt modelId="{D8602253-5290-4E90-A5EF-32A901888DAC}" type="pres">
       <dgm:prSet presAssocID="{BB9FF21B-E75B-43A4-B03F-6C82A45E4511}" presName="rootConnector" presStyleLbl="node2" presStyleIdx="1" presStyleCnt="4"/>
       <dgm:spPr/>
+      <dgm:t>
+        <a:bodyPr/>
+        <a:lstStyle/>
+        <a:p>
+          <a:endParaRPr lang="zh-TW" altLang="en-US"/>
+        </a:p>
+      </dgm:t>
     </dgm:pt>
     <dgm:pt modelId="{701D8773-02D0-4A03-A1BE-6FAD4C78FAF5}" type="pres">
       <dgm:prSet presAssocID="{BB9FF21B-E75B-43A4-B03F-6C82A45E4511}" presName="hierChild4" presStyleCnt="0"/>
@@ -3590,6 +3740,13 @@
     <dgm:pt modelId="{E79A5832-DD8A-4441-B652-BD9EC8B7EED1}" type="pres">
       <dgm:prSet presAssocID="{CB39D681-7061-437F-A140-79E3079A753F}" presName="Name37" presStyleLbl="parChTrans1D3" presStyleIdx="3" presStyleCnt="10"/>
       <dgm:spPr/>
+      <dgm:t>
+        <a:bodyPr/>
+        <a:lstStyle/>
+        <a:p>
+          <a:endParaRPr lang="zh-TW" altLang="en-US"/>
+        </a:p>
+      </dgm:t>
     </dgm:pt>
     <dgm:pt modelId="{22CF63CF-F5C0-4CE0-B760-6F42ED2537CB}" type="pres">
       <dgm:prSet presAssocID="{807A8DFA-5BDA-4B03-B801-660127571B99}" presName="hierRoot2" presStyleCnt="0">
@@ -3610,10 +3767,24 @@
         </dgm:presLayoutVars>
       </dgm:prSet>
       <dgm:spPr/>
+      <dgm:t>
+        <a:bodyPr/>
+        <a:lstStyle/>
+        <a:p>
+          <a:endParaRPr lang="zh-TW" altLang="en-US"/>
+        </a:p>
+      </dgm:t>
     </dgm:pt>
     <dgm:pt modelId="{079241A2-20E2-4232-9D06-88AA9F82E25C}" type="pres">
       <dgm:prSet presAssocID="{807A8DFA-5BDA-4B03-B801-660127571B99}" presName="rootConnector" presStyleLbl="node3" presStyleIdx="3" presStyleCnt="10"/>
       <dgm:spPr/>
+      <dgm:t>
+        <a:bodyPr/>
+        <a:lstStyle/>
+        <a:p>
+          <a:endParaRPr lang="zh-TW" altLang="en-US"/>
+        </a:p>
+      </dgm:t>
     </dgm:pt>
     <dgm:pt modelId="{7A94D976-B90C-463C-B25C-11A096826D72}" type="pres">
       <dgm:prSet presAssocID="{807A8DFA-5BDA-4B03-B801-660127571B99}" presName="hierChild4" presStyleCnt="0"/>
@@ -3626,6 +3797,13 @@
     <dgm:pt modelId="{BC0D907D-CEB2-4F4E-B6F3-5737303E1E5F}" type="pres">
       <dgm:prSet presAssocID="{6D45DEA0-D4D5-4F5A-B34F-FF0007B4D557}" presName="Name37" presStyleLbl="parChTrans1D3" presStyleIdx="4" presStyleCnt="10"/>
       <dgm:spPr/>
+      <dgm:t>
+        <a:bodyPr/>
+        <a:lstStyle/>
+        <a:p>
+          <a:endParaRPr lang="zh-TW" altLang="en-US"/>
+        </a:p>
+      </dgm:t>
     </dgm:pt>
     <dgm:pt modelId="{50440497-B0B6-44C0-98E2-BB7943182CF7}" type="pres">
       <dgm:prSet presAssocID="{E75562FB-B070-41B3-8EF8-CB551DCB0DC5}" presName="hierRoot2" presStyleCnt="0">
@@ -3646,10 +3824,24 @@
         </dgm:presLayoutVars>
       </dgm:prSet>
       <dgm:spPr/>
+      <dgm:t>
+        <a:bodyPr/>
+        <a:lstStyle/>
+        <a:p>
+          <a:endParaRPr lang="zh-TW" altLang="en-US"/>
+        </a:p>
+      </dgm:t>
     </dgm:pt>
     <dgm:pt modelId="{D223C34C-51A5-4CA5-8302-426A14A3C069}" type="pres">
       <dgm:prSet presAssocID="{E75562FB-B070-41B3-8EF8-CB551DCB0DC5}" presName="rootConnector" presStyleLbl="node3" presStyleIdx="4" presStyleCnt="10"/>
       <dgm:spPr/>
+      <dgm:t>
+        <a:bodyPr/>
+        <a:lstStyle/>
+        <a:p>
+          <a:endParaRPr lang="zh-TW" altLang="en-US"/>
+        </a:p>
+      </dgm:t>
     </dgm:pt>
     <dgm:pt modelId="{64A427A0-BD52-4A0F-B9FD-670345AC55D9}" type="pres">
       <dgm:prSet presAssocID="{E75562FB-B070-41B3-8EF8-CB551DCB0DC5}" presName="hierChild4" presStyleCnt="0"/>
@@ -3682,10 +3874,24 @@
         </dgm:presLayoutVars>
       </dgm:prSet>
       <dgm:spPr/>
+      <dgm:t>
+        <a:bodyPr/>
+        <a:lstStyle/>
+        <a:p>
+          <a:endParaRPr lang="zh-TW" altLang="en-US"/>
+        </a:p>
+      </dgm:t>
     </dgm:pt>
     <dgm:pt modelId="{5FA213B4-DAA0-4BB7-88F0-3CEC63244ACD}" type="pres">
       <dgm:prSet presAssocID="{5E31DA61-BA7B-4CD0-B08B-CD683A1209DE}" presName="rootConnector" presStyleLbl="node3" presStyleIdx="5" presStyleCnt="10"/>
       <dgm:spPr/>
+      <dgm:t>
+        <a:bodyPr/>
+        <a:lstStyle/>
+        <a:p>
+          <a:endParaRPr lang="zh-TW" altLang="en-US"/>
+        </a:p>
+      </dgm:t>
     </dgm:pt>
     <dgm:pt modelId="{7A2CADE4-A621-4DF2-9FE5-4166F7A34B56}" type="pres">
       <dgm:prSet presAssocID="{5E31DA61-BA7B-4CD0-B08B-CD683A1209DE}" presName="hierChild4" presStyleCnt="0"/>
@@ -3702,6 +3908,13 @@
     <dgm:pt modelId="{2B8AB7A6-9DF3-44B8-A462-8360BF7B6F26}" type="pres">
       <dgm:prSet presAssocID="{BA5BADE7-FE02-4E58-AED6-CA6877DD8C92}" presName="Name37" presStyleLbl="parChTrans1D2" presStyleIdx="2" presStyleCnt="4"/>
       <dgm:spPr/>
+      <dgm:t>
+        <a:bodyPr/>
+        <a:lstStyle/>
+        <a:p>
+          <a:endParaRPr lang="zh-TW" altLang="en-US"/>
+        </a:p>
+      </dgm:t>
     </dgm:pt>
     <dgm:pt modelId="{21B06569-2508-486F-9FBB-07F2AAC6E739}" type="pres">
       <dgm:prSet presAssocID="{86D061FF-D2B9-4444-977F-ADD2F8B26F58}" presName="hierRoot2" presStyleCnt="0">
@@ -3722,10 +3935,24 @@
         </dgm:presLayoutVars>
       </dgm:prSet>
       <dgm:spPr/>
+      <dgm:t>
+        <a:bodyPr/>
+        <a:lstStyle/>
+        <a:p>
+          <a:endParaRPr lang="zh-TW" altLang="en-US"/>
+        </a:p>
+      </dgm:t>
     </dgm:pt>
     <dgm:pt modelId="{DBAD3854-BABD-419A-91AD-A1E38A3CF09E}" type="pres">
       <dgm:prSet presAssocID="{86D061FF-D2B9-4444-977F-ADD2F8B26F58}" presName="rootConnector" presStyleLbl="node2" presStyleIdx="2" presStyleCnt="4"/>
       <dgm:spPr/>
+      <dgm:t>
+        <a:bodyPr/>
+        <a:lstStyle/>
+        <a:p>
+          <a:endParaRPr lang="zh-TW" altLang="en-US"/>
+        </a:p>
+      </dgm:t>
     </dgm:pt>
     <dgm:pt modelId="{AF872535-12D7-4ACB-8C05-E0C9E46F7A5D}" type="pres">
       <dgm:prSet presAssocID="{86D061FF-D2B9-4444-977F-ADD2F8B26F58}" presName="hierChild4" presStyleCnt="0"/>
@@ -3734,6 +3961,13 @@
     <dgm:pt modelId="{E780AC31-68D7-4FDE-AB32-EFBB2D377EE9}" type="pres">
       <dgm:prSet presAssocID="{0CDD43BF-559F-46B2-A99A-AC0F2E14E16C}" presName="Name37" presStyleLbl="parChTrans1D3" presStyleIdx="6" presStyleCnt="10"/>
       <dgm:spPr/>
+      <dgm:t>
+        <a:bodyPr/>
+        <a:lstStyle/>
+        <a:p>
+          <a:endParaRPr lang="zh-TW" altLang="en-US"/>
+        </a:p>
+      </dgm:t>
     </dgm:pt>
     <dgm:pt modelId="{CC8D1D23-C19D-4599-B78F-69CF8D98A01C}" type="pres">
       <dgm:prSet presAssocID="{0CF1DFD8-24BF-4C6B-BD01-BEBB8834C8DE}" presName="hierRoot2" presStyleCnt="0">
@@ -3754,10 +3988,24 @@
         </dgm:presLayoutVars>
       </dgm:prSet>
       <dgm:spPr/>
+      <dgm:t>
+        <a:bodyPr/>
+        <a:lstStyle/>
+        <a:p>
+          <a:endParaRPr lang="zh-TW" altLang="en-US"/>
+        </a:p>
+      </dgm:t>
     </dgm:pt>
     <dgm:pt modelId="{D1B06913-B69F-4394-9B6A-75C451167FE8}" type="pres">
       <dgm:prSet presAssocID="{0CF1DFD8-24BF-4C6B-BD01-BEBB8834C8DE}" presName="rootConnector" presStyleLbl="node3" presStyleIdx="6" presStyleCnt="10"/>
       <dgm:spPr/>
+      <dgm:t>
+        <a:bodyPr/>
+        <a:lstStyle/>
+        <a:p>
+          <a:endParaRPr lang="zh-TW" altLang="en-US"/>
+        </a:p>
+      </dgm:t>
     </dgm:pt>
     <dgm:pt modelId="{A9FF0AF9-2690-4F87-A2D1-8CC1CE60737F}" type="pres">
       <dgm:prSet presAssocID="{0CF1DFD8-24BF-4C6B-BD01-BEBB8834C8DE}" presName="hierChild4" presStyleCnt="0"/>
@@ -3770,6 +4018,13 @@
     <dgm:pt modelId="{2D80F0C3-C504-4561-A084-06B66D39392D}" type="pres">
       <dgm:prSet presAssocID="{56898A94-E574-4C74-BB23-528EED54EB78}" presName="Name37" presStyleLbl="parChTrans1D3" presStyleIdx="7" presStyleCnt="10"/>
       <dgm:spPr/>
+      <dgm:t>
+        <a:bodyPr/>
+        <a:lstStyle/>
+        <a:p>
+          <a:endParaRPr lang="zh-TW" altLang="en-US"/>
+        </a:p>
+      </dgm:t>
     </dgm:pt>
     <dgm:pt modelId="{3D997989-D625-4CC3-A662-6369D61E2715}" type="pres">
       <dgm:prSet presAssocID="{45589563-E41B-44DB-8AFC-34EE8901D150}" presName="hierRoot2" presStyleCnt="0">
@@ -3790,10 +4045,24 @@
         </dgm:presLayoutVars>
       </dgm:prSet>
       <dgm:spPr/>
+      <dgm:t>
+        <a:bodyPr/>
+        <a:lstStyle/>
+        <a:p>
+          <a:endParaRPr lang="zh-TW" altLang="en-US"/>
+        </a:p>
+      </dgm:t>
     </dgm:pt>
     <dgm:pt modelId="{8CE4FFBF-227E-49C4-97D7-83977CD95846}" type="pres">
       <dgm:prSet presAssocID="{45589563-E41B-44DB-8AFC-34EE8901D150}" presName="rootConnector" presStyleLbl="node3" presStyleIdx="7" presStyleCnt="10"/>
       <dgm:spPr/>
+      <dgm:t>
+        <a:bodyPr/>
+        <a:lstStyle/>
+        <a:p>
+          <a:endParaRPr lang="zh-TW" altLang="en-US"/>
+        </a:p>
+      </dgm:t>
     </dgm:pt>
     <dgm:pt modelId="{EC817ADC-FFF2-4B36-B8D6-826AC4924E83}" type="pres">
       <dgm:prSet presAssocID="{45589563-E41B-44DB-8AFC-34EE8901D150}" presName="hierChild4" presStyleCnt="0"/>
@@ -3806,6 +4075,13 @@
     <dgm:pt modelId="{FD340AE9-3099-4F19-AE25-6AA406E4942B}" type="pres">
       <dgm:prSet presAssocID="{2888C3D8-9495-4F27-A1DB-649C0F6F0C8E}" presName="Name37" presStyleLbl="parChTrans1D3" presStyleIdx="8" presStyleCnt="10"/>
       <dgm:spPr/>
+      <dgm:t>
+        <a:bodyPr/>
+        <a:lstStyle/>
+        <a:p>
+          <a:endParaRPr lang="zh-TW" altLang="en-US"/>
+        </a:p>
+      </dgm:t>
     </dgm:pt>
     <dgm:pt modelId="{31743E06-6A4C-4F53-9E86-086D31640484}" type="pres">
       <dgm:prSet presAssocID="{A20FE1FD-A95C-4766-9690-80DC349AC70F}" presName="hierRoot2" presStyleCnt="0">
@@ -3826,10 +4102,24 @@
         </dgm:presLayoutVars>
       </dgm:prSet>
       <dgm:spPr/>
+      <dgm:t>
+        <a:bodyPr/>
+        <a:lstStyle/>
+        <a:p>
+          <a:endParaRPr lang="zh-TW" altLang="en-US"/>
+        </a:p>
+      </dgm:t>
     </dgm:pt>
     <dgm:pt modelId="{84A7522A-37FD-4A20-BFE1-3E7225977F7B}" type="pres">
       <dgm:prSet presAssocID="{A20FE1FD-A95C-4766-9690-80DC349AC70F}" presName="rootConnector" presStyleLbl="node3" presStyleIdx="8" presStyleCnt="10"/>
       <dgm:spPr/>
+      <dgm:t>
+        <a:bodyPr/>
+        <a:lstStyle/>
+        <a:p>
+          <a:endParaRPr lang="zh-TW" altLang="en-US"/>
+        </a:p>
+      </dgm:t>
     </dgm:pt>
     <dgm:pt modelId="{08FA467A-6995-4503-B201-F0B90825C9B6}" type="pres">
       <dgm:prSet presAssocID="{A20FE1FD-A95C-4766-9690-80DC349AC70F}" presName="hierChild4" presStyleCnt="0"/>
@@ -3846,6 +4136,13 @@
     <dgm:pt modelId="{BDE2651E-B7D5-4C3D-AD07-DA19A512C3EE}" type="pres">
       <dgm:prSet presAssocID="{10800D79-C7F5-402B-9C15-F3A760B05058}" presName="Name37" presStyleLbl="parChTrans1D2" presStyleIdx="3" presStyleCnt="4"/>
       <dgm:spPr/>
+      <dgm:t>
+        <a:bodyPr/>
+        <a:lstStyle/>
+        <a:p>
+          <a:endParaRPr lang="zh-TW" altLang="en-US"/>
+        </a:p>
+      </dgm:t>
     </dgm:pt>
     <dgm:pt modelId="{68C645D7-DD34-4CEC-B0F6-54DC101682E9}" type="pres">
       <dgm:prSet presAssocID="{AD32A085-D46D-4887-85FE-3881670D4ABC}" presName="hierRoot2" presStyleCnt="0">
@@ -3866,10 +4163,24 @@
         </dgm:presLayoutVars>
       </dgm:prSet>
       <dgm:spPr/>
+      <dgm:t>
+        <a:bodyPr/>
+        <a:lstStyle/>
+        <a:p>
+          <a:endParaRPr lang="zh-TW" altLang="en-US"/>
+        </a:p>
+      </dgm:t>
     </dgm:pt>
     <dgm:pt modelId="{C609D8FB-3E78-41DF-97D1-426FFD67870A}" type="pres">
       <dgm:prSet presAssocID="{AD32A085-D46D-4887-85FE-3881670D4ABC}" presName="rootConnector" presStyleLbl="node2" presStyleIdx="3" presStyleCnt="4"/>
       <dgm:spPr/>
+      <dgm:t>
+        <a:bodyPr/>
+        <a:lstStyle/>
+        <a:p>
+          <a:endParaRPr lang="zh-TW" altLang="en-US"/>
+        </a:p>
+      </dgm:t>
     </dgm:pt>
     <dgm:pt modelId="{F0332430-2094-44BA-B3EC-33A2BD908B64}" type="pres">
       <dgm:prSet presAssocID="{AD32A085-D46D-4887-85FE-3881670D4ABC}" presName="hierChild4" presStyleCnt="0"/>
@@ -3878,6 +4189,13 @@
     <dgm:pt modelId="{6A9A8A16-8F93-420D-8D9F-15BFBFA09642}" type="pres">
       <dgm:prSet presAssocID="{3F984D36-88C5-4802-A36C-73B6E41E1411}" presName="Name37" presStyleLbl="parChTrans1D3" presStyleIdx="9" presStyleCnt="10"/>
       <dgm:spPr/>
+      <dgm:t>
+        <a:bodyPr/>
+        <a:lstStyle/>
+        <a:p>
+          <a:endParaRPr lang="zh-TW" altLang="en-US"/>
+        </a:p>
+      </dgm:t>
     </dgm:pt>
     <dgm:pt modelId="{6D6CECBC-E1EB-4041-B439-B36FA5E3387D}" type="pres">
       <dgm:prSet presAssocID="{39BE0418-99C9-4A4C-9BB7-65D49A05BB31}" presName="hierRoot2" presStyleCnt="0">
@@ -3898,10 +4216,24 @@
         </dgm:presLayoutVars>
       </dgm:prSet>
       <dgm:spPr/>
+      <dgm:t>
+        <a:bodyPr/>
+        <a:lstStyle/>
+        <a:p>
+          <a:endParaRPr lang="zh-TW" altLang="en-US"/>
+        </a:p>
+      </dgm:t>
     </dgm:pt>
     <dgm:pt modelId="{BC019BB1-5CF6-423B-ABA0-427EF99217C0}" type="pres">
       <dgm:prSet presAssocID="{39BE0418-99C9-4A4C-9BB7-65D49A05BB31}" presName="rootConnector" presStyleLbl="node3" presStyleIdx="9" presStyleCnt="10"/>
       <dgm:spPr/>
+      <dgm:t>
+        <a:bodyPr/>
+        <a:lstStyle/>
+        <a:p>
+          <a:endParaRPr lang="zh-TW" altLang="en-US"/>
+        </a:p>
+      </dgm:t>
     </dgm:pt>
     <dgm:pt modelId="{9DB1C866-67F8-4DB2-99E4-62C28D8B5F6A}" type="pres">
       <dgm:prSet presAssocID="{39BE0418-99C9-4A4C-9BB7-65D49A05BB31}" presName="hierChild4" presStyleCnt="0"/>
@@ -3921,66 +4253,66 @@
     </dgm:pt>
   </dgm:ptLst>
   <dgm:cxnLst>
+    <dgm:cxn modelId="{4F0B0D3E-984D-49D4-BF42-B0C2A303B629}" type="presOf" srcId="{86D061FF-D2B9-4444-977F-ADD2F8B26F58}" destId="{027E1B34-93FE-4CE3-8A28-D69A90B48A09}" srcOrd="0" destOrd="0" presId="urn:microsoft.com/office/officeart/2005/8/layout/orgChart1"/>
+    <dgm:cxn modelId="{2A999C88-D037-4C71-A179-0F3CFCAEFFF4}" type="presOf" srcId="{E75562FB-B070-41B3-8EF8-CB551DCB0DC5}" destId="{6871A768-0DBE-4C41-BCFF-9B19A28A7E1D}" srcOrd="0" destOrd="0" presId="urn:microsoft.com/office/officeart/2005/8/layout/orgChart1"/>
+    <dgm:cxn modelId="{1EE855D1-1F30-4D92-A653-886CBE94E42C}" type="presOf" srcId="{5E31DA61-BA7B-4CD0-B08B-CD683A1209DE}" destId="{A6632A3E-C71E-4AE1-A356-3690361E8512}" srcOrd="0" destOrd="0" presId="urn:microsoft.com/office/officeart/2005/8/layout/orgChart1"/>
+    <dgm:cxn modelId="{50DAC207-194B-4522-8F60-70329D502C4A}" type="presOf" srcId="{DBFF9E4D-F654-4E3E-A2C7-9EEF27EF4259}" destId="{5F48F0E4-2C7E-480D-9A45-E44C79D6BEA5}" srcOrd="0" destOrd="0" presId="urn:microsoft.com/office/officeart/2005/8/layout/orgChart1"/>
+    <dgm:cxn modelId="{D693D372-7061-4242-B7FA-0922BF6D50B1}" srcId="{AD32A085-D46D-4887-85FE-3881670D4ABC}" destId="{39BE0418-99C9-4A4C-9BB7-65D49A05BB31}" srcOrd="0" destOrd="0" parTransId="{3F984D36-88C5-4802-A36C-73B6E41E1411}" sibTransId="{AADAA9E2-AA9B-4FCD-ACF3-BAF5F5DC6DE5}"/>
+    <dgm:cxn modelId="{26F9324B-44A5-4EE4-A830-EBDAA24A23BC}" type="presOf" srcId="{86D061FF-D2B9-4444-977F-ADD2F8B26F58}" destId="{DBAD3854-BABD-419A-91AD-A1E38A3CF09E}" srcOrd="1" destOrd="0" presId="urn:microsoft.com/office/officeart/2005/8/layout/orgChart1"/>
+    <dgm:cxn modelId="{CF050829-6C9D-4F48-974B-656C1923992E}" type="presOf" srcId="{69FD09DB-7D78-47CE-93D1-107E376A870E}" destId="{0D5A4EFE-1C67-4062-B174-8A1DEA7885B2}" srcOrd="0" destOrd="0" presId="urn:microsoft.com/office/officeart/2005/8/layout/orgChart1"/>
+    <dgm:cxn modelId="{657B40C3-3E57-4CCB-9E16-E70710592D61}" type="presOf" srcId="{45589563-E41B-44DB-8AFC-34EE8901D150}" destId="{31BD8C53-89B5-4F7C-9478-2F7EA5E507AF}" srcOrd="0" destOrd="0" presId="urn:microsoft.com/office/officeart/2005/8/layout/orgChart1"/>
+    <dgm:cxn modelId="{96D6EEE7-8235-4C17-9267-91757A269C8B}" type="presOf" srcId="{39BE0418-99C9-4A4C-9BB7-65D49A05BB31}" destId="{BC019BB1-5CF6-423B-ABA0-427EF99217C0}" srcOrd="1" destOrd="0" presId="urn:microsoft.com/office/officeart/2005/8/layout/orgChart1"/>
+    <dgm:cxn modelId="{A8940652-5E36-4B09-BDC7-923AD7A2B90A}" type="presOf" srcId="{C1995ACD-DEEA-4649-9190-0A2396D6DBA3}" destId="{0F6EA74C-FEEA-4A60-8965-C249C259639B}" srcOrd="0" destOrd="0" presId="urn:microsoft.com/office/officeart/2005/8/layout/orgChart1"/>
+    <dgm:cxn modelId="{5E40A485-E986-4DF1-9B84-9F421FDAB0BC}" type="presOf" srcId="{BA5BADE7-FE02-4E58-AED6-CA6877DD8C92}" destId="{2B8AB7A6-9DF3-44B8-A462-8360BF7B6F26}" srcOrd="0" destOrd="0" presId="urn:microsoft.com/office/officeart/2005/8/layout/orgChart1"/>
+    <dgm:cxn modelId="{DB594F0F-D2CE-46D6-8A71-32F88F2A750A}" type="presOf" srcId="{E7358108-83A8-42F1-84AF-1043344A61B4}" destId="{898283FA-7639-445A-95D5-432134CB6ADF}" srcOrd="0" destOrd="0" presId="urn:microsoft.com/office/officeart/2005/8/layout/orgChart1"/>
+    <dgm:cxn modelId="{B0D333DA-4366-40E3-9447-D37D14EAA057}" type="presOf" srcId="{10800D79-C7F5-402B-9C15-F3A760B05058}" destId="{BDE2651E-B7D5-4C3D-AD07-DA19A512C3EE}" srcOrd="0" destOrd="0" presId="urn:microsoft.com/office/officeart/2005/8/layout/orgChart1"/>
+    <dgm:cxn modelId="{A474708C-9EBF-4ECD-BF09-326E10A1A9BC}" type="presOf" srcId="{B3FBE738-30A6-4B4A-9DB3-9AB2CC3B1641}" destId="{34F89FF5-4CE7-4557-94ED-372F163EBFBB}" srcOrd="0" destOrd="0" presId="urn:microsoft.com/office/officeart/2005/8/layout/orgChart1"/>
+    <dgm:cxn modelId="{8E30AF8B-B498-43A6-9E10-84E97522C64C}" type="presOf" srcId="{BB9FF21B-E75B-43A4-B03F-6C82A45E4511}" destId="{D8602253-5290-4E90-A5EF-32A901888DAC}" srcOrd="1" destOrd="0" presId="urn:microsoft.com/office/officeart/2005/8/layout/orgChart1"/>
+    <dgm:cxn modelId="{0A001B7D-02A3-44E0-884E-6CD766446281}" srcId="{E7358108-83A8-42F1-84AF-1043344A61B4}" destId="{9D5DD00D-D723-41C3-A564-BE447082CEE3}" srcOrd="1" destOrd="0" parTransId="{7F7DDA6E-F3A1-4195-9D49-DD6A7A673A53}" sibTransId="{CC461DF6-266C-458F-8E69-C9749734EA70}"/>
+    <dgm:cxn modelId="{A8E79D71-C7DF-4296-A3C7-24AFAA6DE9C3}" srcId="{86D061FF-D2B9-4444-977F-ADD2F8B26F58}" destId="{0CF1DFD8-24BF-4C6B-BD01-BEBB8834C8DE}" srcOrd="0" destOrd="0" parTransId="{0CDD43BF-559F-46B2-A99A-AC0F2E14E16C}" sibTransId="{4F46DB3D-023A-410E-88AA-FB56A0D3206C}"/>
+    <dgm:cxn modelId="{DAD445AE-77E0-447B-A995-A3969FB11BB6}" srcId="{86D061FF-D2B9-4444-977F-ADD2F8B26F58}" destId="{A20FE1FD-A95C-4766-9690-80DC349AC70F}" srcOrd="2" destOrd="0" parTransId="{2888C3D8-9495-4F27-A1DB-649C0F6F0C8E}" sibTransId="{30C40F3C-0B8E-4BAD-A7D3-38CD92A119D6}"/>
+    <dgm:cxn modelId="{6AE5289E-380D-477A-8B3F-2DA1D4B51CB3}" srcId="{C1995ACD-DEEA-4649-9190-0A2396D6DBA3}" destId="{BB9FF21B-E75B-43A4-B03F-6C82A45E4511}" srcOrd="1" destOrd="0" parTransId="{B3FBE738-30A6-4B4A-9DB3-9AB2CC3B1641}" sibTransId="{02222961-B9DB-42C2-91C4-66DA7EA2366A}"/>
     <dgm:cxn modelId="{468F5004-FAEB-4B83-ACBE-87CC0951A8B8}" type="presOf" srcId="{807A8DFA-5BDA-4B03-B801-660127571B99}" destId="{079241A2-20E2-4232-9D06-88AA9F82E25C}" srcOrd="1" destOrd="0" presId="urn:microsoft.com/office/officeart/2005/8/layout/orgChart1"/>
-    <dgm:cxn modelId="{50DAC207-194B-4522-8F60-70329D502C4A}" type="presOf" srcId="{DBFF9E4D-F654-4E3E-A2C7-9EEF27EF4259}" destId="{5F48F0E4-2C7E-480D-9A45-E44C79D6BEA5}" srcOrd="0" destOrd="0" presId="urn:microsoft.com/office/officeart/2005/8/layout/orgChart1"/>
+    <dgm:cxn modelId="{AB480F80-CE0A-4F95-916F-C7173772710C}" type="presOf" srcId="{9D5DD00D-D723-41C3-A564-BE447082CEE3}" destId="{DE79C5C0-52BB-4AB4-B9E4-4D482851A011}" srcOrd="0" destOrd="0" presId="urn:microsoft.com/office/officeart/2005/8/layout/orgChart1"/>
     <dgm:cxn modelId="{3AE07709-9EB4-4A95-9929-16AE08DFE16B}" type="presOf" srcId="{45589563-E41B-44DB-8AFC-34EE8901D150}" destId="{8CE4FFBF-227E-49C4-97D7-83977CD95846}" srcOrd="1" destOrd="0" presId="urn:microsoft.com/office/officeart/2005/8/layout/orgChart1"/>
+    <dgm:cxn modelId="{E4D8F05D-28B4-48A9-9BB5-6EE26DA1C4A4}" type="presOf" srcId="{CB39D681-7061-437F-A140-79E3079A753F}" destId="{E79A5832-DD8A-4441-B652-BD9EC8B7EED1}" srcOrd="0" destOrd="0" presId="urn:microsoft.com/office/officeart/2005/8/layout/orgChart1"/>
+    <dgm:cxn modelId="{EF0895BD-A6E5-4C5F-8734-421F77E7137A}" type="presOf" srcId="{5E31DA61-BA7B-4CD0-B08B-CD683A1209DE}" destId="{5FA213B4-DAA0-4BB7-88F0-3CEC63244ACD}" srcOrd="1" destOrd="0" presId="urn:microsoft.com/office/officeart/2005/8/layout/orgChart1"/>
+    <dgm:cxn modelId="{367BD37E-38CF-4245-9EFA-D01B85B83BD9}" type="presOf" srcId="{56898A94-E574-4C74-BB23-528EED54EB78}" destId="{2D80F0C3-C504-4561-A084-06B66D39392D}" srcOrd="0" destOrd="0" presId="urn:microsoft.com/office/officeart/2005/8/layout/orgChart1"/>
+    <dgm:cxn modelId="{FB4A1C85-F1E3-45BF-8CD8-8E9D3AE2F3BA}" type="presOf" srcId="{9D5DD00D-D723-41C3-A564-BE447082CEE3}" destId="{7877DBA2-C865-46EE-839A-1D3781B37466}" srcOrd="1" destOrd="0" presId="urn:microsoft.com/office/officeart/2005/8/layout/orgChart1"/>
+    <dgm:cxn modelId="{C75B443E-4E99-4FBB-99BA-FA4A0C1A2EDC}" type="presOf" srcId="{A20FE1FD-A95C-4766-9690-80DC349AC70F}" destId="{84A7522A-37FD-4A20-BFE1-3E7225977F7B}" srcOrd="1" destOrd="0" presId="urn:microsoft.com/office/officeart/2005/8/layout/orgChart1"/>
+    <dgm:cxn modelId="{E083AA21-4155-48B2-8F94-BCB535ECC4E3}" type="presOf" srcId="{0CDD43BF-559F-46B2-A99A-AC0F2E14E16C}" destId="{E780AC31-68D7-4FDE-AB32-EFBB2D377EE9}" srcOrd="0" destOrd="0" presId="urn:microsoft.com/office/officeart/2005/8/layout/orgChart1"/>
+    <dgm:cxn modelId="{97F9CF93-1ADD-4C27-A321-B36B3C7D5089}" srcId="{E7358108-83A8-42F1-84AF-1043344A61B4}" destId="{C8AEE87B-F7A2-4CFA-BE00-6B9F721DFE96}" srcOrd="0" destOrd="0" parTransId="{DBFF9E4D-F654-4E3E-A2C7-9EEF27EF4259}" sibTransId="{EC9178BF-E53B-4AAF-BF49-34A7F5D46978}"/>
+    <dgm:cxn modelId="{2EBA05DF-25C4-4F07-B7E4-CBCE24FBD8CD}" type="presOf" srcId="{68B252EE-9C0A-4188-A43E-0D986D13139E}" destId="{58DF7A56-A026-4332-B778-5724E260D9D9}" srcOrd="0" destOrd="0" presId="urn:microsoft.com/office/officeart/2005/8/layout/orgChart1"/>
+    <dgm:cxn modelId="{828B6D54-699D-4E46-AD40-07C1A62B13D9}" srcId="{C1995ACD-DEEA-4649-9190-0A2396D6DBA3}" destId="{86D061FF-D2B9-4444-977F-ADD2F8B26F58}" srcOrd="2" destOrd="0" parTransId="{BA5BADE7-FE02-4E58-AED6-CA6877DD8C92}" sibTransId="{CFC98E5F-E976-47DE-BF3C-8D713A362CC8}"/>
+    <dgm:cxn modelId="{1E7CF7F4-880F-46A8-A683-3C17F8E77C97}" type="presOf" srcId="{AD32A085-D46D-4887-85FE-3881670D4ABC}" destId="{D6D7FEDC-5C4A-4464-B939-F0267B32F854}" srcOrd="0" destOrd="0" presId="urn:microsoft.com/office/officeart/2005/8/layout/orgChart1"/>
+    <dgm:cxn modelId="{8585F034-87B5-4354-A241-97380A009B59}" srcId="{E7358108-83A8-42F1-84AF-1043344A61B4}" destId="{68B252EE-9C0A-4188-A43E-0D986D13139E}" srcOrd="2" destOrd="0" parTransId="{81BF323F-0728-4CEC-A5C6-E78EFAB532FA}" sibTransId="{AD05A098-FF6B-4ED5-BD35-CFD2DCD6F823}"/>
+    <dgm:cxn modelId="{20309684-A762-44F5-84F3-A30330CCFCA8}" type="presOf" srcId="{0CF1DFD8-24BF-4C6B-BD01-BEBB8834C8DE}" destId="{D1B06913-B69F-4394-9B6A-75C451167FE8}" srcOrd="1" destOrd="0" presId="urn:microsoft.com/office/officeart/2005/8/layout/orgChart1"/>
+    <dgm:cxn modelId="{2A37767E-672C-464E-931A-BC8365AF4F05}" type="presOf" srcId="{AD32A085-D46D-4887-85FE-3881670D4ABC}" destId="{C609D8FB-3E78-41DF-97D1-426FFD67870A}" srcOrd="1" destOrd="0" presId="urn:microsoft.com/office/officeart/2005/8/layout/orgChart1"/>
+    <dgm:cxn modelId="{076AD29A-7FEC-4388-8353-A4CBF00E6363}" srcId="{BB9FF21B-E75B-43A4-B03F-6C82A45E4511}" destId="{E75562FB-B070-41B3-8EF8-CB551DCB0DC5}" srcOrd="1" destOrd="0" parTransId="{6D45DEA0-D4D5-4F5A-B34F-FF0007B4D557}" sibTransId="{C45E83A9-31EF-4525-9EDB-CCA5F08C6693}"/>
+    <dgm:cxn modelId="{B024FF53-4887-4D94-A72D-4D97CAFD64F6}" type="presOf" srcId="{E7358108-83A8-42F1-84AF-1043344A61B4}" destId="{74E53E5B-7DCA-4C09-A9BF-327363D42547}" srcOrd="1" destOrd="0" presId="urn:microsoft.com/office/officeart/2005/8/layout/orgChart1"/>
+    <dgm:cxn modelId="{34CA90F4-3BEF-443F-B290-94C9ED524EBD}" type="presOf" srcId="{81BF323F-0728-4CEC-A5C6-E78EFAB532FA}" destId="{FA5B38AC-797B-4312-B45A-B09C5187349A}" srcOrd="0" destOrd="0" presId="urn:microsoft.com/office/officeart/2005/8/layout/orgChart1"/>
     <dgm:cxn modelId="{022B9709-53D1-4388-BD70-35E5A92F83B5}" type="presOf" srcId="{B429E2B1-9AB4-4DAF-A3D8-FAB2AEC20118}" destId="{AD91993C-55B9-441F-87C0-0719108305AF}" srcOrd="0" destOrd="0" presId="urn:microsoft.com/office/officeart/2005/8/layout/orgChart1"/>
-    <dgm:cxn modelId="{DB594F0F-D2CE-46D6-8A71-32F88F2A750A}" type="presOf" srcId="{E7358108-83A8-42F1-84AF-1043344A61B4}" destId="{898283FA-7639-445A-95D5-432134CB6ADF}" srcOrd="0" destOrd="0" presId="urn:microsoft.com/office/officeart/2005/8/layout/orgChart1"/>
-    <dgm:cxn modelId="{E083AA21-4155-48B2-8F94-BCB535ECC4E3}" type="presOf" srcId="{0CDD43BF-559F-46B2-A99A-AC0F2E14E16C}" destId="{E780AC31-68D7-4FDE-AB32-EFBB2D377EE9}" srcOrd="0" destOrd="0" presId="urn:microsoft.com/office/officeart/2005/8/layout/orgChart1"/>
-    <dgm:cxn modelId="{D680EA26-5B15-420D-9FA0-DD0C5A469941}" srcId="{29EEBFE2-BEA6-4F35-8D1E-FF7000BD40D5}" destId="{C1995ACD-DEEA-4649-9190-0A2396D6DBA3}" srcOrd="0" destOrd="0" parTransId="{A5ED610D-3F11-454D-B28B-8E429C182DBB}" sibTransId="{CF4FC96D-3D22-44F0-A56F-5F48565B1343}"/>
-    <dgm:cxn modelId="{CF050829-6C9D-4F48-974B-656C1923992E}" type="presOf" srcId="{69FD09DB-7D78-47CE-93D1-107E376A870E}" destId="{0D5A4EFE-1C67-4062-B174-8A1DEA7885B2}" srcOrd="0" destOrd="0" presId="urn:microsoft.com/office/officeart/2005/8/layout/orgChart1"/>
+    <dgm:cxn modelId="{9F8086E4-200A-41A0-985F-6819AAD7FF3C}" srcId="{C1995ACD-DEEA-4649-9190-0A2396D6DBA3}" destId="{AD32A085-D46D-4887-85FE-3881670D4ABC}" srcOrd="3" destOrd="0" parTransId="{10800D79-C7F5-402B-9C15-F3A760B05058}" sibTransId="{B3F636BC-F4CF-43A1-A69B-8541CA9DB61A}"/>
+    <dgm:cxn modelId="{AA09D090-9317-4095-B6E6-E4A683928290}" type="presOf" srcId="{A20FE1FD-A95C-4766-9690-80DC349AC70F}" destId="{8C04714C-7228-4FE6-AC0C-C1DB88E9F632}" srcOrd="0" destOrd="0" presId="urn:microsoft.com/office/officeart/2005/8/layout/orgChart1"/>
+    <dgm:cxn modelId="{6C081070-BFA6-4451-8423-41FAADBD5092}" type="presOf" srcId="{807A8DFA-5BDA-4B03-B801-660127571B99}" destId="{B9F624FB-4B18-4FAE-BC1C-356832304C1D}" srcOrd="0" destOrd="0" presId="urn:microsoft.com/office/officeart/2005/8/layout/orgChart1"/>
+    <dgm:cxn modelId="{86B0FB32-42C9-4162-91B1-FFC1DE8460AC}" type="presOf" srcId="{29EEBFE2-BEA6-4F35-8D1E-FF7000BD40D5}" destId="{764024E2-07FC-4A92-AB92-49DAE6C1E5A9}" srcOrd="0" destOrd="0" presId="urn:microsoft.com/office/officeart/2005/8/layout/orgChart1"/>
+    <dgm:cxn modelId="{A22D7F34-B439-4CBC-B05B-B7928B3E9518}" type="presOf" srcId="{BB9FF21B-E75B-43A4-B03F-6C82A45E4511}" destId="{EA605843-84EA-4778-BB50-59415505C303}" srcOrd="0" destOrd="0" presId="urn:microsoft.com/office/officeart/2005/8/layout/orgChart1"/>
+    <dgm:cxn modelId="{8DF793BF-2779-4364-8E86-AD0E5A6E0DE7}" srcId="{BB9FF21B-E75B-43A4-B03F-6C82A45E4511}" destId="{807A8DFA-5BDA-4B03-B801-660127571B99}" srcOrd="0" destOrd="0" parTransId="{CB39D681-7061-437F-A140-79E3079A753F}" sibTransId="{4527A35C-07AB-4D60-998A-707A1A9945D9}"/>
+    <dgm:cxn modelId="{78F39385-89B2-4678-B14C-4566B6C7C105}" type="presOf" srcId="{C1995ACD-DEEA-4649-9190-0A2396D6DBA3}" destId="{51FCB016-BDCC-466A-AEB8-2EA2F7D30621}" srcOrd="1" destOrd="0" presId="urn:microsoft.com/office/officeart/2005/8/layout/orgChart1"/>
+    <dgm:cxn modelId="{A5A6396D-90A6-4EAB-BD65-C6E3EB328989}" srcId="{BB9FF21B-E75B-43A4-B03F-6C82A45E4511}" destId="{5E31DA61-BA7B-4CD0-B08B-CD683A1209DE}" srcOrd="2" destOrd="0" parTransId="{B429E2B1-9AB4-4DAF-A3D8-FAB2AEC20118}" sibTransId="{EFD350DB-5014-47BD-802E-75E7FEB9EDCE}"/>
     <dgm:cxn modelId="{E3838B30-B14E-4EEB-9770-9A004F60ED7D}" type="presOf" srcId="{2888C3D8-9495-4F27-A1DB-649C0F6F0C8E}" destId="{FD340AE9-3099-4F19-AE25-6AA406E4942B}" srcOrd="0" destOrd="0" presId="urn:microsoft.com/office/officeart/2005/8/layout/orgChart1"/>
     <dgm:cxn modelId="{9E00E631-3A37-453D-8036-41BFD158F301}" srcId="{C1995ACD-DEEA-4649-9190-0A2396D6DBA3}" destId="{E7358108-83A8-42F1-84AF-1043344A61B4}" srcOrd="0" destOrd="0" parTransId="{69FD09DB-7D78-47CE-93D1-107E376A870E}" sibTransId="{1EE218E9-8B94-451F-A133-38BAF668B8B5}"/>
-    <dgm:cxn modelId="{86B0FB32-42C9-4162-91B1-FFC1DE8460AC}" type="presOf" srcId="{29EEBFE2-BEA6-4F35-8D1E-FF7000BD40D5}" destId="{764024E2-07FC-4A92-AB92-49DAE6C1E5A9}" srcOrd="0" destOrd="0" presId="urn:microsoft.com/office/officeart/2005/8/layout/orgChart1"/>
-    <dgm:cxn modelId="{A22D7F34-B439-4CBC-B05B-B7928B3E9518}" type="presOf" srcId="{BB9FF21B-E75B-43A4-B03F-6C82A45E4511}" destId="{EA605843-84EA-4778-BB50-59415505C303}" srcOrd="0" destOrd="0" presId="urn:microsoft.com/office/officeart/2005/8/layout/orgChart1"/>
-    <dgm:cxn modelId="{8585F034-87B5-4354-A241-97380A009B59}" srcId="{E7358108-83A8-42F1-84AF-1043344A61B4}" destId="{68B252EE-9C0A-4188-A43E-0D986D13139E}" srcOrd="2" destOrd="0" parTransId="{81BF323F-0728-4CEC-A5C6-E78EFAB532FA}" sibTransId="{AD05A098-FF6B-4ED5-BD35-CFD2DCD6F823}"/>
-    <dgm:cxn modelId="{4F0B0D3E-984D-49D4-BF42-B0C2A303B629}" type="presOf" srcId="{86D061FF-D2B9-4444-977F-ADD2F8B26F58}" destId="{027E1B34-93FE-4CE3-8A28-D69A90B48A09}" srcOrd="0" destOrd="0" presId="urn:microsoft.com/office/officeart/2005/8/layout/orgChart1"/>
-    <dgm:cxn modelId="{C75B443E-4E99-4FBB-99BA-FA4A0C1A2EDC}" type="presOf" srcId="{A20FE1FD-A95C-4766-9690-80DC349AC70F}" destId="{84A7522A-37FD-4A20-BFE1-3E7225977F7B}" srcOrd="1" destOrd="0" presId="urn:microsoft.com/office/officeart/2005/8/layout/orgChart1"/>
-    <dgm:cxn modelId="{E4D8F05D-28B4-48A9-9BB5-6EE26DA1C4A4}" type="presOf" srcId="{CB39D681-7061-437F-A140-79E3079A753F}" destId="{E79A5832-DD8A-4441-B652-BD9EC8B7EED1}" srcOrd="0" destOrd="0" presId="urn:microsoft.com/office/officeart/2005/8/layout/orgChart1"/>
     <dgm:cxn modelId="{53F1B363-031E-4DC4-8446-BEC328477272}" type="presOf" srcId="{6D45DEA0-D4D5-4F5A-B34F-FF0007B4D557}" destId="{BC0D907D-CEB2-4F4E-B6F3-5737303E1E5F}" srcOrd="0" destOrd="0" presId="urn:microsoft.com/office/officeart/2005/8/layout/orgChart1"/>
     <dgm:cxn modelId="{665D2C66-71F9-4798-AD7B-213B21EF38D4}" type="presOf" srcId="{0CF1DFD8-24BF-4C6B-BD01-BEBB8834C8DE}" destId="{FC2AA275-909E-47D7-A861-5FB840A38676}" srcOrd="0" destOrd="0" presId="urn:microsoft.com/office/officeart/2005/8/layout/orgChart1"/>
+    <dgm:cxn modelId="{934DDD9A-24FF-4BF0-940E-843BF0B8C4A9}" type="presOf" srcId="{39BE0418-99C9-4A4C-9BB7-65D49A05BB31}" destId="{A22D8479-F3B5-40E2-B47E-87AA623B4993}" srcOrd="0" destOrd="0" presId="urn:microsoft.com/office/officeart/2005/8/layout/orgChart1"/>
+    <dgm:cxn modelId="{80C4524F-4DF7-4799-946F-CCB503F3B731}" type="presOf" srcId="{3F984D36-88C5-4802-A36C-73B6E41E1411}" destId="{6A9A8A16-8F93-420D-8D9F-15BFBFA09642}" srcOrd="0" destOrd="0" presId="urn:microsoft.com/office/officeart/2005/8/layout/orgChart1"/>
+    <dgm:cxn modelId="{9935FD93-C4F2-4D60-8FD8-02DB113D79BC}" type="presOf" srcId="{7F7DDA6E-F3A1-4195-9D49-DD6A7A673A53}" destId="{1CACF2A5-9765-453F-9602-3749D63C20FF}" srcOrd="0" destOrd="0" presId="urn:microsoft.com/office/officeart/2005/8/layout/orgChart1"/>
+    <dgm:cxn modelId="{EE872192-4017-4F2D-B4EC-3F779FABC6B7}" type="presOf" srcId="{68B252EE-9C0A-4188-A43E-0D986D13139E}" destId="{53D166CE-3030-491E-8941-378611132950}" srcOrd="1" destOrd="0" presId="urn:microsoft.com/office/officeart/2005/8/layout/orgChart1"/>
+    <dgm:cxn modelId="{EDDD4D9C-7009-4E90-A9EE-E3DD9DF935B6}" type="presOf" srcId="{C8AEE87B-F7A2-4CFA-BE00-6B9F721DFE96}" destId="{23546AB9-AA88-44E8-A74F-6A7DB71CEDFA}" srcOrd="1" destOrd="0" presId="urn:microsoft.com/office/officeart/2005/8/layout/orgChart1"/>
     <dgm:cxn modelId="{692C2E6B-BDFD-4010-A265-F8C30B20FA6C}" srcId="{86D061FF-D2B9-4444-977F-ADD2F8B26F58}" destId="{45589563-E41B-44DB-8AFC-34EE8901D150}" srcOrd="1" destOrd="0" parTransId="{56898A94-E574-4C74-BB23-528EED54EB78}" sibTransId="{9C579D39-AB85-41C8-8432-AFBFC00D9440}"/>
-    <dgm:cxn modelId="{26F9324B-44A5-4EE4-A830-EBDAA24A23BC}" type="presOf" srcId="{86D061FF-D2B9-4444-977F-ADD2F8B26F58}" destId="{DBAD3854-BABD-419A-91AD-A1E38A3CF09E}" srcOrd="1" destOrd="0" presId="urn:microsoft.com/office/officeart/2005/8/layout/orgChart1"/>
-    <dgm:cxn modelId="{A5A6396D-90A6-4EAB-BD65-C6E3EB328989}" srcId="{BB9FF21B-E75B-43A4-B03F-6C82A45E4511}" destId="{5E31DA61-BA7B-4CD0-B08B-CD683A1209DE}" srcOrd="2" destOrd="0" parTransId="{B429E2B1-9AB4-4DAF-A3D8-FAB2AEC20118}" sibTransId="{EFD350DB-5014-47BD-802E-75E7FEB9EDCE}"/>
-    <dgm:cxn modelId="{80C4524F-4DF7-4799-946F-CCB503F3B731}" type="presOf" srcId="{3F984D36-88C5-4802-A36C-73B6E41E1411}" destId="{6A9A8A16-8F93-420D-8D9F-15BFBFA09642}" srcOrd="0" destOrd="0" presId="urn:microsoft.com/office/officeart/2005/8/layout/orgChart1"/>
-    <dgm:cxn modelId="{6C081070-BFA6-4451-8423-41FAADBD5092}" type="presOf" srcId="{807A8DFA-5BDA-4B03-B801-660127571B99}" destId="{B9F624FB-4B18-4FAE-BC1C-356832304C1D}" srcOrd="0" destOrd="0" presId="urn:microsoft.com/office/officeart/2005/8/layout/orgChart1"/>
-    <dgm:cxn modelId="{A8E79D71-C7DF-4296-A3C7-24AFAA6DE9C3}" srcId="{86D061FF-D2B9-4444-977F-ADD2F8B26F58}" destId="{0CF1DFD8-24BF-4C6B-BD01-BEBB8834C8DE}" srcOrd="0" destOrd="0" parTransId="{0CDD43BF-559F-46B2-A99A-AC0F2E14E16C}" sibTransId="{4F46DB3D-023A-410E-88AA-FB56A0D3206C}"/>
-    <dgm:cxn modelId="{A8940652-5E36-4B09-BDC7-923AD7A2B90A}" type="presOf" srcId="{C1995ACD-DEEA-4649-9190-0A2396D6DBA3}" destId="{0F6EA74C-FEEA-4A60-8965-C249C259639B}" srcOrd="0" destOrd="0" presId="urn:microsoft.com/office/officeart/2005/8/layout/orgChart1"/>
-    <dgm:cxn modelId="{D693D372-7061-4242-B7FA-0922BF6D50B1}" srcId="{AD32A085-D46D-4887-85FE-3881670D4ABC}" destId="{39BE0418-99C9-4A4C-9BB7-65D49A05BB31}" srcOrd="0" destOrd="0" parTransId="{3F984D36-88C5-4802-A36C-73B6E41E1411}" sibTransId="{AADAA9E2-AA9B-4FCD-ACF3-BAF5F5DC6DE5}"/>
-    <dgm:cxn modelId="{B024FF53-4887-4D94-A72D-4D97CAFD64F6}" type="presOf" srcId="{E7358108-83A8-42F1-84AF-1043344A61B4}" destId="{74E53E5B-7DCA-4C09-A9BF-327363D42547}" srcOrd="1" destOrd="0" presId="urn:microsoft.com/office/officeart/2005/8/layout/orgChart1"/>
-    <dgm:cxn modelId="{828B6D54-699D-4E46-AD40-07C1A62B13D9}" srcId="{C1995ACD-DEEA-4649-9190-0A2396D6DBA3}" destId="{86D061FF-D2B9-4444-977F-ADD2F8B26F58}" srcOrd="2" destOrd="0" parTransId="{BA5BADE7-FE02-4E58-AED6-CA6877DD8C92}" sibTransId="{CFC98E5F-E976-47DE-BF3C-8D713A362CC8}"/>
-    <dgm:cxn modelId="{0A001B7D-02A3-44E0-884E-6CD766446281}" srcId="{E7358108-83A8-42F1-84AF-1043344A61B4}" destId="{9D5DD00D-D723-41C3-A564-BE447082CEE3}" srcOrd="1" destOrd="0" parTransId="{7F7DDA6E-F3A1-4195-9D49-DD6A7A673A53}" sibTransId="{CC461DF6-266C-458F-8E69-C9749734EA70}"/>
-    <dgm:cxn modelId="{2A37767E-672C-464E-931A-BC8365AF4F05}" type="presOf" srcId="{AD32A085-D46D-4887-85FE-3881670D4ABC}" destId="{C609D8FB-3E78-41DF-97D1-426FFD67870A}" srcOrd="1" destOrd="0" presId="urn:microsoft.com/office/officeart/2005/8/layout/orgChart1"/>
-    <dgm:cxn modelId="{367BD37E-38CF-4245-9EFA-D01B85B83BD9}" type="presOf" srcId="{56898A94-E574-4C74-BB23-528EED54EB78}" destId="{2D80F0C3-C504-4561-A084-06B66D39392D}" srcOrd="0" destOrd="0" presId="urn:microsoft.com/office/officeart/2005/8/layout/orgChart1"/>
-    <dgm:cxn modelId="{AB480F80-CE0A-4F95-916F-C7173772710C}" type="presOf" srcId="{9D5DD00D-D723-41C3-A564-BE447082CEE3}" destId="{DE79C5C0-52BB-4AB4-B9E4-4D482851A011}" srcOrd="0" destOrd="0" presId="urn:microsoft.com/office/officeart/2005/8/layout/orgChart1"/>
-    <dgm:cxn modelId="{20309684-A762-44F5-84F3-A30330CCFCA8}" type="presOf" srcId="{0CF1DFD8-24BF-4C6B-BD01-BEBB8834C8DE}" destId="{D1B06913-B69F-4394-9B6A-75C451167FE8}" srcOrd="1" destOrd="0" presId="urn:microsoft.com/office/officeart/2005/8/layout/orgChart1"/>
-    <dgm:cxn modelId="{FB4A1C85-F1E3-45BF-8CD8-8E9D3AE2F3BA}" type="presOf" srcId="{9D5DD00D-D723-41C3-A564-BE447082CEE3}" destId="{7877DBA2-C865-46EE-839A-1D3781B37466}" srcOrd="1" destOrd="0" presId="urn:microsoft.com/office/officeart/2005/8/layout/orgChart1"/>
-    <dgm:cxn modelId="{78F39385-89B2-4678-B14C-4566B6C7C105}" type="presOf" srcId="{C1995ACD-DEEA-4649-9190-0A2396D6DBA3}" destId="{51FCB016-BDCC-466A-AEB8-2EA2F7D30621}" srcOrd="1" destOrd="0" presId="urn:microsoft.com/office/officeart/2005/8/layout/orgChart1"/>
-    <dgm:cxn modelId="{5E40A485-E986-4DF1-9B84-9F421FDAB0BC}" type="presOf" srcId="{BA5BADE7-FE02-4E58-AED6-CA6877DD8C92}" destId="{2B8AB7A6-9DF3-44B8-A462-8360BF7B6F26}" srcOrd="0" destOrd="0" presId="urn:microsoft.com/office/officeart/2005/8/layout/orgChart1"/>
+    <dgm:cxn modelId="{235A9498-EF3D-4486-AD85-5CD5B828BBC7}" type="presOf" srcId="{E75562FB-B070-41B3-8EF8-CB551DCB0DC5}" destId="{D223C34C-51A5-4CA5-8302-426A14A3C069}" srcOrd="1" destOrd="0" presId="urn:microsoft.com/office/officeart/2005/8/layout/orgChart1"/>
+    <dgm:cxn modelId="{D680EA26-5B15-420D-9FA0-DD0C5A469941}" srcId="{29EEBFE2-BEA6-4F35-8D1E-FF7000BD40D5}" destId="{C1995ACD-DEEA-4649-9190-0A2396D6DBA3}" srcOrd="0" destOrd="0" parTransId="{A5ED610D-3F11-454D-B28B-8E429C182DBB}" sibTransId="{CF4FC96D-3D22-44F0-A56F-5F48565B1343}"/>
     <dgm:cxn modelId="{74B08588-A8AA-40FE-A5B1-93EF0CF50E26}" type="presOf" srcId="{C8AEE87B-F7A2-4CFA-BE00-6B9F721DFE96}" destId="{9CB29694-F3D7-41DB-BEBC-33D5343BA11A}" srcOrd="0" destOrd="0" presId="urn:microsoft.com/office/officeart/2005/8/layout/orgChart1"/>
-    <dgm:cxn modelId="{2A999C88-D037-4C71-A179-0F3CFCAEFFF4}" type="presOf" srcId="{E75562FB-B070-41B3-8EF8-CB551DCB0DC5}" destId="{6871A768-0DBE-4C41-BCFF-9B19A28A7E1D}" srcOrd="0" destOrd="0" presId="urn:microsoft.com/office/officeart/2005/8/layout/orgChart1"/>
-    <dgm:cxn modelId="{8E30AF8B-B498-43A6-9E10-84E97522C64C}" type="presOf" srcId="{BB9FF21B-E75B-43A4-B03F-6C82A45E4511}" destId="{D8602253-5290-4E90-A5EF-32A901888DAC}" srcOrd="1" destOrd="0" presId="urn:microsoft.com/office/officeart/2005/8/layout/orgChart1"/>
-    <dgm:cxn modelId="{A474708C-9EBF-4ECD-BF09-326E10A1A9BC}" type="presOf" srcId="{B3FBE738-30A6-4B4A-9DB3-9AB2CC3B1641}" destId="{34F89FF5-4CE7-4557-94ED-372F163EBFBB}" srcOrd="0" destOrd="0" presId="urn:microsoft.com/office/officeart/2005/8/layout/orgChart1"/>
-    <dgm:cxn modelId="{AA09D090-9317-4095-B6E6-E4A683928290}" type="presOf" srcId="{A20FE1FD-A95C-4766-9690-80DC349AC70F}" destId="{8C04714C-7228-4FE6-AC0C-C1DB88E9F632}" srcOrd="0" destOrd="0" presId="urn:microsoft.com/office/officeart/2005/8/layout/orgChart1"/>
-    <dgm:cxn modelId="{EE872192-4017-4F2D-B4EC-3F779FABC6B7}" type="presOf" srcId="{68B252EE-9C0A-4188-A43E-0D986D13139E}" destId="{53D166CE-3030-491E-8941-378611132950}" srcOrd="1" destOrd="0" presId="urn:microsoft.com/office/officeart/2005/8/layout/orgChart1"/>
-    <dgm:cxn modelId="{97F9CF93-1ADD-4C27-A321-B36B3C7D5089}" srcId="{E7358108-83A8-42F1-84AF-1043344A61B4}" destId="{C8AEE87B-F7A2-4CFA-BE00-6B9F721DFE96}" srcOrd="0" destOrd="0" parTransId="{DBFF9E4D-F654-4E3E-A2C7-9EEF27EF4259}" sibTransId="{EC9178BF-E53B-4AAF-BF49-34A7F5D46978}"/>
-    <dgm:cxn modelId="{9935FD93-C4F2-4D60-8FD8-02DB113D79BC}" type="presOf" srcId="{7F7DDA6E-F3A1-4195-9D49-DD6A7A673A53}" destId="{1CACF2A5-9765-453F-9602-3749D63C20FF}" srcOrd="0" destOrd="0" presId="urn:microsoft.com/office/officeart/2005/8/layout/orgChart1"/>
-    <dgm:cxn modelId="{235A9498-EF3D-4486-AD85-5CD5B828BBC7}" type="presOf" srcId="{E75562FB-B070-41B3-8EF8-CB551DCB0DC5}" destId="{D223C34C-51A5-4CA5-8302-426A14A3C069}" srcOrd="1" destOrd="0" presId="urn:microsoft.com/office/officeart/2005/8/layout/orgChart1"/>
-    <dgm:cxn modelId="{076AD29A-7FEC-4388-8353-A4CBF00E6363}" srcId="{BB9FF21B-E75B-43A4-B03F-6C82A45E4511}" destId="{E75562FB-B070-41B3-8EF8-CB551DCB0DC5}" srcOrd="1" destOrd="0" parTransId="{6D45DEA0-D4D5-4F5A-B34F-FF0007B4D557}" sibTransId="{C45E83A9-31EF-4525-9EDB-CCA5F08C6693}"/>
-    <dgm:cxn modelId="{934DDD9A-24FF-4BF0-940E-843BF0B8C4A9}" type="presOf" srcId="{39BE0418-99C9-4A4C-9BB7-65D49A05BB31}" destId="{A22D8479-F3B5-40E2-B47E-87AA623B4993}" srcOrd="0" destOrd="0" presId="urn:microsoft.com/office/officeart/2005/8/layout/orgChart1"/>
-    <dgm:cxn modelId="{EDDD4D9C-7009-4E90-A9EE-E3DD9DF935B6}" type="presOf" srcId="{C8AEE87B-F7A2-4CFA-BE00-6B9F721DFE96}" destId="{23546AB9-AA88-44E8-A74F-6A7DB71CEDFA}" srcOrd="1" destOrd="0" presId="urn:microsoft.com/office/officeart/2005/8/layout/orgChart1"/>
-    <dgm:cxn modelId="{6AE5289E-380D-477A-8B3F-2DA1D4B51CB3}" srcId="{C1995ACD-DEEA-4649-9190-0A2396D6DBA3}" destId="{BB9FF21B-E75B-43A4-B03F-6C82A45E4511}" srcOrd="1" destOrd="0" parTransId="{B3FBE738-30A6-4B4A-9DB3-9AB2CC3B1641}" sibTransId="{02222961-B9DB-42C2-91C4-66DA7EA2366A}"/>
-    <dgm:cxn modelId="{DAD445AE-77E0-447B-A995-A3969FB11BB6}" srcId="{86D061FF-D2B9-4444-977F-ADD2F8B26F58}" destId="{A20FE1FD-A95C-4766-9690-80DC349AC70F}" srcOrd="2" destOrd="0" parTransId="{2888C3D8-9495-4F27-A1DB-649C0F6F0C8E}" sibTransId="{30C40F3C-0B8E-4BAD-A7D3-38CD92A119D6}"/>
-    <dgm:cxn modelId="{EF0895BD-A6E5-4C5F-8734-421F77E7137A}" type="presOf" srcId="{5E31DA61-BA7B-4CD0-B08B-CD683A1209DE}" destId="{5FA213B4-DAA0-4BB7-88F0-3CEC63244ACD}" srcOrd="1" destOrd="0" presId="urn:microsoft.com/office/officeart/2005/8/layout/orgChart1"/>
-    <dgm:cxn modelId="{8DF793BF-2779-4364-8E86-AD0E5A6E0DE7}" srcId="{BB9FF21B-E75B-43A4-B03F-6C82A45E4511}" destId="{807A8DFA-5BDA-4B03-B801-660127571B99}" srcOrd="0" destOrd="0" parTransId="{CB39D681-7061-437F-A140-79E3079A753F}" sibTransId="{4527A35C-07AB-4D60-998A-707A1A9945D9}"/>
-    <dgm:cxn modelId="{657B40C3-3E57-4CCB-9E16-E70710592D61}" type="presOf" srcId="{45589563-E41B-44DB-8AFC-34EE8901D150}" destId="{31BD8C53-89B5-4F7C-9478-2F7EA5E507AF}" srcOrd="0" destOrd="0" presId="urn:microsoft.com/office/officeart/2005/8/layout/orgChart1"/>
-    <dgm:cxn modelId="{1EE855D1-1F30-4D92-A653-886CBE94E42C}" type="presOf" srcId="{5E31DA61-BA7B-4CD0-B08B-CD683A1209DE}" destId="{A6632A3E-C71E-4AE1-A356-3690361E8512}" srcOrd="0" destOrd="0" presId="urn:microsoft.com/office/officeart/2005/8/layout/orgChart1"/>
-    <dgm:cxn modelId="{B0D333DA-4366-40E3-9447-D37D14EAA057}" type="presOf" srcId="{10800D79-C7F5-402B-9C15-F3A760B05058}" destId="{BDE2651E-B7D5-4C3D-AD07-DA19A512C3EE}" srcOrd="0" destOrd="0" presId="urn:microsoft.com/office/officeart/2005/8/layout/orgChart1"/>
-    <dgm:cxn modelId="{2EBA05DF-25C4-4F07-B7E4-CBCE24FBD8CD}" type="presOf" srcId="{68B252EE-9C0A-4188-A43E-0D986D13139E}" destId="{58DF7A56-A026-4332-B778-5724E260D9D9}" srcOrd="0" destOrd="0" presId="urn:microsoft.com/office/officeart/2005/8/layout/orgChart1"/>
-    <dgm:cxn modelId="{9F8086E4-200A-41A0-985F-6819AAD7FF3C}" srcId="{C1995ACD-DEEA-4649-9190-0A2396D6DBA3}" destId="{AD32A085-D46D-4887-85FE-3881670D4ABC}" srcOrd="3" destOrd="0" parTransId="{10800D79-C7F5-402B-9C15-F3A760B05058}" sibTransId="{B3F636BC-F4CF-43A1-A69B-8541CA9DB61A}"/>
-    <dgm:cxn modelId="{96D6EEE7-8235-4C17-9267-91757A269C8B}" type="presOf" srcId="{39BE0418-99C9-4A4C-9BB7-65D49A05BB31}" destId="{BC019BB1-5CF6-423B-ABA0-427EF99217C0}" srcOrd="1" destOrd="0" presId="urn:microsoft.com/office/officeart/2005/8/layout/orgChart1"/>
-    <dgm:cxn modelId="{34CA90F4-3BEF-443F-B290-94C9ED524EBD}" type="presOf" srcId="{81BF323F-0728-4CEC-A5C6-E78EFAB532FA}" destId="{FA5B38AC-797B-4312-B45A-B09C5187349A}" srcOrd="0" destOrd="0" presId="urn:microsoft.com/office/officeart/2005/8/layout/orgChart1"/>
-    <dgm:cxn modelId="{1E7CF7F4-880F-46A8-A683-3C17F8E77C97}" type="presOf" srcId="{AD32A085-D46D-4887-85FE-3881670D4ABC}" destId="{D6D7FEDC-5C4A-4464-B939-F0267B32F854}" srcOrd="0" destOrd="0" presId="urn:microsoft.com/office/officeart/2005/8/layout/orgChart1"/>
     <dgm:cxn modelId="{1043DBB4-3E98-4667-AFB0-FE1DD5F4D950}" type="presParOf" srcId="{764024E2-07FC-4A92-AB92-49DAE6C1E5A9}" destId="{341D0529-C993-485F-BFBA-73789AD13323}" srcOrd="0" destOrd="0" presId="urn:microsoft.com/office/officeart/2005/8/layout/orgChart1"/>
     <dgm:cxn modelId="{78CA9623-37D5-4F3C-B069-9D69DC2E1A4A}" type="presParOf" srcId="{341D0529-C993-485F-BFBA-73789AD13323}" destId="{A0EA6964-6D71-4BBB-BFE3-8CE8410BB988}" srcOrd="0" destOrd="0" presId="urn:microsoft.com/office/officeart/2005/8/layout/orgChart1"/>
     <dgm:cxn modelId="{3D3AE38E-E62B-4059-B79C-E624C48E1AEB}" type="presParOf" srcId="{A0EA6964-6D71-4BBB-BFE3-8CE8410BB988}" destId="{0F6EA74C-FEEA-4A60-8965-C249C259639B}" srcOrd="0" destOrd="0" presId="urn:microsoft.com/office/officeart/2005/8/layout/orgChart1"/>
@@ -4425,11 +4757,18 @@
         <a:lstStyle/>
         <a:p>
           <a:r>
+            <a:rPr lang="zh-TW" altLang="en-US" dirty="0" smtClean="0">
+              <a:latin typeface="Microsoft JhengHei Light" panose="020B0304030504040204" pitchFamily="34" charset="-120"/>
+              <a:ea typeface="Microsoft JhengHei Light" panose="020B0304030504040204" pitchFamily="34" charset="-120"/>
+            </a:rPr>
+            <a:t>紀錄</a:t>
+          </a:r>
+          <a:r>
             <a:rPr lang="zh-TW" altLang="en-US" dirty="0">
               <a:latin typeface="Microsoft JhengHei Light" panose="020B0304030504040204" pitchFamily="34" charset="-120"/>
               <a:ea typeface="Microsoft JhengHei Light" panose="020B0304030504040204" pitchFamily="34" charset="-120"/>
             </a:rPr>
-            <a:t>計錄遊戲數據</a:t>
+            <a:t>遊戲數據</a:t>
           </a:r>
         </a:p>
       </dgm:t>
@@ -4742,6 +5081,13 @@
         </dgm:presLayoutVars>
       </dgm:prSet>
       <dgm:spPr/>
+      <dgm:t>
+        <a:bodyPr/>
+        <a:lstStyle/>
+        <a:p>
+          <a:endParaRPr lang="zh-TW" altLang="en-US"/>
+        </a:p>
+      </dgm:t>
     </dgm:pt>
     <dgm:pt modelId="{341D0529-C993-485F-BFBA-73789AD13323}" type="pres">
       <dgm:prSet presAssocID="{C1995ACD-DEEA-4649-9190-0A2396D6DBA3}" presName="hierRoot1" presStyleCnt="0">
@@ -4762,10 +5108,24 @@
         </dgm:presLayoutVars>
       </dgm:prSet>
       <dgm:spPr/>
+      <dgm:t>
+        <a:bodyPr/>
+        <a:lstStyle/>
+        <a:p>
+          <a:endParaRPr lang="zh-TW" altLang="en-US"/>
+        </a:p>
+      </dgm:t>
     </dgm:pt>
     <dgm:pt modelId="{51FCB016-BDCC-466A-AEB8-2EA2F7D30621}" type="pres">
       <dgm:prSet presAssocID="{C1995ACD-DEEA-4649-9190-0A2396D6DBA3}" presName="rootConnector1" presStyleLbl="node1" presStyleIdx="0" presStyleCnt="0"/>
       <dgm:spPr/>
+      <dgm:t>
+        <a:bodyPr/>
+        <a:lstStyle/>
+        <a:p>
+          <a:endParaRPr lang="zh-TW" altLang="en-US"/>
+        </a:p>
+      </dgm:t>
     </dgm:pt>
     <dgm:pt modelId="{70833F56-676C-4F4A-840C-BD3E2F8215EB}" type="pres">
       <dgm:prSet presAssocID="{C1995ACD-DEEA-4649-9190-0A2396D6DBA3}" presName="hierChild2" presStyleCnt="0"/>
@@ -4774,6 +5134,13 @@
     <dgm:pt modelId="{0D5A4EFE-1C67-4062-B174-8A1DEA7885B2}" type="pres">
       <dgm:prSet presAssocID="{69FD09DB-7D78-47CE-93D1-107E376A870E}" presName="Name37" presStyleLbl="parChTrans1D2" presStyleIdx="0" presStyleCnt="4"/>
       <dgm:spPr/>
+      <dgm:t>
+        <a:bodyPr/>
+        <a:lstStyle/>
+        <a:p>
+          <a:endParaRPr lang="zh-TW" altLang="en-US"/>
+        </a:p>
+      </dgm:t>
     </dgm:pt>
     <dgm:pt modelId="{DA6DE99B-499E-4D7B-B12E-6186C9E0DD80}" type="pres">
       <dgm:prSet presAssocID="{E7358108-83A8-42F1-84AF-1043344A61B4}" presName="hierRoot2" presStyleCnt="0">
@@ -4794,10 +5161,24 @@
         </dgm:presLayoutVars>
       </dgm:prSet>
       <dgm:spPr/>
+      <dgm:t>
+        <a:bodyPr/>
+        <a:lstStyle/>
+        <a:p>
+          <a:endParaRPr lang="zh-TW" altLang="en-US"/>
+        </a:p>
+      </dgm:t>
     </dgm:pt>
     <dgm:pt modelId="{74E53E5B-7DCA-4C09-A9BF-327363D42547}" type="pres">
       <dgm:prSet presAssocID="{E7358108-83A8-42F1-84AF-1043344A61B4}" presName="rootConnector" presStyleLbl="node2" presStyleIdx="0" presStyleCnt="4"/>
       <dgm:spPr/>
+      <dgm:t>
+        <a:bodyPr/>
+        <a:lstStyle/>
+        <a:p>
+          <a:endParaRPr lang="zh-TW" altLang="en-US"/>
+        </a:p>
+      </dgm:t>
     </dgm:pt>
     <dgm:pt modelId="{F19D0611-B84B-4FD7-BF2E-2DADD5D827ED}" type="pres">
       <dgm:prSet presAssocID="{E7358108-83A8-42F1-84AF-1043344A61B4}" presName="hierChild4" presStyleCnt="0"/>
@@ -4806,6 +5187,13 @@
     <dgm:pt modelId="{5F48F0E4-2C7E-480D-9A45-E44C79D6BEA5}" type="pres">
       <dgm:prSet presAssocID="{DBFF9E4D-F654-4E3E-A2C7-9EEF27EF4259}" presName="Name37" presStyleLbl="parChTrans1D3" presStyleIdx="0" presStyleCnt="10"/>
       <dgm:spPr/>
+      <dgm:t>
+        <a:bodyPr/>
+        <a:lstStyle/>
+        <a:p>
+          <a:endParaRPr lang="zh-TW" altLang="en-US"/>
+        </a:p>
+      </dgm:t>
     </dgm:pt>
     <dgm:pt modelId="{52A0685B-8E88-4949-BB15-552FEC72B4E8}" type="pres">
       <dgm:prSet presAssocID="{C8AEE87B-F7A2-4CFA-BE00-6B9F721DFE96}" presName="hierRoot2" presStyleCnt="0">
@@ -4826,10 +5214,24 @@
         </dgm:presLayoutVars>
       </dgm:prSet>
       <dgm:spPr/>
+      <dgm:t>
+        <a:bodyPr/>
+        <a:lstStyle/>
+        <a:p>
+          <a:endParaRPr lang="zh-TW" altLang="en-US"/>
+        </a:p>
+      </dgm:t>
     </dgm:pt>
     <dgm:pt modelId="{23546AB9-AA88-44E8-A74F-6A7DB71CEDFA}" type="pres">
       <dgm:prSet presAssocID="{C8AEE87B-F7A2-4CFA-BE00-6B9F721DFE96}" presName="rootConnector" presStyleLbl="node3" presStyleIdx="0" presStyleCnt="10"/>
       <dgm:spPr/>
+      <dgm:t>
+        <a:bodyPr/>
+        <a:lstStyle/>
+        <a:p>
+          <a:endParaRPr lang="zh-TW" altLang="en-US"/>
+        </a:p>
+      </dgm:t>
     </dgm:pt>
     <dgm:pt modelId="{939C9035-E800-4426-8773-B485420F1BE1}" type="pres">
       <dgm:prSet presAssocID="{C8AEE87B-F7A2-4CFA-BE00-6B9F721DFE96}" presName="hierChild4" presStyleCnt="0"/>
@@ -4842,6 +5244,13 @@
     <dgm:pt modelId="{1CACF2A5-9765-453F-9602-3749D63C20FF}" type="pres">
       <dgm:prSet presAssocID="{7F7DDA6E-F3A1-4195-9D49-DD6A7A673A53}" presName="Name37" presStyleLbl="parChTrans1D3" presStyleIdx="1" presStyleCnt="10"/>
       <dgm:spPr/>
+      <dgm:t>
+        <a:bodyPr/>
+        <a:lstStyle/>
+        <a:p>
+          <a:endParaRPr lang="zh-TW" altLang="en-US"/>
+        </a:p>
+      </dgm:t>
     </dgm:pt>
     <dgm:pt modelId="{797FA106-A9EF-4FA9-96A9-65973C18778A}" type="pres">
       <dgm:prSet presAssocID="{9D5DD00D-D723-41C3-A564-BE447082CEE3}" presName="hierRoot2" presStyleCnt="0">
@@ -4862,10 +5271,24 @@
         </dgm:presLayoutVars>
       </dgm:prSet>
       <dgm:spPr/>
+      <dgm:t>
+        <a:bodyPr/>
+        <a:lstStyle/>
+        <a:p>
+          <a:endParaRPr lang="zh-TW" altLang="en-US"/>
+        </a:p>
+      </dgm:t>
     </dgm:pt>
     <dgm:pt modelId="{7877DBA2-C865-46EE-839A-1D3781B37466}" type="pres">
       <dgm:prSet presAssocID="{9D5DD00D-D723-41C3-A564-BE447082CEE3}" presName="rootConnector" presStyleLbl="node3" presStyleIdx="1" presStyleCnt="10"/>
       <dgm:spPr/>
+      <dgm:t>
+        <a:bodyPr/>
+        <a:lstStyle/>
+        <a:p>
+          <a:endParaRPr lang="zh-TW" altLang="en-US"/>
+        </a:p>
+      </dgm:t>
     </dgm:pt>
     <dgm:pt modelId="{410DDF1F-9624-4ABA-AC0C-AF54B5CB8C95}" type="pres">
       <dgm:prSet presAssocID="{9D5DD00D-D723-41C3-A564-BE447082CEE3}" presName="hierChild4" presStyleCnt="0"/>
@@ -4878,6 +5301,13 @@
     <dgm:pt modelId="{FA5B38AC-797B-4312-B45A-B09C5187349A}" type="pres">
       <dgm:prSet presAssocID="{81BF323F-0728-4CEC-A5C6-E78EFAB532FA}" presName="Name37" presStyleLbl="parChTrans1D3" presStyleIdx="2" presStyleCnt="10"/>
       <dgm:spPr/>
+      <dgm:t>
+        <a:bodyPr/>
+        <a:lstStyle/>
+        <a:p>
+          <a:endParaRPr lang="zh-TW" altLang="en-US"/>
+        </a:p>
+      </dgm:t>
     </dgm:pt>
     <dgm:pt modelId="{69F22005-0E27-4DB7-9C51-EBE00F36D749}" type="pres">
       <dgm:prSet presAssocID="{68B252EE-9C0A-4188-A43E-0D986D13139E}" presName="hierRoot2" presStyleCnt="0">
@@ -4898,10 +5328,24 @@
         </dgm:presLayoutVars>
       </dgm:prSet>
       <dgm:spPr/>
+      <dgm:t>
+        <a:bodyPr/>
+        <a:lstStyle/>
+        <a:p>
+          <a:endParaRPr lang="zh-TW" altLang="en-US"/>
+        </a:p>
+      </dgm:t>
     </dgm:pt>
     <dgm:pt modelId="{53D166CE-3030-491E-8941-378611132950}" type="pres">
       <dgm:prSet presAssocID="{68B252EE-9C0A-4188-A43E-0D986D13139E}" presName="rootConnector" presStyleLbl="node3" presStyleIdx="2" presStyleCnt="10"/>
       <dgm:spPr/>
+      <dgm:t>
+        <a:bodyPr/>
+        <a:lstStyle/>
+        <a:p>
+          <a:endParaRPr lang="zh-TW" altLang="en-US"/>
+        </a:p>
+      </dgm:t>
     </dgm:pt>
     <dgm:pt modelId="{4944634E-CD86-43D9-882B-B92CF6579E42}" type="pres">
       <dgm:prSet presAssocID="{68B252EE-9C0A-4188-A43E-0D986D13139E}" presName="hierChild4" presStyleCnt="0"/>
@@ -4918,6 +5362,13 @@
     <dgm:pt modelId="{34F89FF5-4CE7-4557-94ED-372F163EBFBB}" type="pres">
       <dgm:prSet presAssocID="{B3FBE738-30A6-4B4A-9DB3-9AB2CC3B1641}" presName="Name37" presStyleLbl="parChTrans1D2" presStyleIdx="1" presStyleCnt="4"/>
       <dgm:spPr/>
+      <dgm:t>
+        <a:bodyPr/>
+        <a:lstStyle/>
+        <a:p>
+          <a:endParaRPr lang="zh-TW" altLang="en-US"/>
+        </a:p>
+      </dgm:t>
     </dgm:pt>
     <dgm:pt modelId="{EBF4EF29-E177-4261-9BC5-8B137BDD078C}" type="pres">
       <dgm:prSet presAssocID="{BB9FF21B-E75B-43A4-B03F-6C82A45E4511}" presName="hierRoot2" presStyleCnt="0">
@@ -4938,10 +5389,24 @@
         </dgm:presLayoutVars>
       </dgm:prSet>
       <dgm:spPr/>
+      <dgm:t>
+        <a:bodyPr/>
+        <a:lstStyle/>
+        <a:p>
+          <a:endParaRPr lang="zh-TW" altLang="en-US"/>
+        </a:p>
+      </dgm:t>
     </dgm:pt>
     <dgm:pt modelId="{D8602253-5290-4E90-A5EF-32A901888DAC}" type="pres">
       <dgm:prSet presAssocID="{BB9FF21B-E75B-43A4-B03F-6C82A45E4511}" presName="rootConnector" presStyleLbl="node2" presStyleIdx="1" presStyleCnt="4"/>
       <dgm:spPr/>
+      <dgm:t>
+        <a:bodyPr/>
+        <a:lstStyle/>
+        <a:p>
+          <a:endParaRPr lang="zh-TW" altLang="en-US"/>
+        </a:p>
+      </dgm:t>
     </dgm:pt>
     <dgm:pt modelId="{701D8773-02D0-4A03-A1BE-6FAD4C78FAF5}" type="pres">
       <dgm:prSet presAssocID="{BB9FF21B-E75B-43A4-B03F-6C82A45E4511}" presName="hierChild4" presStyleCnt="0"/>
@@ -4950,6 +5415,13 @@
     <dgm:pt modelId="{E79A5832-DD8A-4441-B652-BD9EC8B7EED1}" type="pres">
       <dgm:prSet presAssocID="{CB39D681-7061-437F-A140-79E3079A753F}" presName="Name37" presStyleLbl="parChTrans1D3" presStyleIdx="3" presStyleCnt="10"/>
       <dgm:spPr/>
+      <dgm:t>
+        <a:bodyPr/>
+        <a:lstStyle/>
+        <a:p>
+          <a:endParaRPr lang="zh-TW" altLang="en-US"/>
+        </a:p>
+      </dgm:t>
     </dgm:pt>
     <dgm:pt modelId="{22CF63CF-F5C0-4CE0-B760-6F42ED2537CB}" type="pres">
       <dgm:prSet presAssocID="{807A8DFA-5BDA-4B03-B801-660127571B99}" presName="hierRoot2" presStyleCnt="0">
@@ -4970,10 +5442,24 @@
         </dgm:presLayoutVars>
       </dgm:prSet>
       <dgm:spPr/>
+      <dgm:t>
+        <a:bodyPr/>
+        <a:lstStyle/>
+        <a:p>
+          <a:endParaRPr lang="zh-TW" altLang="en-US"/>
+        </a:p>
+      </dgm:t>
     </dgm:pt>
     <dgm:pt modelId="{079241A2-20E2-4232-9D06-88AA9F82E25C}" type="pres">
       <dgm:prSet presAssocID="{807A8DFA-5BDA-4B03-B801-660127571B99}" presName="rootConnector" presStyleLbl="node3" presStyleIdx="3" presStyleCnt="10"/>
       <dgm:spPr/>
+      <dgm:t>
+        <a:bodyPr/>
+        <a:lstStyle/>
+        <a:p>
+          <a:endParaRPr lang="zh-TW" altLang="en-US"/>
+        </a:p>
+      </dgm:t>
     </dgm:pt>
     <dgm:pt modelId="{7A94D976-B90C-463C-B25C-11A096826D72}" type="pres">
       <dgm:prSet presAssocID="{807A8DFA-5BDA-4B03-B801-660127571B99}" presName="hierChild4" presStyleCnt="0"/>
@@ -4986,6 +5472,13 @@
     <dgm:pt modelId="{BC0D907D-CEB2-4F4E-B6F3-5737303E1E5F}" type="pres">
       <dgm:prSet presAssocID="{6D45DEA0-D4D5-4F5A-B34F-FF0007B4D557}" presName="Name37" presStyleLbl="parChTrans1D3" presStyleIdx="4" presStyleCnt="10"/>
       <dgm:spPr/>
+      <dgm:t>
+        <a:bodyPr/>
+        <a:lstStyle/>
+        <a:p>
+          <a:endParaRPr lang="zh-TW" altLang="en-US"/>
+        </a:p>
+      </dgm:t>
     </dgm:pt>
     <dgm:pt modelId="{50440497-B0B6-44C0-98E2-BB7943182CF7}" type="pres">
       <dgm:prSet presAssocID="{E75562FB-B070-41B3-8EF8-CB551DCB0DC5}" presName="hierRoot2" presStyleCnt="0">
@@ -5006,10 +5499,24 @@
         </dgm:presLayoutVars>
       </dgm:prSet>
       <dgm:spPr/>
+      <dgm:t>
+        <a:bodyPr/>
+        <a:lstStyle/>
+        <a:p>
+          <a:endParaRPr lang="zh-TW" altLang="en-US"/>
+        </a:p>
+      </dgm:t>
     </dgm:pt>
     <dgm:pt modelId="{D223C34C-51A5-4CA5-8302-426A14A3C069}" type="pres">
       <dgm:prSet presAssocID="{E75562FB-B070-41B3-8EF8-CB551DCB0DC5}" presName="rootConnector" presStyleLbl="node3" presStyleIdx="4" presStyleCnt="10"/>
       <dgm:spPr/>
+      <dgm:t>
+        <a:bodyPr/>
+        <a:lstStyle/>
+        <a:p>
+          <a:endParaRPr lang="zh-TW" altLang="en-US"/>
+        </a:p>
+      </dgm:t>
     </dgm:pt>
     <dgm:pt modelId="{64A427A0-BD52-4A0F-B9FD-670345AC55D9}" type="pres">
       <dgm:prSet presAssocID="{E75562FB-B070-41B3-8EF8-CB551DCB0DC5}" presName="hierChild4" presStyleCnt="0"/>
@@ -5022,6 +5529,13 @@
     <dgm:pt modelId="{700D6C6B-3C1D-4F38-A11A-D6A656DBA01E}" type="pres">
       <dgm:prSet presAssocID="{0F8EC0D8-D0B9-4109-B18C-2E6F61206B1D}" presName="Name37" presStyleLbl="parChTrans1D3" presStyleIdx="5" presStyleCnt="10"/>
       <dgm:spPr/>
+      <dgm:t>
+        <a:bodyPr/>
+        <a:lstStyle/>
+        <a:p>
+          <a:endParaRPr lang="zh-TW" altLang="en-US"/>
+        </a:p>
+      </dgm:t>
     </dgm:pt>
     <dgm:pt modelId="{4C38554A-E13C-446C-BD6E-35DFC76DA8F2}" type="pres">
       <dgm:prSet presAssocID="{07007F80-4D7E-4563-AD21-11199C9C40A0}" presName="hierRoot2" presStyleCnt="0">
@@ -5042,10 +5556,24 @@
         </dgm:presLayoutVars>
       </dgm:prSet>
       <dgm:spPr/>
+      <dgm:t>
+        <a:bodyPr/>
+        <a:lstStyle/>
+        <a:p>
+          <a:endParaRPr lang="zh-TW" altLang="en-US"/>
+        </a:p>
+      </dgm:t>
     </dgm:pt>
     <dgm:pt modelId="{C42525A4-015D-470E-A050-F57084EDC2BB}" type="pres">
       <dgm:prSet presAssocID="{07007F80-4D7E-4563-AD21-11199C9C40A0}" presName="rootConnector" presStyleLbl="node3" presStyleIdx="5" presStyleCnt="10"/>
       <dgm:spPr/>
+      <dgm:t>
+        <a:bodyPr/>
+        <a:lstStyle/>
+        <a:p>
+          <a:endParaRPr lang="zh-TW" altLang="en-US"/>
+        </a:p>
+      </dgm:t>
     </dgm:pt>
     <dgm:pt modelId="{4CD18790-E07C-4337-84B7-E7AD052239C4}" type="pres">
       <dgm:prSet presAssocID="{07007F80-4D7E-4563-AD21-11199C9C40A0}" presName="hierChild4" presStyleCnt="0"/>
@@ -5062,6 +5590,13 @@
     <dgm:pt modelId="{2B8AB7A6-9DF3-44B8-A462-8360BF7B6F26}" type="pres">
       <dgm:prSet presAssocID="{BA5BADE7-FE02-4E58-AED6-CA6877DD8C92}" presName="Name37" presStyleLbl="parChTrans1D2" presStyleIdx="2" presStyleCnt="4"/>
       <dgm:spPr/>
+      <dgm:t>
+        <a:bodyPr/>
+        <a:lstStyle/>
+        <a:p>
+          <a:endParaRPr lang="zh-TW" altLang="en-US"/>
+        </a:p>
+      </dgm:t>
     </dgm:pt>
     <dgm:pt modelId="{21B06569-2508-486F-9FBB-07F2AAC6E739}" type="pres">
       <dgm:prSet presAssocID="{86D061FF-D2B9-4444-977F-ADD2F8B26F58}" presName="hierRoot2" presStyleCnt="0">
@@ -5082,10 +5617,24 @@
         </dgm:presLayoutVars>
       </dgm:prSet>
       <dgm:spPr/>
+      <dgm:t>
+        <a:bodyPr/>
+        <a:lstStyle/>
+        <a:p>
+          <a:endParaRPr lang="zh-TW" altLang="en-US"/>
+        </a:p>
+      </dgm:t>
     </dgm:pt>
     <dgm:pt modelId="{DBAD3854-BABD-419A-91AD-A1E38A3CF09E}" type="pres">
       <dgm:prSet presAssocID="{86D061FF-D2B9-4444-977F-ADD2F8B26F58}" presName="rootConnector" presStyleLbl="node2" presStyleIdx="2" presStyleCnt="4"/>
       <dgm:spPr/>
+      <dgm:t>
+        <a:bodyPr/>
+        <a:lstStyle/>
+        <a:p>
+          <a:endParaRPr lang="zh-TW" altLang="en-US"/>
+        </a:p>
+      </dgm:t>
     </dgm:pt>
     <dgm:pt modelId="{AF872535-12D7-4ACB-8C05-E0C9E46F7A5D}" type="pres">
       <dgm:prSet presAssocID="{86D061FF-D2B9-4444-977F-ADD2F8B26F58}" presName="hierChild4" presStyleCnt="0"/>
@@ -5094,6 +5643,13 @@
     <dgm:pt modelId="{E780AC31-68D7-4FDE-AB32-EFBB2D377EE9}" type="pres">
       <dgm:prSet presAssocID="{0CDD43BF-559F-46B2-A99A-AC0F2E14E16C}" presName="Name37" presStyleLbl="parChTrans1D3" presStyleIdx="6" presStyleCnt="10"/>
       <dgm:spPr/>
+      <dgm:t>
+        <a:bodyPr/>
+        <a:lstStyle/>
+        <a:p>
+          <a:endParaRPr lang="zh-TW" altLang="en-US"/>
+        </a:p>
+      </dgm:t>
     </dgm:pt>
     <dgm:pt modelId="{CC8D1D23-C19D-4599-B78F-69CF8D98A01C}" type="pres">
       <dgm:prSet presAssocID="{0CF1DFD8-24BF-4C6B-BD01-BEBB8834C8DE}" presName="hierRoot2" presStyleCnt="0">
@@ -5114,10 +5670,24 @@
         </dgm:presLayoutVars>
       </dgm:prSet>
       <dgm:spPr/>
+      <dgm:t>
+        <a:bodyPr/>
+        <a:lstStyle/>
+        <a:p>
+          <a:endParaRPr lang="zh-TW" altLang="en-US"/>
+        </a:p>
+      </dgm:t>
     </dgm:pt>
     <dgm:pt modelId="{D1B06913-B69F-4394-9B6A-75C451167FE8}" type="pres">
       <dgm:prSet presAssocID="{0CF1DFD8-24BF-4C6B-BD01-BEBB8834C8DE}" presName="rootConnector" presStyleLbl="node3" presStyleIdx="6" presStyleCnt="10"/>
       <dgm:spPr/>
+      <dgm:t>
+        <a:bodyPr/>
+        <a:lstStyle/>
+        <a:p>
+          <a:endParaRPr lang="zh-TW" altLang="en-US"/>
+        </a:p>
+      </dgm:t>
     </dgm:pt>
     <dgm:pt modelId="{A9FF0AF9-2690-4F87-A2D1-8CC1CE60737F}" type="pres">
       <dgm:prSet presAssocID="{0CF1DFD8-24BF-4C6B-BD01-BEBB8834C8DE}" presName="hierChild4" presStyleCnt="0"/>
@@ -5130,6 +5700,13 @@
     <dgm:pt modelId="{2D80F0C3-C504-4561-A084-06B66D39392D}" type="pres">
       <dgm:prSet presAssocID="{56898A94-E574-4C74-BB23-528EED54EB78}" presName="Name37" presStyleLbl="parChTrans1D3" presStyleIdx="7" presStyleCnt="10"/>
       <dgm:spPr/>
+      <dgm:t>
+        <a:bodyPr/>
+        <a:lstStyle/>
+        <a:p>
+          <a:endParaRPr lang="zh-TW" altLang="en-US"/>
+        </a:p>
+      </dgm:t>
     </dgm:pt>
     <dgm:pt modelId="{3D997989-D625-4CC3-A662-6369D61E2715}" type="pres">
       <dgm:prSet presAssocID="{45589563-E41B-44DB-8AFC-34EE8901D150}" presName="hierRoot2" presStyleCnt="0">
@@ -5150,10 +5727,24 @@
         </dgm:presLayoutVars>
       </dgm:prSet>
       <dgm:spPr/>
+      <dgm:t>
+        <a:bodyPr/>
+        <a:lstStyle/>
+        <a:p>
+          <a:endParaRPr lang="zh-TW" altLang="en-US"/>
+        </a:p>
+      </dgm:t>
     </dgm:pt>
     <dgm:pt modelId="{8CE4FFBF-227E-49C4-97D7-83977CD95846}" type="pres">
       <dgm:prSet presAssocID="{45589563-E41B-44DB-8AFC-34EE8901D150}" presName="rootConnector" presStyleLbl="node3" presStyleIdx="7" presStyleCnt="10"/>
       <dgm:spPr/>
+      <dgm:t>
+        <a:bodyPr/>
+        <a:lstStyle/>
+        <a:p>
+          <a:endParaRPr lang="zh-TW" altLang="en-US"/>
+        </a:p>
+      </dgm:t>
     </dgm:pt>
     <dgm:pt modelId="{EC817ADC-FFF2-4B36-B8D6-826AC4924E83}" type="pres">
       <dgm:prSet presAssocID="{45589563-E41B-44DB-8AFC-34EE8901D150}" presName="hierChild4" presStyleCnt="0"/>
@@ -5166,6 +5757,13 @@
     <dgm:pt modelId="{FD340AE9-3099-4F19-AE25-6AA406E4942B}" type="pres">
       <dgm:prSet presAssocID="{2888C3D8-9495-4F27-A1DB-649C0F6F0C8E}" presName="Name37" presStyleLbl="parChTrans1D3" presStyleIdx="8" presStyleCnt="10"/>
       <dgm:spPr/>
+      <dgm:t>
+        <a:bodyPr/>
+        <a:lstStyle/>
+        <a:p>
+          <a:endParaRPr lang="zh-TW" altLang="en-US"/>
+        </a:p>
+      </dgm:t>
     </dgm:pt>
     <dgm:pt modelId="{31743E06-6A4C-4F53-9E86-086D31640484}" type="pres">
       <dgm:prSet presAssocID="{A20FE1FD-A95C-4766-9690-80DC349AC70F}" presName="hierRoot2" presStyleCnt="0">
@@ -5186,10 +5784,24 @@
         </dgm:presLayoutVars>
       </dgm:prSet>
       <dgm:spPr/>
+      <dgm:t>
+        <a:bodyPr/>
+        <a:lstStyle/>
+        <a:p>
+          <a:endParaRPr lang="zh-TW" altLang="en-US"/>
+        </a:p>
+      </dgm:t>
     </dgm:pt>
     <dgm:pt modelId="{84A7522A-37FD-4A20-BFE1-3E7225977F7B}" type="pres">
       <dgm:prSet presAssocID="{A20FE1FD-A95C-4766-9690-80DC349AC70F}" presName="rootConnector" presStyleLbl="node3" presStyleIdx="8" presStyleCnt="10"/>
       <dgm:spPr/>
+      <dgm:t>
+        <a:bodyPr/>
+        <a:lstStyle/>
+        <a:p>
+          <a:endParaRPr lang="zh-TW" altLang="en-US"/>
+        </a:p>
+      </dgm:t>
     </dgm:pt>
     <dgm:pt modelId="{08FA467A-6995-4503-B201-F0B90825C9B6}" type="pres">
       <dgm:prSet presAssocID="{A20FE1FD-A95C-4766-9690-80DC349AC70F}" presName="hierChild4" presStyleCnt="0"/>
@@ -5206,6 +5818,13 @@
     <dgm:pt modelId="{BDE2651E-B7D5-4C3D-AD07-DA19A512C3EE}" type="pres">
       <dgm:prSet presAssocID="{10800D79-C7F5-402B-9C15-F3A760B05058}" presName="Name37" presStyleLbl="parChTrans1D2" presStyleIdx="3" presStyleCnt="4"/>
       <dgm:spPr/>
+      <dgm:t>
+        <a:bodyPr/>
+        <a:lstStyle/>
+        <a:p>
+          <a:endParaRPr lang="zh-TW" altLang="en-US"/>
+        </a:p>
+      </dgm:t>
     </dgm:pt>
     <dgm:pt modelId="{68C645D7-DD34-4CEC-B0F6-54DC101682E9}" type="pres">
       <dgm:prSet presAssocID="{AD32A085-D46D-4887-85FE-3881670D4ABC}" presName="hierRoot2" presStyleCnt="0">
@@ -5226,10 +5845,24 @@
         </dgm:presLayoutVars>
       </dgm:prSet>
       <dgm:spPr/>
+      <dgm:t>
+        <a:bodyPr/>
+        <a:lstStyle/>
+        <a:p>
+          <a:endParaRPr lang="zh-TW" altLang="en-US"/>
+        </a:p>
+      </dgm:t>
     </dgm:pt>
     <dgm:pt modelId="{C609D8FB-3E78-41DF-97D1-426FFD67870A}" type="pres">
       <dgm:prSet presAssocID="{AD32A085-D46D-4887-85FE-3881670D4ABC}" presName="rootConnector" presStyleLbl="node2" presStyleIdx="3" presStyleCnt="4"/>
       <dgm:spPr/>
+      <dgm:t>
+        <a:bodyPr/>
+        <a:lstStyle/>
+        <a:p>
+          <a:endParaRPr lang="zh-TW" altLang="en-US"/>
+        </a:p>
+      </dgm:t>
     </dgm:pt>
     <dgm:pt modelId="{F0332430-2094-44BA-B3EC-33A2BD908B64}" type="pres">
       <dgm:prSet presAssocID="{AD32A085-D46D-4887-85FE-3881670D4ABC}" presName="hierChild4" presStyleCnt="0"/>
@@ -5238,6 +5871,13 @@
     <dgm:pt modelId="{6A9A8A16-8F93-420D-8D9F-15BFBFA09642}" type="pres">
       <dgm:prSet presAssocID="{3F984D36-88C5-4802-A36C-73B6E41E1411}" presName="Name37" presStyleLbl="parChTrans1D3" presStyleIdx="9" presStyleCnt="10"/>
       <dgm:spPr/>
+      <dgm:t>
+        <a:bodyPr/>
+        <a:lstStyle/>
+        <a:p>
+          <a:endParaRPr lang="zh-TW" altLang="en-US"/>
+        </a:p>
+      </dgm:t>
     </dgm:pt>
     <dgm:pt modelId="{6D6CECBC-E1EB-4041-B439-B36FA5E3387D}" type="pres">
       <dgm:prSet presAssocID="{39BE0418-99C9-4A4C-9BB7-65D49A05BB31}" presName="hierRoot2" presStyleCnt="0">
@@ -5258,10 +5898,24 @@
         </dgm:presLayoutVars>
       </dgm:prSet>
       <dgm:spPr/>
+      <dgm:t>
+        <a:bodyPr/>
+        <a:lstStyle/>
+        <a:p>
+          <a:endParaRPr lang="zh-TW" altLang="en-US"/>
+        </a:p>
+      </dgm:t>
     </dgm:pt>
     <dgm:pt modelId="{BC019BB1-5CF6-423B-ABA0-427EF99217C0}" type="pres">
       <dgm:prSet presAssocID="{39BE0418-99C9-4A4C-9BB7-65D49A05BB31}" presName="rootConnector" presStyleLbl="node3" presStyleIdx="9" presStyleCnt="10"/>
       <dgm:spPr/>
+      <dgm:t>
+        <a:bodyPr/>
+        <a:lstStyle/>
+        <a:p>
+          <a:endParaRPr lang="zh-TW" altLang="en-US"/>
+        </a:p>
+      </dgm:t>
     </dgm:pt>
     <dgm:pt modelId="{9DB1C866-67F8-4DB2-99E4-62C28D8B5F6A}" type="pres">
       <dgm:prSet presAssocID="{39BE0418-99C9-4A4C-9BB7-65D49A05BB31}" presName="hierChild4" presStyleCnt="0"/>
@@ -5281,66 +5935,66 @@
     </dgm:pt>
   </dgm:ptLst>
   <dgm:cxnLst>
+    <dgm:cxn modelId="{4F0B0D3E-984D-49D4-BF42-B0C2A303B629}" type="presOf" srcId="{86D061FF-D2B9-4444-977F-ADD2F8B26F58}" destId="{027E1B34-93FE-4CE3-8A28-D69A90B48A09}" srcOrd="0" destOrd="0" presId="urn:microsoft.com/office/officeart/2005/8/layout/orgChart1"/>
+    <dgm:cxn modelId="{2A999C88-D037-4C71-A179-0F3CFCAEFFF4}" type="presOf" srcId="{E75562FB-B070-41B3-8EF8-CB551DCB0DC5}" destId="{6871A768-0DBE-4C41-BCFF-9B19A28A7E1D}" srcOrd="0" destOrd="0" presId="urn:microsoft.com/office/officeart/2005/8/layout/orgChart1"/>
+    <dgm:cxn modelId="{50DAC207-194B-4522-8F60-70329D502C4A}" type="presOf" srcId="{DBFF9E4D-F654-4E3E-A2C7-9EEF27EF4259}" destId="{5F48F0E4-2C7E-480D-9A45-E44C79D6BEA5}" srcOrd="0" destOrd="0" presId="urn:microsoft.com/office/officeart/2005/8/layout/orgChart1"/>
+    <dgm:cxn modelId="{131F04B7-A1DB-4CF9-8A4F-44BB789C919D}" srcId="{BB9FF21B-E75B-43A4-B03F-6C82A45E4511}" destId="{07007F80-4D7E-4563-AD21-11199C9C40A0}" srcOrd="2" destOrd="0" parTransId="{0F8EC0D8-D0B9-4109-B18C-2E6F61206B1D}" sibTransId="{9C550842-45B0-45C1-94D1-5E7C170B6FCE}"/>
+    <dgm:cxn modelId="{D693D372-7061-4242-B7FA-0922BF6D50B1}" srcId="{AD32A085-D46D-4887-85FE-3881670D4ABC}" destId="{39BE0418-99C9-4A4C-9BB7-65D49A05BB31}" srcOrd="0" destOrd="0" parTransId="{3F984D36-88C5-4802-A36C-73B6E41E1411}" sibTransId="{AADAA9E2-AA9B-4FCD-ACF3-BAF5F5DC6DE5}"/>
+    <dgm:cxn modelId="{26F9324B-44A5-4EE4-A830-EBDAA24A23BC}" type="presOf" srcId="{86D061FF-D2B9-4444-977F-ADD2F8B26F58}" destId="{DBAD3854-BABD-419A-91AD-A1E38A3CF09E}" srcOrd="1" destOrd="0" presId="urn:microsoft.com/office/officeart/2005/8/layout/orgChart1"/>
+    <dgm:cxn modelId="{CF050829-6C9D-4F48-974B-656C1923992E}" type="presOf" srcId="{69FD09DB-7D78-47CE-93D1-107E376A870E}" destId="{0D5A4EFE-1C67-4062-B174-8A1DEA7885B2}" srcOrd="0" destOrd="0" presId="urn:microsoft.com/office/officeart/2005/8/layout/orgChart1"/>
+    <dgm:cxn modelId="{657B40C3-3E57-4CCB-9E16-E70710592D61}" type="presOf" srcId="{45589563-E41B-44DB-8AFC-34EE8901D150}" destId="{31BD8C53-89B5-4F7C-9478-2F7EA5E507AF}" srcOrd="0" destOrd="0" presId="urn:microsoft.com/office/officeart/2005/8/layout/orgChart1"/>
+    <dgm:cxn modelId="{96D6EEE7-8235-4C17-9267-91757A269C8B}" type="presOf" srcId="{39BE0418-99C9-4A4C-9BB7-65D49A05BB31}" destId="{BC019BB1-5CF6-423B-ABA0-427EF99217C0}" srcOrd="1" destOrd="0" presId="urn:microsoft.com/office/officeart/2005/8/layout/orgChart1"/>
+    <dgm:cxn modelId="{A8940652-5E36-4B09-BDC7-923AD7A2B90A}" type="presOf" srcId="{C1995ACD-DEEA-4649-9190-0A2396D6DBA3}" destId="{0F6EA74C-FEEA-4A60-8965-C249C259639B}" srcOrd="0" destOrd="0" presId="urn:microsoft.com/office/officeart/2005/8/layout/orgChart1"/>
+    <dgm:cxn modelId="{5E40A485-E986-4DF1-9B84-9F421FDAB0BC}" type="presOf" srcId="{BA5BADE7-FE02-4E58-AED6-CA6877DD8C92}" destId="{2B8AB7A6-9DF3-44B8-A462-8360BF7B6F26}" srcOrd="0" destOrd="0" presId="urn:microsoft.com/office/officeart/2005/8/layout/orgChart1"/>
+    <dgm:cxn modelId="{DB594F0F-D2CE-46D6-8A71-32F88F2A750A}" type="presOf" srcId="{E7358108-83A8-42F1-84AF-1043344A61B4}" destId="{898283FA-7639-445A-95D5-432134CB6ADF}" srcOrd="0" destOrd="0" presId="urn:microsoft.com/office/officeart/2005/8/layout/orgChart1"/>
+    <dgm:cxn modelId="{B0D333DA-4366-40E3-9447-D37D14EAA057}" type="presOf" srcId="{10800D79-C7F5-402B-9C15-F3A760B05058}" destId="{BDE2651E-B7D5-4C3D-AD07-DA19A512C3EE}" srcOrd="0" destOrd="0" presId="urn:microsoft.com/office/officeart/2005/8/layout/orgChart1"/>
+    <dgm:cxn modelId="{A474708C-9EBF-4ECD-BF09-326E10A1A9BC}" type="presOf" srcId="{B3FBE738-30A6-4B4A-9DB3-9AB2CC3B1641}" destId="{34F89FF5-4CE7-4557-94ED-372F163EBFBB}" srcOrd="0" destOrd="0" presId="urn:microsoft.com/office/officeart/2005/8/layout/orgChart1"/>
+    <dgm:cxn modelId="{8E30AF8B-B498-43A6-9E10-84E97522C64C}" type="presOf" srcId="{BB9FF21B-E75B-43A4-B03F-6C82A45E4511}" destId="{D8602253-5290-4E90-A5EF-32A901888DAC}" srcOrd="1" destOrd="0" presId="urn:microsoft.com/office/officeart/2005/8/layout/orgChart1"/>
+    <dgm:cxn modelId="{D5930A49-5840-4E30-95C3-F3FBFAB1C838}" type="presOf" srcId="{0F8EC0D8-D0B9-4109-B18C-2E6F61206B1D}" destId="{700D6C6B-3C1D-4F38-A11A-D6A656DBA01E}" srcOrd="0" destOrd="0" presId="urn:microsoft.com/office/officeart/2005/8/layout/orgChart1"/>
+    <dgm:cxn modelId="{0A001B7D-02A3-44E0-884E-6CD766446281}" srcId="{E7358108-83A8-42F1-84AF-1043344A61B4}" destId="{9D5DD00D-D723-41C3-A564-BE447082CEE3}" srcOrd="1" destOrd="0" parTransId="{7F7DDA6E-F3A1-4195-9D49-DD6A7A673A53}" sibTransId="{CC461DF6-266C-458F-8E69-C9749734EA70}"/>
+    <dgm:cxn modelId="{6899B875-29D3-4DE3-AFD5-E22A63AA82BC}" type="presOf" srcId="{07007F80-4D7E-4563-AD21-11199C9C40A0}" destId="{C5A3A19F-9A31-490F-9254-83D2F2363179}" srcOrd="0" destOrd="0" presId="urn:microsoft.com/office/officeart/2005/8/layout/orgChart1"/>
+    <dgm:cxn modelId="{A8E79D71-C7DF-4296-A3C7-24AFAA6DE9C3}" srcId="{86D061FF-D2B9-4444-977F-ADD2F8B26F58}" destId="{0CF1DFD8-24BF-4C6B-BD01-BEBB8834C8DE}" srcOrd="0" destOrd="0" parTransId="{0CDD43BF-559F-46B2-A99A-AC0F2E14E16C}" sibTransId="{4F46DB3D-023A-410E-88AA-FB56A0D3206C}"/>
+    <dgm:cxn modelId="{DAD445AE-77E0-447B-A995-A3969FB11BB6}" srcId="{86D061FF-D2B9-4444-977F-ADD2F8B26F58}" destId="{A20FE1FD-A95C-4766-9690-80DC349AC70F}" srcOrd="2" destOrd="0" parTransId="{2888C3D8-9495-4F27-A1DB-649C0F6F0C8E}" sibTransId="{30C40F3C-0B8E-4BAD-A7D3-38CD92A119D6}"/>
+    <dgm:cxn modelId="{6AE5289E-380D-477A-8B3F-2DA1D4B51CB3}" srcId="{C1995ACD-DEEA-4649-9190-0A2396D6DBA3}" destId="{BB9FF21B-E75B-43A4-B03F-6C82A45E4511}" srcOrd="1" destOrd="0" parTransId="{B3FBE738-30A6-4B4A-9DB3-9AB2CC3B1641}" sibTransId="{02222961-B9DB-42C2-91C4-66DA7EA2366A}"/>
     <dgm:cxn modelId="{468F5004-FAEB-4B83-ACBE-87CC0951A8B8}" type="presOf" srcId="{807A8DFA-5BDA-4B03-B801-660127571B99}" destId="{079241A2-20E2-4232-9D06-88AA9F82E25C}" srcOrd="1" destOrd="0" presId="urn:microsoft.com/office/officeart/2005/8/layout/orgChart1"/>
-    <dgm:cxn modelId="{50DAC207-194B-4522-8F60-70329D502C4A}" type="presOf" srcId="{DBFF9E4D-F654-4E3E-A2C7-9EEF27EF4259}" destId="{5F48F0E4-2C7E-480D-9A45-E44C79D6BEA5}" srcOrd="0" destOrd="0" presId="urn:microsoft.com/office/officeart/2005/8/layout/orgChart1"/>
+    <dgm:cxn modelId="{AB480F80-CE0A-4F95-916F-C7173772710C}" type="presOf" srcId="{9D5DD00D-D723-41C3-A564-BE447082CEE3}" destId="{DE79C5C0-52BB-4AB4-B9E4-4D482851A011}" srcOrd="0" destOrd="0" presId="urn:microsoft.com/office/officeart/2005/8/layout/orgChart1"/>
     <dgm:cxn modelId="{3AE07709-9EB4-4A95-9929-16AE08DFE16B}" type="presOf" srcId="{45589563-E41B-44DB-8AFC-34EE8901D150}" destId="{8CE4FFBF-227E-49C4-97D7-83977CD95846}" srcOrd="1" destOrd="0" presId="urn:microsoft.com/office/officeart/2005/8/layout/orgChart1"/>
-    <dgm:cxn modelId="{DB594F0F-D2CE-46D6-8A71-32F88F2A750A}" type="presOf" srcId="{E7358108-83A8-42F1-84AF-1043344A61B4}" destId="{898283FA-7639-445A-95D5-432134CB6ADF}" srcOrd="0" destOrd="0" presId="urn:microsoft.com/office/officeart/2005/8/layout/orgChart1"/>
+    <dgm:cxn modelId="{E4D8F05D-28B4-48A9-9BB5-6EE26DA1C4A4}" type="presOf" srcId="{CB39D681-7061-437F-A140-79E3079A753F}" destId="{E79A5832-DD8A-4441-B652-BD9EC8B7EED1}" srcOrd="0" destOrd="0" presId="urn:microsoft.com/office/officeart/2005/8/layout/orgChart1"/>
+    <dgm:cxn modelId="{4B2E84E0-2768-4DE2-9D28-E864C4A63ACF}" type="presOf" srcId="{07007F80-4D7E-4563-AD21-11199C9C40A0}" destId="{C42525A4-015D-470E-A050-F57084EDC2BB}" srcOrd="1" destOrd="0" presId="urn:microsoft.com/office/officeart/2005/8/layout/orgChart1"/>
+    <dgm:cxn modelId="{367BD37E-38CF-4245-9EFA-D01B85B83BD9}" type="presOf" srcId="{56898A94-E574-4C74-BB23-528EED54EB78}" destId="{2D80F0C3-C504-4561-A084-06B66D39392D}" srcOrd="0" destOrd="0" presId="urn:microsoft.com/office/officeart/2005/8/layout/orgChart1"/>
+    <dgm:cxn modelId="{FB4A1C85-F1E3-45BF-8CD8-8E9D3AE2F3BA}" type="presOf" srcId="{9D5DD00D-D723-41C3-A564-BE447082CEE3}" destId="{7877DBA2-C865-46EE-839A-1D3781B37466}" srcOrd="1" destOrd="0" presId="urn:microsoft.com/office/officeart/2005/8/layout/orgChart1"/>
+    <dgm:cxn modelId="{C75B443E-4E99-4FBB-99BA-FA4A0C1A2EDC}" type="presOf" srcId="{A20FE1FD-A95C-4766-9690-80DC349AC70F}" destId="{84A7522A-37FD-4A20-BFE1-3E7225977F7B}" srcOrd="1" destOrd="0" presId="urn:microsoft.com/office/officeart/2005/8/layout/orgChart1"/>
     <dgm:cxn modelId="{E083AA21-4155-48B2-8F94-BCB535ECC4E3}" type="presOf" srcId="{0CDD43BF-559F-46B2-A99A-AC0F2E14E16C}" destId="{E780AC31-68D7-4FDE-AB32-EFBB2D377EE9}" srcOrd="0" destOrd="0" presId="urn:microsoft.com/office/officeart/2005/8/layout/orgChart1"/>
-    <dgm:cxn modelId="{D680EA26-5B15-420D-9FA0-DD0C5A469941}" srcId="{29EEBFE2-BEA6-4F35-8D1E-FF7000BD40D5}" destId="{C1995ACD-DEEA-4649-9190-0A2396D6DBA3}" srcOrd="0" destOrd="0" parTransId="{A5ED610D-3F11-454D-B28B-8E429C182DBB}" sibTransId="{CF4FC96D-3D22-44F0-A56F-5F48565B1343}"/>
-    <dgm:cxn modelId="{CF050829-6C9D-4F48-974B-656C1923992E}" type="presOf" srcId="{69FD09DB-7D78-47CE-93D1-107E376A870E}" destId="{0D5A4EFE-1C67-4062-B174-8A1DEA7885B2}" srcOrd="0" destOrd="0" presId="urn:microsoft.com/office/officeart/2005/8/layout/orgChart1"/>
+    <dgm:cxn modelId="{97F9CF93-1ADD-4C27-A321-B36B3C7D5089}" srcId="{E7358108-83A8-42F1-84AF-1043344A61B4}" destId="{C8AEE87B-F7A2-4CFA-BE00-6B9F721DFE96}" srcOrd="0" destOrd="0" parTransId="{DBFF9E4D-F654-4E3E-A2C7-9EEF27EF4259}" sibTransId="{EC9178BF-E53B-4AAF-BF49-34A7F5D46978}"/>
+    <dgm:cxn modelId="{2EBA05DF-25C4-4F07-B7E4-CBCE24FBD8CD}" type="presOf" srcId="{68B252EE-9C0A-4188-A43E-0D986D13139E}" destId="{58DF7A56-A026-4332-B778-5724E260D9D9}" srcOrd="0" destOrd="0" presId="urn:microsoft.com/office/officeart/2005/8/layout/orgChart1"/>
+    <dgm:cxn modelId="{828B6D54-699D-4E46-AD40-07C1A62B13D9}" srcId="{C1995ACD-DEEA-4649-9190-0A2396D6DBA3}" destId="{86D061FF-D2B9-4444-977F-ADD2F8B26F58}" srcOrd="2" destOrd="0" parTransId="{BA5BADE7-FE02-4E58-AED6-CA6877DD8C92}" sibTransId="{CFC98E5F-E976-47DE-BF3C-8D713A362CC8}"/>
+    <dgm:cxn modelId="{1E7CF7F4-880F-46A8-A683-3C17F8E77C97}" type="presOf" srcId="{AD32A085-D46D-4887-85FE-3881670D4ABC}" destId="{D6D7FEDC-5C4A-4464-B939-F0267B32F854}" srcOrd="0" destOrd="0" presId="urn:microsoft.com/office/officeart/2005/8/layout/orgChart1"/>
+    <dgm:cxn modelId="{8585F034-87B5-4354-A241-97380A009B59}" srcId="{E7358108-83A8-42F1-84AF-1043344A61B4}" destId="{68B252EE-9C0A-4188-A43E-0D986D13139E}" srcOrd="2" destOrd="0" parTransId="{81BF323F-0728-4CEC-A5C6-E78EFAB532FA}" sibTransId="{AD05A098-FF6B-4ED5-BD35-CFD2DCD6F823}"/>
+    <dgm:cxn modelId="{20309684-A762-44F5-84F3-A30330CCFCA8}" type="presOf" srcId="{0CF1DFD8-24BF-4C6B-BD01-BEBB8834C8DE}" destId="{D1B06913-B69F-4394-9B6A-75C451167FE8}" srcOrd="1" destOrd="0" presId="urn:microsoft.com/office/officeart/2005/8/layout/orgChart1"/>
+    <dgm:cxn modelId="{2A37767E-672C-464E-931A-BC8365AF4F05}" type="presOf" srcId="{AD32A085-D46D-4887-85FE-3881670D4ABC}" destId="{C609D8FB-3E78-41DF-97D1-426FFD67870A}" srcOrd="1" destOrd="0" presId="urn:microsoft.com/office/officeart/2005/8/layout/orgChart1"/>
+    <dgm:cxn modelId="{076AD29A-7FEC-4388-8353-A4CBF00E6363}" srcId="{BB9FF21B-E75B-43A4-B03F-6C82A45E4511}" destId="{E75562FB-B070-41B3-8EF8-CB551DCB0DC5}" srcOrd="1" destOrd="0" parTransId="{6D45DEA0-D4D5-4F5A-B34F-FF0007B4D557}" sibTransId="{C45E83A9-31EF-4525-9EDB-CCA5F08C6693}"/>
+    <dgm:cxn modelId="{B024FF53-4887-4D94-A72D-4D97CAFD64F6}" type="presOf" srcId="{E7358108-83A8-42F1-84AF-1043344A61B4}" destId="{74E53E5B-7DCA-4C09-A9BF-327363D42547}" srcOrd="1" destOrd="0" presId="urn:microsoft.com/office/officeart/2005/8/layout/orgChart1"/>
+    <dgm:cxn modelId="{34CA90F4-3BEF-443F-B290-94C9ED524EBD}" type="presOf" srcId="{81BF323F-0728-4CEC-A5C6-E78EFAB532FA}" destId="{FA5B38AC-797B-4312-B45A-B09C5187349A}" srcOrd="0" destOrd="0" presId="urn:microsoft.com/office/officeart/2005/8/layout/orgChart1"/>
+    <dgm:cxn modelId="{9F8086E4-200A-41A0-985F-6819AAD7FF3C}" srcId="{C1995ACD-DEEA-4649-9190-0A2396D6DBA3}" destId="{AD32A085-D46D-4887-85FE-3881670D4ABC}" srcOrd="3" destOrd="0" parTransId="{10800D79-C7F5-402B-9C15-F3A760B05058}" sibTransId="{B3F636BC-F4CF-43A1-A69B-8541CA9DB61A}"/>
+    <dgm:cxn modelId="{AA09D090-9317-4095-B6E6-E4A683928290}" type="presOf" srcId="{A20FE1FD-A95C-4766-9690-80DC349AC70F}" destId="{8C04714C-7228-4FE6-AC0C-C1DB88E9F632}" srcOrd="0" destOrd="0" presId="urn:microsoft.com/office/officeart/2005/8/layout/orgChart1"/>
+    <dgm:cxn modelId="{6C081070-BFA6-4451-8423-41FAADBD5092}" type="presOf" srcId="{807A8DFA-5BDA-4B03-B801-660127571B99}" destId="{B9F624FB-4B18-4FAE-BC1C-356832304C1D}" srcOrd="0" destOrd="0" presId="urn:microsoft.com/office/officeart/2005/8/layout/orgChart1"/>
+    <dgm:cxn modelId="{86B0FB32-42C9-4162-91B1-FFC1DE8460AC}" type="presOf" srcId="{29EEBFE2-BEA6-4F35-8D1E-FF7000BD40D5}" destId="{764024E2-07FC-4A92-AB92-49DAE6C1E5A9}" srcOrd="0" destOrd="0" presId="urn:microsoft.com/office/officeart/2005/8/layout/orgChart1"/>
+    <dgm:cxn modelId="{A22D7F34-B439-4CBC-B05B-B7928B3E9518}" type="presOf" srcId="{BB9FF21B-E75B-43A4-B03F-6C82A45E4511}" destId="{EA605843-84EA-4778-BB50-59415505C303}" srcOrd="0" destOrd="0" presId="urn:microsoft.com/office/officeart/2005/8/layout/orgChart1"/>
+    <dgm:cxn modelId="{8DF793BF-2779-4364-8E86-AD0E5A6E0DE7}" srcId="{BB9FF21B-E75B-43A4-B03F-6C82A45E4511}" destId="{807A8DFA-5BDA-4B03-B801-660127571B99}" srcOrd="0" destOrd="0" parTransId="{CB39D681-7061-437F-A140-79E3079A753F}" sibTransId="{4527A35C-07AB-4D60-998A-707A1A9945D9}"/>
+    <dgm:cxn modelId="{78F39385-89B2-4678-B14C-4566B6C7C105}" type="presOf" srcId="{C1995ACD-DEEA-4649-9190-0A2396D6DBA3}" destId="{51FCB016-BDCC-466A-AEB8-2EA2F7D30621}" srcOrd="1" destOrd="0" presId="urn:microsoft.com/office/officeart/2005/8/layout/orgChart1"/>
     <dgm:cxn modelId="{E3838B30-B14E-4EEB-9770-9A004F60ED7D}" type="presOf" srcId="{2888C3D8-9495-4F27-A1DB-649C0F6F0C8E}" destId="{FD340AE9-3099-4F19-AE25-6AA406E4942B}" srcOrd="0" destOrd="0" presId="urn:microsoft.com/office/officeart/2005/8/layout/orgChart1"/>
     <dgm:cxn modelId="{9E00E631-3A37-453D-8036-41BFD158F301}" srcId="{C1995ACD-DEEA-4649-9190-0A2396D6DBA3}" destId="{E7358108-83A8-42F1-84AF-1043344A61B4}" srcOrd="0" destOrd="0" parTransId="{69FD09DB-7D78-47CE-93D1-107E376A870E}" sibTransId="{1EE218E9-8B94-451F-A133-38BAF668B8B5}"/>
-    <dgm:cxn modelId="{86B0FB32-42C9-4162-91B1-FFC1DE8460AC}" type="presOf" srcId="{29EEBFE2-BEA6-4F35-8D1E-FF7000BD40D5}" destId="{764024E2-07FC-4A92-AB92-49DAE6C1E5A9}" srcOrd="0" destOrd="0" presId="urn:microsoft.com/office/officeart/2005/8/layout/orgChart1"/>
-    <dgm:cxn modelId="{A22D7F34-B439-4CBC-B05B-B7928B3E9518}" type="presOf" srcId="{BB9FF21B-E75B-43A4-B03F-6C82A45E4511}" destId="{EA605843-84EA-4778-BB50-59415505C303}" srcOrd="0" destOrd="0" presId="urn:microsoft.com/office/officeart/2005/8/layout/orgChart1"/>
-    <dgm:cxn modelId="{8585F034-87B5-4354-A241-97380A009B59}" srcId="{E7358108-83A8-42F1-84AF-1043344A61B4}" destId="{68B252EE-9C0A-4188-A43E-0D986D13139E}" srcOrd="2" destOrd="0" parTransId="{81BF323F-0728-4CEC-A5C6-E78EFAB532FA}" sibTransId="{AD05A098-FF6B-4ED5-BD35-CFD2DCD6F823}"/>
-    <dgm:cxn modelId="{4F0B0D3E-984D-49D4-BF42-B0C2A303B629}" type="presOf" srcId="{86D061FF-D2B9-4444-977F-ADD2F8B26F58}" destId="{027E1B34-93FE-4CE3-8A28-D69A90B48A09}" srcOrd="0" destOrd="0" presId="urn:microsoft.com/office/officeart/2005/8/layout/orgChart1"/>
-    <dgm:cxn modelId="{C75B443E-4E99-4FBB-99BA-FA4A0C1A2EDC}" type="presOf" srcId="{A20FE1FD-A95C-4766-9690-80DC349AC70F}" destId="{84A7522A-37FD-4A20-BFE1-3E7225977F7B}" srcOrd="1" destOrd="0" presId="urn:microsoft.com/office/officeart/2005/8/layout/orgChart1"/>
-    <dgm:cxn modelId="{E4D8F05D-28B4-48A9-9BB5-6EE26DA1C4A4}" type="presOf" srcId="{CB39D681-7061-437F-A140-79E3079A753F}" destId="{E79A5832-DD8A-4441-B652-BD9EC8B7EED1}" srcOrd="0" destOrd="0" presId="urn:microsoft.com/office/officeart/2005/8/layout/orgChart1"/>
     <dgm:cxn modelId="{53F1B363-031E-4DC4-8446-BEC328477272}" type="presOf" srcId="{6D45DEA0-D4D5-4F5A-B34F-FF0007B4D557}" destId="{BC0D907D-CEB2-4F4E-B6F3-5737303E1E5F}" srcOrd="0" destOrd="0" presId="urn:microsoft.com/office/officeart/2005/8/layout/orgChart1"/>
     <dgm:cxn modelId="{665D2C66-71F9-4798-AD7B-213B21EF38D4}" type="presOf" srcId="{0CF1DFD8-24BF-4C6B-BD01-BEBB8834C8DE}" destId="{FC2AA275-909E-47D7-A861-5FB840A38676}" srcOrd="0" destOrd="0" presId="urn:microsoft.com/office/officeart/2005/8/layout/orgChart1"/>
-    <dgm:cxn modelId="{D5930A49-5840-4E30-95C3-F3FBFAB1C838}" type="presOf" srcId="{0F8EC0D8-D0B9-4109-B18C-2E6F61206B1D}" destId="{700D6C6B-3C1D-4F38-A11A-D6A656DBA01E}" srcOrd="0" destOrd="0" presId="urn:microsoft.com/office/officeart/2005/8/layout/orgChart1"/>
+    <dgm:cxn modelId="{934DDD9A-24FF-4BF0-940E-843BF0B8C4A9}" type="presOf" srcId="{39BE0418-99C9-4A4C-9BB7-65D49A05BB31}" destId="{A22D8479-F3B5-40E2-B47E-87AA623B4993}" srcOrd="0" destOrd="0" presId="urn:microsoft.com/office/officeart/2005/8/layout/orgChart1"/>
+    <dgm:cxn modelId="{80C4524F-4DF7-4799-946F-CCB503F3B731}" type="presOf" srcId="{3F984D36-88C5-4802-A36C-73B6E41E1411}" destId="{6A9A8A16-8F93-420D-8D9F-15BFBFA09642}" srcOrd="0" destOrd="0" presId="urn:microsoft.com/office/officeart/2005/8/layout/orgChart1"/>
+    <dgm:cxn modelId="{9935FD93-C4F2-4D60-8FD8-02DB113D79BC}" type="presOf" srcId="{7F7DDA6E-F3A1-4195-9D49-DD6A7A673A53}" destId="{1CACF2A5-9765-453F-9602-3749D63C20FF}" srcOrd="0" destOrd="0" presId="urn:microsoft.com/office/officeart/2005/8/layout/orgChart1"/>
+    <dgm:cxn modelId="{EE872192-4017-4F2D-B4EC-3F779FABC6B7}" type="presOf" srcId="{68B252EE-9C0A-4188-A43E-0D986D13139E}" destId="{53D166CE-3030-491E-8941-378611132950}" srcOrd="1" destOrd="0" presId="urn:microsoft.com/office/officeart/2005/8/layout/orgChart1"/>
+    <dgm:cxn modelId="{EDDD4D9C-7009-4E90-A9EE-E3DD9DF935B6}" type="presOf" srcId="{C8AEE87B-F7A2-4CFA-BE00-6B9F721DFE96}" destId="{23546AB9-AA88-44E8-A74F-6A7DB71CEDFA}" srcOrd="1" destOrd="0" presId="urn:microsoft.com/office/officeart/2005/8/layout/orgChart1"/>
     <dgm:cxn modelId="{692C2E6B-BDFD-4010-A265-F8C30B20FA6C}" srcId="{86D061FF-D2B9-4444-977F-ADD2F8B26F58}" destId="{45589563-E41B-44DB-8AFC-34EE8901D150}" srcOrd="1" destOrd="0" parTransId="{56898A94-E574-4C74-BB23-528EED54EB78}" sibTransId="{9C579D39-AB85-41C8-8432-AFBFC00D9440}"/>
-    <dgm:cxn modelId="{26F9324B-44A5-4EE4-A830-EBDAA24A23BC}" type="presOf" srcId="{86D061FF-D2B9-4444-977F-ADD2F8B26F58}" destId="{DBAD3854-BABD-419A-91AD-A1E38A3CF09E}" srcOrd="1" destOrd="0" presId="urn:microsoft.com/office/officeart/2005/8/layout/orgChart1"/>
-    <dgm:cxn modelId="{80C4524F-4DF7-4799-946F-CCB503F3B731}" type="presOf" srcId="{3F984D36-88C5-4802-A36C-73B6E41E1411}" destId="{6A9A8A16-8F93-420D-8D9F-15BFBFA09642}" srcOrd="0" destOrd="0" presId="urn:microsoft.com/office/officeart/2005/8/layout/orgChart1"/>
-    <dgm:cxn modelId="{6C081070-BFA6-4451-8423-41FAADBD5092}" type="presOf" srcId="{807A8DFA-5BDA-4B03-B801-660127571B99}" destId="{B9F624FB-4B18-4FAE-BC1C-356832304C1D}" srcOrd="0" destOrd="0" presId="urn:microsoft.com/office/officeart/2005/8/layout/orgChart1"/>
-    <dgm:cxn modelId="{A8E79D71-C7DF-4296-A3C7-24AFAA6DE9C3}" srcId="{86D061FF-D2B9-4444-977F-ADD2F8B26F58}" destId="{0CF1DFD8-24BF-4C6B-BD01-BEBB8834C8DE}" srcOrd="0" destOrd="0" parTransId="{0CDD43BF-559F-46B2-A99A-AC0F2E14E16C}" sibTransId="{4F46DB3D-023A-410E-88AA-FB56A0D3206C}"/>
-    <dgm:cxn modelId="{A8940652-5E36-4B09-BDC7-923AD7A2B90A}" type="presOf" srcId="{C1995ACD-DEEA-4649-9190-0A2396D6DBA3}" destId="{0F6EA74C-FEEA-4A60-8965-C249C259639B}" srcOrd="0" destOrd="0" presId="urn:microsoft.com/office/officeart/2005/8/layout/orgChart1"/>
-    <dgm:cxn modelId="{D693D372-7061-4242-B7FA-0922BF6D50B1}" srcId="{AD32A085-D46D-4887-85FE-3881670D4ABC}" destId="{39BE0418-99C9-4A4C-9BB7-65D49A05BB31}" srcOrd="0" destOrd="0" parTransId="{3F984D36-88C5-4802-A36C-73B6E41E1411}" sibTransId="{AADAA9E2-AA9B-4FCD-ACF3-BAF5F5DC6DE5}"/>
-    <dgm:cxn modelId="{B024FF53-4887-4D94-A72D-4D97CAFD64F6}" type="presOf" srcId="{E7358108-83A8-42F1-84AF-1043344A61B4}" destId="{74E53E5B-7DCA-4C09-A9BF-327363D42547}" srcOrd="1" destOrd="0" presId="urn:microsoft.com/office/officeart/2005/8/layout/orgChart1"/>
-    <dgm:cxn modelId="{828B6D54-699D-4E46-AD40-07C1A62B13D9}" srcId="{C1995ACD-DEEA-4649-9190-0A2396D6DBA3}" destId="{86D061FF-D2B9-4444-977F-ADD2F8B26F58}" srcOrd="2" destOrd="0" parTransId="{BA5BADE7-FE02-4E58-AED6-CA6877DD8C92}" sibTransId="{CFC98E5F-E976-47DE-BF3C-8D713A362CC8}"/>
-    <dgm:cxn modelId="{6899B875-29D3-4DE3-AFD5-E22A63AA82BC}" type="presOf" srcId="{07007F80-4D7E-4563-AD21-11199C9C40A0}" destId="{C5A3A19F-9A31-490F-9254-83D2F2363179}" srcOrd="0" destOrd="0" presId="urn:microsoft.com/office/officeart/2005/8/layout/orgChart1"/>
-    <dgm:cxn modelId="{0A001B7D-02A3-44E0-884E-6CD766446281}" srcId="{E7358108-83A8-42F1-84AF-1043344A61B4}" destId="{9D5DD00D-D723-41C3-A564-BE447082CEE3}" srcOrd="1" destOrd="0" parTransId="{7F7DDA6E-F3A1-4195-9D49-DD6A7A673A53}" sibTransId="{CC461DF6-266C-458F-8E69-C9749734EA70}"/>
-    <dgm:cxn modelId="{2A37767E-672C-464E-931A-BC8365AF4F05}" type="presOf" srcId="{AD32A085-D46D-4887-85FE-3881670D4ABC}" destId="{C609D8FB-3E78-41DF-97D1-426FFD67870A}" srcOrd="1" destOrd="0" presId="urn:microsoft.com/office/officeart/2005/8/layout/orgChart1"/>
-    <dgm:cxn modelId="{367BD37E-38CF-4245-9EFA-D01B85B83BD9}" type="presOf" srcId="{56898A94-E574-4C74-BB23-528EED54EB78}" destId="{2D80F0C3-C504-4561-A084-06B66D39392D}" srcOrd="0" destOrd="0" presId="urn:microsoft.com/office/officeart/2005/8/layout/orgChart1"/>
-    <dgm:cxn modelId="{AB480F80-CE0A-4F95-916F-C7173772710C}" type="presOf" srcId="{9D5DD00D-D723-41C3-A564-BE447082CEE3}" destId="{DE79C5C0-52BB-4AB4-B9E4-4D482851A011}" srcOrd="0" destOrd="0" presId="urn:microsoft.com/office/officeart/2005/8/layout/orgChart1"/>
-    <dgm:cxn modelId="{20309684-A762-44F5-84F3-A30330CCFCA8}" type="presOf" srcId="{0CF1DFD8-24BF-4C6B-BD01-BEBB8834C8DE}" destId="{D1B06913-B69F-4394-9B6A-75C451167FE8}" srcOrd="1" destOrd="0" presId="urn:microsoft.com/office/officeart/2005/8/layout/orgChart1"/>
-    <dgm:cxn modelId="{FB4A1C85-F1E3-45BF-8CD8-8E9D3AE2F3BA}" type="presOf" srcId="{9D5DD00D-D723-41C3-A564-BE447082CEE3}" destId="{7877DBA2-C865-46EE-839A-1D3781B37466}" srcOrd="1" destOrd="0" presId="urn:microsoft.com/office/officeart/2005/8/layout/orgChart1"/>
-    <dgm:cxn modelId="{78F39385-89B2-4678-B14C-4566B6C7C105}" type="presOf" srcId="{C1995ACD-DEEA-4649-9190-0A2396D6DBA3}" destId="{51FCB016-BDCC-466A-AEB8-2EA2F7D30621}" srcOrd="1" destOrd="0" presId="urn:microsoft.com/office/officeart/2005/8/layout/orgChart1"/>
-    <dgm:cxn modelId="{5E40A485-E986-4DF1-9B84-9F421FDAB0BC}" type="presOf" srcId="{BA5BADE7-FE02-4E58-AED6-CA6877DD8C92}" destId="{2B8AB7A6-9DF3-44B8-A462-8360BF7B6F26}" srcOrd="0" destOrd="0" presId="urn:microsoft.com/office/officeart/2005/8/layout/orgChart1"/>
+    <dgm:cxn modelId="{235A9498-EF3D-4486-AD85-5CD5B828BBC7}" type="presOf" srcId="{E75562FB-B070-41B3-8EF8-CB551DCB0DC5}" destId="{D223C34C-51A5-4CA5-8302-426A14A3C069}" srcOrd="1" destOrd="0" presId="urn:microsoft.com/office/officeart/2005/8/layout/orgChart1"/>
+    <dgm:cxn modelId="{D680EA26-5B15-420D-9FA0-DD0C5A469941}" srcId="{29EEBFE2-BEA6-4F35-8D1E-FF7000BD40D5}" destId="{C1995ACD-DEEA-4649-9190-0A2396D6DBA3}" srcOrd="0" destOrd="0" parTransId="{A5ED610D-3F11-454D-B28B-8E429C182DBB}" sibTransId="{CF4FC96D-3D22-44F0-A56F-5F48565B1343}"/>
     <dgm:cxn modelId="{74B08588-A8AA-40FE-A5B1-93EF0CF50E26}" type="presOf" srcId="{C8AEE87B-F7A2-4CFA-BE00-6B9F721DFE96}" destId="{9CB29694-F3D7-41DB-BEBC-33D5343BA11A}" srcOrd="0" destOrd="0" presId="urn:microsoft.com/office/officeart/2005/8/layout/orgChart1"/>
-    <dgm:cxn modelId="{2A999C88-D037-4C71-A179-0F3CFCAEFFF4}" type="presOf" srcId="{E75562FB-B070-41B3-8EF8-CB551DCB0DC5}" destId="{6871A768-0DBE-4C41-BCFF-9B19A28A7E1D}" srcOrd="0" destOrd="0" presId="urn:microsoft.com/office/officeart/2005/8/layout/orgChart1"/>
-    <dgm:cxn modelId="{8E30AF8B-B498-43A6-9E10-84E97522C64C}" type="presOf" srcId="{BB9FF21B-E75B-43A4-B03F-6C82A45E4511}" destId="{D8602253-5290-4E90-A5EF-32A901888DAC}" srcOrd="1" destOrd="0" presId="urn:microsoft.com/office/officeart/2005/8/layout/orgChart1"/>
-    <dgm:cxn modelId="{A474708C-9EBF-4ECD-BF09-326E10A1A9BC}" type="presOf" srcId="{B3FBE738-30A6-4B4A-9DB3-9AB2CC3B1641}" destId="{34F89FF5-4CE7-4557-94ED-372F163EBFBB}" srcOrd="0" destOrd="0" presId="urn:microsoft.com/office/officeart/2005/8/layout/orgChart1"/>
-    <dgm:cxn modelId="{AA09D090-9317-4095-B6E6-E4A683928290}" type="presOf" srcId="{A20FE1FD-A95C-4766-9690-80DC349AC70F}" destId="{8C04714C-7228-4FE6-AC0C-C1DB88E9F632}" srcOrd="0" destOrd="0" presId="urn:microsoft.com/office/officeart/2005/8/layout/orgChart1"/>
-    <dgm:cxn modelId="{EE872192-4017-4F2D-B4EC-3F779FABC6B7}" type="presOf" srcId="{68B252EE-9C0A-4188-A43E-0D986D13139E}" destId="{53D166CE-3030-491E-8941-378611132950}" srcOrd="1" destOrd="0" presId="urn:microsoft.com/office/officeart/2005/8/layout/orgChart1"/>
-    <dgm:cxn modelId="{97F9CF93-1ADD-4C27-A321-B36B3C7D5089}" srcId="{E7358108-83A8-42F1-84AF-1043344A61B4}" destId="{C8AEE87B-F7A2-4CFA-BE00-6B9F721DFE96}" srcOrd="0" destOrd="0" parTransId="{DBFF9E4D-F654-4E3E-A2C7-9EEF27EF4259}" sibTransId="{EC9178BF-E53B-4AAF-BF49-34A7F5D46978}"/>
-    <dgm:cxn modelId="{9935FD93-C4F2-4D60-8FD8-02DB113D79BC}" type="presOf" srcId="{7F7DDA6E-F3A1-4195-9D49-DD6A7A673A53}" destId="{1CACF2A5-9765-453F-9602-3749D63C20FF}" srcOrd="0" destOrd="0" presId="urn:microsoft.com/office/officeart/2005/8/layout/orgChart1"/>
-    <dgm:cxn modelId="{235A9498-EF3D-4486-AD85-5CD5B828BBC7}" type="presOf" srcId="{E75562FB-B070-41B3-8EF8-CB551DCB0DC5}" destId="{D223C34C-51A5-4CA5-8302-426A14A3C069}" srcOrd="1" destOrd="0" presId="urn:microsoft.com/office/officeart/2005/8/layout/orgChart1"/>
-    <dgm:cxn modelId="{076AD29A-7FEC-4388-8353-A4CBF00E6363}" srcId="{BB9FF21B-E75B-43A4-B03F-6C82A45E4511}" destId="{E75562FB-B070-41B3-8EF8-CB551DCB0DC5}" srcOrd="1" destOrd="0" parTransId="{6D45DEA0-D4D5-4F5A-B34F-FF0007B4D557}" sibTransId="{C45E83A9-31EF-4525-9EDB-CCA5F08C6693}"/>
-    <dgm:cxn modelId="{934DDD9A-24FF-4BF0-940E-843BF0B8C4A9}" type="presOf" srcId="{39BE0418-99C9-4A4C-9BB7-65D49A05BB31}" destId="{A22D8479-F3B5-40E2-B47E-87AA623B4993}" srcOrd="0" destOrd="0" presId="urn:microsoft.com/office/officeart/2005/8/layout/orgChart1"/>
-    <dgm:cxn modelId="{EDDD4D9C-7009-4E90-A9EE-E3DD9DF935B6}" type="presOf" srcId="{C8AEE87B-F7A2-4CFA-BE00-6B9F721DFE96}" destId="{23546AB9-AA88-44E8-A74F-6A7DB71CEDFA}" srcOrd="1" destOrd="0" presId="urn:microsoft.com/office/officeart/2005/8/layout/orgChart1"/>
-    <dgm:cxn modelId="{6AE5289E-380D-477A-8B3F-2DA1D4B51CB3}" srcId="{C1995ACD-DEEA-4649-9190-0A2396D6DBA3}" destId="{BB9FF21B-E75B-43A4-B03F-6C82A45E4511}" srcOrd="1" destOrd="0" parTransId="{B3FBE738-30A6-4B4A-9DB3-9AB2CC3B1641}" sibTransId="{02222961-B9DB-42C2-91C4-66DA7EA2366A}"/>
-    <dgm:cxn modelId="{DAD445AE-77E0-447B-A995-A3969FB11BB6}" srcId="{86D061FF-D2B9-4444-977F-ADD2F8B26F58}" destId="{A20FE1FD-A95C-4766-9690-80DC349AC70F}" srcOrd="2" destOrd="0" parTransId="{2888C3D8-9495-4F27-A1DB-649C0F6F0C8E}" sibTransId="{30C40F3C-0B8E-4BAD-A7D3-38CD92A119D6}"/>
-    <dgm:cxn modelId="{131F04B7-A1DB-4CF9-8A4F-44BB789C919D}" srcId="{BB9FF21B-E75B-43A4-B03F-6C82A45E4511}" destId="{07007F80-4D7E-4563-AD21-11199C9C40A0}" srcOrd="2" destOrd="0" parTransId="{0F8EC0D8-D0B9-4109-B18C-2E6F61206B1D}" sibTransId="{9C550842-45B0-45C1-94D1-5E7C170B6FCE}"/>
-    <dgm:cxn modelId="{8DF793BF-2779-4364-8E86-AD0E5A6E0DE7}" srcId="{BB9FF21B-E75B-43A4-B03F-6C82A45E4511}" destId="{807A8DFA-5BDA-4B03-B801-660127571B99}" srcOrd="0" destOrd="0" parTransId="{CB39D681-7061-437F-A140-79E3079A753F}" sibTransId="{4527A35C-07AB-4D60-998A-707A1A9945D9}"/>
-    <dgm:cxn modelId="{657B40C3-3E57-4CCB-9E16-E70710592D61}" type="presOf" srcId="{45589563-E41B-44DB-8AFC-34EE8901D150}" destId="{31BD8C53-89B5-4F7C-9478-2F7EA5E507AF}" srcOrd="0" destOrd="0" presId="urn:microsoft.com/office/officeart/2005/8/layout/orgChart1"/>
-    <dgm:cxn modelId="{B0D333DA-4366-40E3-9447-D37D14EAA057}" type="presOf" srcId="{10800D79-C7F5-402B-9C15-F3A760B05058}" destId="{BDE2651E-B7D5-4C3D-AD07-DA19A512C3EE}" srcOrd="0" destOrd="0" presId="urn:microsoft.com/office/officeart/2005/8/layout/orgChart1"/>
-    <dgm:cxn modelId="{2EBA05DF-25C4-4F07-B7E4-CBCE24FBD8CD}" type="presOf" srcId="{68B252EE-9C0A-4188-A43E-0D986D13139E}" destId="{58DF7A56-A026-4332-B778-5724E260D9D9}" srcOrd="0" destOrd="0" presId="urn:microsoft.com/office/officeart/2005/8/layout/orgChart1"/>
-    <dgm:cxn modelId="{4B2E84E0-2768-4DE2-9D28-E864C4A63ACF}" type="presOf" srcId="{07007F80-4D7E-4563-AD21-11199C9C40A0}" destId="{C42525A4-015D-470E-A050-F57084EDC2BB}" srcOrd="1" destOrd="0" presId="urn:microsoft.com/office/officeart/2005/8/layout/orgChart1"/>
-    <dgm:cxn modelId="{9F8086E4-200A-41A0-985F-6819AAD7FF3C}" srcId="{C1995ACD-DEEA-4649-9190-0A2396D6DBA3}" destId="{AD32A085-D46D-4887-85FE-3881670D4ABC}" srcOrd="3" destOrd="0" parTransId="{10800D79-C7F5-402B-9C15-F3A760B05058}" sibTransId="{B3F636BC-F4CF-43A1-A69B-8541CA9DB61A}"/>
-    <dgm:cxn modelId="{96D6EEE7-8235-4C17-9267-91757A269C8B}" type="presOf" srcId="{39BE0418-99C9-4A4C-9BB7-65D49A05BB31}" destId="{BC019BB1-5CF6-423B-ABA0-427EF99217C0}" srcOrd="1" destOrd="0" presId="urn:microsoft.com/office/officeart/2005/8/layout/orgChart1"/>
-    <dgm:cxn modelId="{34CA90F4-3BEF-443F-B290-94C9ED524EBD}" type="presOf" srcId="{81BF323F-0728-4CEC-A5C6-E78EFAB532FA}" destId="{FA5B38AC-797B-4312-B45A-B09C5187349A}" srcOrd="0" destOrd="0" presId="urn:microsoft.com/office/officeart/2005/8/layout/orgChart1"/>
-    <dgm:cxn modelId="{1E7CF7F4-880F-46A8-A683-3C17F8E77C97}" type="presOf" srcId="{AD32A085-D46D-4887-85FE-3881670D4ABC}" destId="{D6D7FEDC-5C4A-4464-B939-F0267B32F854}" srcOrd="0" destOrd="0" presId="urn:microsoft.com/office/officeart/2005/8/layout/orgChart1"/>
     <dgm:cxn modelId="{1043DBB4-3E98-4667-AFB0-FE1DD5F4D950}" type="presParOf" srcId="{764024E2-07FC-4A92-AB92-49DAE6C1E5A9}" destId="{341D0529-C993-485F-BFBA-73789AD13323}" srcOrd="0" destOrd="0" presId="urn:microsoft.com/office/officeart/2005/8/layout/orgChart1"/>
     <dgm:cxn modelId="{78CA9623-37D5-4F3C-B069-9D69DC2E1A4A}" type="presParOf" srcId="{341D0529-C993-485F-BFBA-73789AD13323}" destId="{A0EA6964-6D71-4BBB-BFE3-8CE8410BB988}" srcOrd="0" destOrd="0" presId="urn:microsoft.com/office/officeart/2005/8/layout/orgChart1"/>
     <dgm:cxn modelId="{3D3AE38E-E62B-4059-B79C-E624C48E1AEB}" type="presParOf" srcId="{A0EA6964-6D71-4BBB-BFE3-8CE8410BB988}" destId="{0F6EA74C-FEEA-4A60-8965-C249C259639B}" srcOrd="0" destOrd="0" presId="urn:microsoft.com/office/officeart/2005/8/layout/orgChart1"/>
@@ -5773,11 +6427,18 @@
         <a:lstStyle/>
         <a:p>
           <a:r>
+            <a:rPr lang="zh-TW" altLang="en-US" dirty="0" smtClean="0">
+              <a:latin typeface="Microsoft JhengHei Light" panose="020B0304030504040204" pitchFamily="34" charset="-120"/>
+              <a:ea typeface="Microsoft JhengHei Light" panose="020B0304030504040204" pitchFamily="34" charset="-120"/>
+            </a:rPr>
+            <a:t>紀錄</a:t>
+          </a:r>
+          <a:r>
             <a:rPr lang="zh-TW" altLang="en-US" dirty="0">
               <a:latin typeface="Microsoft JhengHei Light" panose="020B0304030504040204" pitchFamily="34" charset="-120"/>
               <a:ea typeface="Microsoft JhengHei Light" panose="020B0304030504040204" pitchFamily="34" charset="-120"/>
             </a:rPr>
-            <a:t>計錄遊戲數據</a:t>
+            <a:t>遊戲數據</a:t>
           </a:r>
         </a:p>
       </dgm:t>
@@ -6096,6 +6757,13 @@
         </dgm:presLayoutVars>
       </dgm:prSet>
       <dgm:spPr/>
+      <dgm:t>
+        <a:bodyPr/>
+        <a:lstStyle/>
+        <a:p>
+          <a:endParaRPr lang="zh-TW" altLang="en-US"/>
+        </a:p>
+      </dgm:t>
     </dgm:pt>
     <dgm:pt modelId="{341D0529-C993-485F-BFBA-73789AD13323}" type="pres">
       <dgm:prSet presAssocID="{C1995ACD-DEEA-4649-9190-0A2396D6DBA3}" presName="hierRoot1" presStyleCnt="0">
@@ -6116,10 +6784,24 @@
         </dgm:presLayoutVars>
       </dgm:prSet>
       <dgm:spPr/>
+      <dgm:t>
+        <a:bodyPr/>
+        <a:lstStyle/>
+        <a:p>
+          <a:endParaRPr lang="zh-TW" altLang="en-US"/>
+        </a:p>
+      </dgm:t>
     </dgm:pt>
     <dgm:pt modelId="{51FCB016-BDCC-466A-AEB8-2EA2F7D30621}" type="pres">
       <dgm:prSet presAssocID="{C1995ACD-DEEA-4649-9190-0A2396D6DBA3}" presName="rootConnector1" presStyleLbl="node1" presStyleIdx="0" presStyleCnt="0"/>
       <dgm:spPr/>
+      <dgm:t>
+        <a:bodyPr/>
+        <a:lstStyle/>
+        <a:p>
+          <a:endParaRPr lang="zh-TW" altLang="en-US"/>
+        </a:p>
+      </dgm:t>
     </dgm:pt>
     <dgm:pt modelId="{70833F56-676C-4F4A-840C-BD3E2F8215EB}" type="pres">
       <dgm:prSet presAssocID="{C1995ACD-DEEA-4649-9190-0A2396D6DBA3}" presName="hierChild2" presStyleCnt="0"/>
@@ -6128,6 +6810,13 @@
     <dgm:pt modelId="{0D5A4EFE-1C67-4062-B174-8A1DEA7885B2}" type="pres">
       <dgm:prSet presAssocID="{69FD09DB-7D78-47CE-93D1-107E376A870E}" presName="Name37" presStyleLbl="parChTrans1D2" presStyleIdx="0" presStyleCnt="4"/>
       <dgm:spPr/>
+      <dgm:t>
+        <a:bodyPr/>
+        <a:lstStyle/>
+        <a:p>
+          <a:endParaRPr lang="zh-TW" altLang="en-US"/>
+        </a:p>
+      </dgm:t>
     </dgm:pt>
     <dgm:pt modelId="{DA6DE99B-499E-4D7B-B12E-6186C9E0DD80}" type="pres">
       <dgm:prSet presAssocID="{E7358108-83A8-42F1-84AF-1043344A61B4}" presName="hierRoot2" presStyleCnt="0">
@@ -6148,10 +6837,24 @@
         </dgm:presLayoutVars>
       </dgm:prSet>
       <dgm:spPr/>
+      <dgm:t>
+        <a:bodyPr/>
+        <a:lstStyle/>
+        <a:p>
+          <a:endParaRPr lang="zh-TW" altLang="en-US"/>
+        </a:p>
+      </dgm:t>
     </dgm:pt>
     <dgm:pt modelId="{74E53E5B-7DCA-4C09-A9BF-327363D42547}" type="pres">
       <dgm:prSet presAssocID="{E7358108-83A8-42F1-84AF-1043344A61B4}" presName="rootConnector" presStyleLbl="node2" presStyleIdx="0" presStyleCnt="4"/>
       <dgm:spPr/>
+      <dgm:t>
+        <a:bodyPr/>
+        <a:lstStyle/>
+        <a:p>
+          <a:endParaRPr lang="zh-TW" altLang="en-US"/>
+        </a:p>
+      </dgm:t>
     </dgm:pt>
     <dgm:pt modelId="{F19D0611-B84B-4FD7-BF2E-2DADD5D827ED}" type="pres">
       <dgm:prSet presAssocID="{E7358108-83A8-42F1-84AF-1043344A61B4}" presName="hierChild4" presStyleCnt="0"/>
@@ -6160,6 +6863,13 @@
     <dgm:pt modelId="{5F48F0E4-2C7E-480D-9A45-E44C79D6BEA5}" type="pres">
       <dgm:prSet presAssocID="{DBFF9E4D-F654-4E3E-A2C7-9EEF27EF4259}" presName="Name37" presStyleLbl="parChTrans1D3" presStyleIdx="0" presStyleCnt="10"/>
       <dgm:spPr/>
+      <dgm:t>
+        <a:bodyPr/>
+        <a:lstStyle/>
+        <a:p>
+          <a:endParaRPr lang="zh-TW" altLang="en-US"/>
+        </a:p>
+      </dgm:t>
     </dgm:pt>
     <dgm:pt modelId="{52A0685B-8E88-4949-BB15-552FEC72B4E8}" type="pres">
       <dgm:prSet presAssocID="{C8AEE87B-F7A2-4CFA-BE00-6B9F721DFE96}" presName="hierRoot2" presStyleCnt="0">
@@ -6180,10 +6890,24 @@
         </dgm:presLayoutVars>
       </dgm:prSet>
       <dgm:spPr/>
+      <dgm:t>
+        <a:bodyPr/>
+        <a:lstStyle/>
+        <a:p>
+          <a:endParaRPr lang="zh-TW" altLang="en-US"/>
+        </a:p>
+      </dgm:t>
     </dgm:pt>
     <dgm:pt modelId="{23546AB9-AA88-44E8-A74F-6A7DB71CEDFA}" type="pres">
       <dgm:prSet presAssocID="{C8AEE87B-F7A2-4CFA-BE00-6B9F721DFE96}" presName="rootConnector" presStyleLbl="node3" presStyleIdx="0" presStyleCnt="10"/>
       <dgm:spPr/>
+      <dgm:t>
+        <a:bodyPr/>
+        <a:lstStyle/>
+        <a:p>
+          <a:endParaRPr lang="zh-TW" altLang="en-US"/>
+        </a:p>
+      </dgm:t>
     </dgm:pt>
     <dgm:pt modelId="{939C9035-E800-4426-8773-B485420F1BE1}" type="pres">
       <dgm:prSet presAssocID="{C8AEE87B-F7A2-4CFA-BE00-6B9F721DFE96}" presName="hierChild4" presStyleCnt="0"/>
@@ -6196,6 +6920,13 @@
     <dgm:pt modelId="{1CACF2A5-9765-453F-9602-3749D63C20FF}" type="pres">
       <dgm:prSet presAssocID="{7F7DDA6E-F3A1-4195-9D49-DD6A7A673A53}" presName="Name37" presStyleLbl="parChTrans1D3" presStyleIdx="1" presStyleCnt="10"/>
       <dgm:spPr/>
+      <dgm:t>
+        <a:bodyPr/>
+        <a:lstStyle/>
+        <a:p>
+          <a:endParaRPr lang="zh-TW" altLang="en-US"/>
+        </a:p>
+      </dgm:t>
     </dgm:pt>
     <dgm:pt modelId="{797FA106-A9EF-4FA9-96A9-65973C18778A}" type="pres">
       <dgm:prSet presAssocID="{9D5DD00D-D723-41C3-A564-BE447082CEE3}" presName="hierRoot2" presStyleCnt="0">
@@ -6216,10 +6947,24 @@
         </dgm:presLayoutVars>
       </dgm:prSet>
       <dgm:spPr/>
+      <dgm:t>
+        <a:bodyPr/>
+        <a:lstStyle/>
+        <a:p>
+          <a:endParaRPr lang="zh-TW" altLang="en-US"/>
+        </a:p>
+      </dgm:t>
     </dgm:pt>
     <dgm:pt modelId="{7877DBA2-C865-46EE-839A-1D3781B37466}" type="pres">
       <dgm:prSet presAssocID="{9D5DD00D-D723-41C3-A564-BE447082CEE3}" presName="rootConnector" presStyleLbl="node3" presStyleIdx="1" presStyleCnt="10"/>
       <dgm:spPr/>
+      <dgm:t>
+        <a:bodyPr/>
+        <a:lstStyle/>
+        <a:p>
+          <a:endParaRPr lang="zh-TW" altLang="en-US"/>
+        </a:p>
+      </dgm:t>
     </dgm:pt>
     <dgm:pt modelId="{410DDF1F-9624-4ABA-AC0C-AF54B5CB8C95}" type="pres">
       <dgm:prSet presAssocID="{9D5DD00D-D723-41C3-A564-BE447082CEE3}" presName="hierChild4" presStyleCnt="0"/>
@@ -6232,6 +6977,13 @@
     <dgm:pt modelId="{FA5B38AC-797B-4312-B45A-B09C5187349A}" type="pres">
       <dgm:prSet presAssocID="{81BF323F-0728-4CEC-A5C6-E78EFAB532FA}" presName="Name37" presStyleLbl="parChTrans1D3" presStyleIdx="2" presStyleCnt="10"/>
       <dgm:spPr/>
+      <dgm:t>
+        <a:bodyPr/>
+        <a:lstStyle/>
+        <a:p>
+          <a:endParaRPr lang="zh-TW" altLang="en-US"/>
+        </a:p>
+      </dgm:t>
     </dgm:pt>
     <dgm:pt modelId="{69F22005-0E27-4DB7-9C51-EBE00F36D749}" type="pres">
       <dgm:prSet presAssocID="{68B252EE-9C0A-4188-A43E-0D986D13139E}" presName="hierRoot2" presStyleCnt="0">
@@ -6252,10 +7004,24 @@
         </dgm:presLayoutVars>
       </dgm:prSet>
       <dgm:spPr/>
+      <dgm:t>
+        <a:bodyPr/>
+        <a:lstStyle/>
+        <a:p>
+          <a:endParaRPr lang="zh-TW" altLang="en-US"/>
+        </a:p>
+      </dgm:t>
     </dgm:pt>
     <dgm:pt modelId="{53D166CE-3030-491E-8941-378611132950}" type="pres">
       <dgm:prSet presAssocID="{68B252EE-9C0A-4188-A43E-0D986D13139E}" presName="rootConnector" presStyleLbl="node3" presStyleIdx="2" presStyleCnt="10"/>
       <dgm:spPr/>
+      <dgm:t>
+        <a:bodyPr/>
+        <a:lstStyle/>
+        <a:p>
+          <a:endParaRPr lang="zh-TW" altLang="en-US"/>
+        </a:p>
+      </dgm:t>
     </dgm:pt>
     <dgm:pt modelId="{4944634E-CD86-43D9-882B-B92CF6579E42}" type="pres">
       <dgm:prSet presAssocID="{68B252EE-9C0A-4188-A43E-0D986D13139E}" presName="hierChild4" presStyleCnt="0"/>
@@ -6272,6 +7038,13 @@
     <dgm:pt modelId="{34F89FF5-4CE7-4557-94ED-372F163EBFBB}" type="pres">
       <dgm:prSet presAssocID="{B3FBE738-30A6-4B4A-9DB3-9AB2CC3B1641}" presName="Name37" presStyleLbl="parChTrans1D2" presStyleIdx="1" presStyleCnt="4"/>
       <dgm:spPr/>
+      <dgm:t>
+        <a:bodyPr/>
+        <a:lstStyle/>
+        <a:p>
+          <a:endParaRPr lang="zh-TW" altLang="en-US"/>
+        </a:p>
+      </dgm:t>
     </dgm:pt>
     <dgm:pt modelId="{EBF4EF29-E177-4261-9BC5-8B137BDD078C}" type="pres">
       <dgm:prSet presAssocID="{BB9FF21B-E75B-43A4-B03F-6C82A45E4511}" presName="hierRoot2" presStyleCnt="0">
@@ -6292,10 +7065,24 @@
         </dgm:presLayoutVars>
       </dgm:prSet>
       <dgm:spPr/>
+      <dgm:t>
+        <a:bodyPr/>
+        <a:lstStyle/>
+        <a:p>
+          <a:endParaRPr lang="zh-TW" altLang="en-US"/>
+        </a:p>
+      </dgm:t>
     </dgm:pt>
     <dgm:pt modelId="{D8602253-5290-4E90-A5EF-32A901888DAC}" type="pres">
       <dgm:prSet presAssocID="{BB9FF21B-E75B-43A4-B03F-6C82A45E4511}" presName="rootConnector" presStyleLbl="node2" presStyleIdx="1" presStyleCnt="4"/>
       <dgm:spPr/>
+      <dgm:t>
+        <a:bodyPr/>
+        <a:lstStyle/>
+        <a:p>
+          <a:endParaRPr lang="zh-TW" altLang="en-US"/>
+        </a:p>
+      </dgm:t>
     </dgm:pt>
     <dgm:pt modelId="{701D8773-02D0-4A03-A1BE-6FAD4C78FAF5}" type="pres">
       <dgm:prSet presAssocID="{BB9FF21B-E75B-43A4-B03F-6C82A45E4511}" presName="hierChild4" presStyleCnt="0"/>
@@ -6304,6 +7091,13 @@
     <dgm:pt modelId="{E79A5832-DD8A-4441-B652-BD9EC8B7EED1}" type="pres">
       <dgm:prSet presAssocID="{CB39D681-7061-437F-A140-79E3079A753F}" presName="Name37" presStyleLbl="parChTrans1D3" presStyleIdx="3" presStyleCnt="10"/>
       <dgm:spPr/>
+      <dgm:t>
+        <a:bodyPr/>
+        <a:lstStyle/>
+        <a:p>
+          <a:endParaRPr lang="zh-TW" altLang="en-US"/>
+        </a:p>
+      </dgm:t>
     </dgm:pt>
     <dgm:pt modelId="{22CF63CF-F5C0-4CE0-B760-6F42ED2537CB}" type="pres">
       <dgm:prSet presAssocID="{807A8DFA-5BDA-4B03-B801-660127571B99}" presName="hierRoot2" presStyleCnt="0">
@@ -6324,10 +7118,24 @@
         </dgm:presLayoutVars>
       </dgm:prSet>
       <dgm:spPr/>
+      <dgm:t>
+        <a:bodyPr/>
+        <a:lstStyle/>
+        <a:p>
+          <a:endParaRPr lang="zh-TW" altLang="en-US"/>
+        </a:p>
+      </dgm:t>
     </dgm:pt>
     <dgm:pt modelId="{079241A2-20E2-4232-9D06-88AA9F82E25C}" type="pres">
       <dgm:prSet presAssocID="{807A8DFA-5BDA-4B03-B801-660127571B99}" presName="rootConnector" presStyleLbl="node3" presStyleIdx="3" presStyleCnt="10"/>
       <dgm:spPr/>
+      <dgm:t>
+        <a:bodyPr/>
+        <a:lstStyle/>
+        <a:p>
+          <a:endParaRPr lang="zh-TW" altLang="en-US"/>
+        </a:p>
+      </dgm:t>
     </dgm:pt>
     <dgm:pt modelId="{7A94D976-B90C-463C-B25C-11A096826D72}" type="pres">
       <dgm:prSet presAssocID="{807A8DFA-5BDA-4B03-B801-660127571B99}" presName="hierChild4" presStyleCnt="0"/>
@@ -6340,6 +7148,13 @@
     <dgm:pt modelId="{BC0D907D-CEB2-4F4E-B6F3-5737303E1E5F}" type="pres">
       <dgm:prSet presAssocID="{6D45DEA0-D4D5-4F5A-B34F-FF0007B4D557}" presName="Name37" presStyleLbl="parChTrans1D3" presStyleIdx="4" presStyleCnt="10"/>
       <dgm:spPr/>
+      <dgm:t>
+        <a:bodyPr/>
+        <a:lstStyle/>
+        <a:p>
+          <a:endParaRPr lang="zh-TW" altLang="en-US"/>
+        </a:p>
+      </dgm:t>
     </dgm:pt>
     <dgm:pt modelId="{50440497-B0B6-44C0-98E2-BB7943182CF7}" type="pres">
       <dgm:prSet presAssocID="{E75562FB-B070-41B3-8EF8-CB551DCB0DC5}" presName="hierRoot2" presStyleCnt="0">
@@ -6360,10 +7175,24 @@
         </dgm:presLayoutVars>
       </dgm:prSet>
       <dgm:spPr/>
+      <dgm:t>
+        <a:bodyPr/>
+        <a:lstStyle/>
+        <a:p>
+          <a:endParaRPr lang="zh-TW" altLang="en-US"/>
+        </a:p>
+      </dgm:t>
     </dgm:pt>
     <dgm:pt modelId="{D223C34C-51A5-4CA5-8302-426A14A3C069}" type="pres">
       <dgm:prSet presAssocID="{E75562FB-B070-41B3-8EF8-CB551DCB0DC5}" presName="rootConnector" presStyleLbl="node3" presStyleIdx="4" presStyleCnt="10"/>
       <dgm:spPr/>
+      <dgm:t>
+        <a:bodyPr/>
+        <a:lstStyle/>
+        <a:p>
+          <a:endParaRPr lang="zh-TW" altLang="en-US"/>
+        </a:p>
+      </dgm:t>
     </dgm:pt>
     <dgm:pt modelId="{64A427A0-BD52-4A0F-B9FD-670345AC55D9}" type="pres">
       <dgm:prSet presAssocID="{E75562FB-B070-41B3-8EF8-CB551DCB0DC5}" presName="hierChild4" presStyleCnt="0"/>
@@ -6376,6 +7205,13 @@
     <dgm:pt modelId="{0EA301AC-CC13-42F4-8CED-8A31F6295604}" type="pres">
       <dgm:prSet presAssocID="{44C055A6-A610-4236-9829-3A6EC20B9FFA}" presName="Name37" presStyleLbl="parChTrans1D3" presStyleIdx="5" presStyleCnt="10"/>
       <dgm:spPr/>
+      <dgm:t>
+        <a:bodyPr/>
+        <a:lstStyle/>
+        <a:p>
+          <a:endParaRPr lang="zh-TW" altLang="en-US"/>
+        </a:p>
+      </dgm:t>
     </dgm:pt>
     <dgm:pt modelId="{88AEC842-BFED-467E-9555-C0882F276282}" type="pres">
       <dgm:prSet presAssocID="{1B2EEDB3-4240-40ED-A7B3-4B71CB9A1EB7}" presName="hierRoot2" presStyleCnt="0">
@@ -6396,10 +7232,24 @@
         </dgm:presLayoutVars>
       </dgm:prSet>
       <dgm:spPr/>
+      <dgm:t>
+        <a:bodyPr/>
+        <a:lstStyle/>
+        <a:p>
+          <a:endParaRPr lang="zh-TW" altLang="en-US"/>
+        </a:p>
+      </dgm:t>
     </dgm:pt>
     <dgm:pt modelId="{E02E0588-EE6A-48EA-9FA6-A73F72FA5B0E}" type="pres">
       <dgm:prSet presAssocID="{1B2EEDB3-4240-40ED-A7B3-4B71CB9A1EB7}" presName="rootConnector" presStyleLbl="node3" presStyleIdx="5" presStyleCnt="10"/>
       <dgm:spPr/>
+      <dgm:t>
+        <a:bodyPr/>
+        <a:lstStyle/>
+        <a:p>
+          <a:endParaRPr lang="zh-TW" altLang="en-US"/>
+        </a:p>
+      </dgm:t>
     </dgm:pt>
     <dgm:pt modelId="{16D79885-A245-4D33-9078-E1767537DAFA}" type="pres">
       <dgm:prSet presAssocID="{1B2EEDB3-4240-40ED-A7B3-4B71CB9A1EB7}" presName="hierChild4" presStyleCnt="0"/>
@@ -6416,6 +7266,13 @@
     <dgm:pt modelId="{2B8AB7A6-9DF3-44B8-A462-8360BF7B6F26}" type="pres">
       <dgm:prSet presAssocID="{BA5BADE7-FE02-4E58-AED6-CA6877DD8C92}" presName="Name37" presStyleLbl="parChTrans1D2" presStyleIdx="2" presStyleCnt="4"/>
       <dgm:spPr/>
+      <dgm:t>
+        <a:bodyPr/>
+        <a:lstStyle/>
+        <a:p>
+          <a:endParaRPr lang="zh-TW" altLang="en-US"/>
+        </a:p>
+      </dgm:t>
     </dgm:pt>
     <dgm:pt modelId="{21B06569-2508-486F-9FBB-07F2AAC6E739}" type="pres">
       <dgm:prSet presAssocID="{86D061FF-D2B9-4444-977F-ADD2F8B26F58}" presName="hierRoot2" presStyleCnt="0">
@@ -6436,10 +7293,24 @@
         </dgm:presLayoutVars>
       </dgm:prSet>
       <dgm:spPr/>
+      <dgm:t>
+        <a:bodyPr/>
+        <a:lstStyle/>
+        <a:p>
+          <a:endParaRPr lang="zh-TW" altLang="en-US"/>
+        </a:p>
+      </dgm:t>
     </dgm:pt>
     <dgm:pt modelId="{DBAD3854-BABD-419A-91AD-A1E38A3CF09E}" type="pres">
       <dgm:prSet presAssocID="{86D061FF-D2B9-4444-977F-ADD2F8B26F58}" presName="rootConnector" presStyleLbl="node2" presStyleIdx="2" presStyleCnt="4"/>
       <dgm:spPr/>
+      <dgm:t>
+        <a:bodyPr/>
+        <a:lstStyle/>
+        <a:p>
+          <a:endParaRPr lang="zh-TW" altLang="en-US"/>
+        </a:p>
+      </dgm:t>
     </dgm:pt>
     <dgm:pt modelId="{AF872535-12D7-4ACB-8C05-E0C9E46F7A5D}" type="pres">
       <dgm:prSet presAssocID="{86D061FF-D2B9-4444-977F-ADD2F8B26F58}" presName="hierChild4" presStyleCnt="0"/>
@@ -6448,6 +7319,13 @@
     <dgm:pt modelId="{E780AC31-68D7-4FDE-AB32-EFBB2D377EE9}" type="pres">
       <dgm:prSet presAssocID="{0CDD43BF-559F-46B2-A99A-AC0F2E14E16C}" presName="Name37" presStyleLbl="parChTrans1D3" presStyleIdx="6" presStyleCnt="10"/>
       <dgm:spPr/>
+      <dgm:t>
+        <a:bodyPr/>
+        <a:lstStyle/>
+        <a:p>
+          <a:endParaRPr lang="zh-TW" altLang="en-US"/>
+        </a:p>
+      </dgm:t>
     </dgm:pt>
     <dgm:pt modelId="{CC8D1D23-C19D-4599-B78F-69CF8D98A01C}" type="pres">
       <dgm:prSet presAssocID="{0CF1DFD8-24BF-4C6B-BD01-BEBB8834C8DE}" presName="hierRoot2" presStyleCnt="0">
@@ -6468,10 +7346,24 @@
         </dgm:presLayoutVars>
       </dgm:prSet>
       <dgm:spPr/>
+      <dgm:t>
+        <a:bodyPr/>
+        <a:lstStyle/>
+        <a:p>
+          <a:endParaRPr lang="zh-TW" altLang="en-US"/>
+        </a:p>
+      </dgm:t>
     </dgm:pt>
     <dgm:pt modelId="{D1B06913-B69F-4394-9B6A-75C451167FE8}" type="pres">
       <dgm:prSet presAssocID="{0CF1DFD8-24BF-4C6B-BD01-BEBB8834C8DE}" presName="rootConnector" presStyleLbl="node3" presStyleIdx="6" presStyleCnt="10"/>
       <dgm:spPr/>
+      <dgm:t>
+        <a:bodyPr/>
+        <a:lstStyle/>
+        <a:p>
+          <a:endParaRPr lang="zh-TW" altLang="en-US"/>
+        </a:p>
+      </dgm:t>
     </dgm:pt>
     <dgm:pt modelId="{A9FF0AF9-2690-4F87-A2D1-8CC1CE60737F}" type="pres">
       <dgm:prSet presAssocID="{0CF1DFD8-24BF-4C6B-BD01-BEBB8834C8DE}" presName="hierChild4" presStyleCnt="0"/>
@@ -6484,6 +7376,13 @@
     <dgm:pt modelId="{2D80F0C3-C504-4561-A084-06B66D39392D}" type="pres">
       <dgm:prSet presAssocID="{56898A94-E574-4C74-BB23-528EED54EB78}" presName="Name37" presStyleLbl="parChTrans1D3" presStyleIdx="7" presStyleCnt="10"/>
       <dgm:spPr/>
+      <dgm:t>
+        <a:bodyPr/>
+        <a:lstStyle/>
+        <a:p>
+          <a:endParaRPr lang="zh-TW" altLang="en-US"/>
+        </a:p>
+      </dgm:t>
     </dgm:pt>
     <dgm:pt modelId="{3D997989-D625-4CC3-A662-6369D61E2715}" type="pres">
       <dgm:prSet presAssocID="{45589563-E41B-44DB-8AFC-34EE8901D150}" presName="hierRoot2" presStyleCnt="0">
@@ -6504,10 +7403,24 @@
         </dgm:presLayoutVars>
       </dgm:prSet>
       <dgm:spPr/>
+      <dgm:t>
+        <a:bodyPr/>
+        <a:lstStyle/>
+        <a:p>
+          <a:endParaRPr lang="zh-TW" altLang="en-US"/>
+        </a:p>
+      </dgm:t>
     </dgm:pt>
     <dgm:pt modelId="{8CE4FFBF-227E-49C4-97D7-83977CD95846}" type="pres">
       <dgm:prSet presAssocID="{45589563-E41B-44DB-8AFC-34EE8901D150}" presName="rootConnector" presStyleLbl="node3" presStyleIdx="7" presStyleCnt="10"/>
       <dgm:spPr/>
+      <dgm:t>
+        <a:bodyPr/>
+        <a:lstStyle/>
+        <a:p>
+          <a:endParaRPr lang="zh-TW" altLang="en-US"/>
+        </a:p>
+      </dgm:t>
     </dgm:pt>
     <dgm:pt modelId="{EC817ADC-FFF2-4B36-B8D6-826AC4924E83}" type="pres">
       <dgm:prSet presAssocID="{45589563-E41B-44DB-8AFC-34EE8901D150}" presName="hierChild4" presStyleCnt="0"/>
@@ -6520,6 +7433,13 @@
     <dgm:pt modelId="{FD340AE9-3099-4F19-AE25-6AA406E4942B}" type="pres">
       <dgm:prSet presAssocID="{2888C3D8-9495-4F27-A1DB-649C0F6F0C8E}" presName="Name37" presStyleLbl="parChTrans1D3" presStyleIdx="8" presStyleCnt="10"/>
       <dgm:spPr/>
+      <dgm:t>
+        <a:bodyPr/>
+        <a:lstStyle/>
+        <a:p>
+          <a:endParaRPr lang="zh-TW" altLang="en-US"/>
+        </a:p>
+      </dgm:t>
     </dgm:pt>
     <dgm:pt modelId="{31743E06-6A4C-4F53-9E86-086D31640484}" type="pres">
       <dgm:prSet presAssocID="{A20FE1FD-A95C-4766-9690-80DC349AC70F}" presName="hierRoot2" presStyleCnt="0">
@@ -6540,10 +7460,24 @@
         </dgm:presLayoutVars>
       </dgm:prSet>
       <dgm:spPr/>
+      <dgm:t>
+        <a:bodyPr/>
+        <a:lstStyle/>
+        <a:p>
+          <a:endParaRPr lang="zh-TW" altLang="en-US"/>
+        </a:p>
+      </dgm:t>
     </dgm:pt>
     <dgm:pt modelId="{84A7522A-37FD-4A20-BFE1-3E7225977F7B}" type="pres">
       <dgm:prSet presAssocID="{A20FE1FD-A95C-4766-9690-80DC349AC70F}" presName="rootConnector" presStyleLbl="node3" presStyleIdx="8" presStyleCnt="10"/>
       <dgm:spPr/>
+      <dgm:t>
+        <a:bodyPr/>
+        <a:lstStyle/>
+        <a:p>
+          <a:endParaRPr lang="zh-TW" altLang="en-US"/>
+        </a:p>
+      </dgm:t>
     </dgm:pt>
     <dgm:pt modelId="{08FA467A-6995-4503-B201-F0B90825C9B6}" type="pres">
       <dgm:prSet presAssocID="{A20FE1FD-A95C-4766-9690-80DC349AC70F}" presName="hierChild4" presStyleCnt="0"/>
@@ -6560,6 +7494,13 @@
     <dgm:pt modelId="{BDE2651E-B7D5-4C3D-AD07-DA19A512C3EE}" type="pres">
       <dgm:prSet presAssocID="{10800D79-C7F5-402B-9C15-F3A760B05058}" presName="Name37" presStyleLbl="parChTrans1D2" presStyleIdx="3" presStyleCnt="4"/>
       <dgm:spPr/>
+      <dgm:t>
+        <a:bodyPr/>
+        <a:lstStyle/>
+        <a:p>
+          <a:endParaRPr lang="zh-TW" altLang="en-US"/>
+        </a:p>
+      </dgm:t>
     </dgm:pt>
     <dgm:pt modelId="{68C645D7-DD34-4CEC-B0F6-54DC101682E9}" type="pres">
       <dgm:prSet presAssocID="{AD32A085-D46D-4887-85FE-3881670D4ABC}" presName="hierRoot2" presStyleCnt="0">
@@ -6580,10 +7521,24 @@
         </dgm:presLayoutVars>
       </dgm:prSet>
       <dgm:spPr/>
+      <dgm:t>
+        <a:bodyPr/>
+        <a:lstStyle/>
+        <a:p>
+          <a:endParaRPr lang="zh-TW" altLang="en-US"/>
+        </a:p>
+      </dgm:t>
     </dgm:pt>
     <dgm:pt modelId="{C609D8FB-3E78-41DF-97D1-426FFD67870A}" type="pres">
       <dgm:prSet presAssocID="{AD32A085-D46D-4887-85FE-3881670D4ABC}" presName="rootConnector" presStyleLbl="node2" presStyleIdx="3" presStyleCnt="4"/>
       <dgm:spPr/>
+      <dgm:t>
+        <a:bodyPr/>
+        <a:lstStyle/>
+        <a:p>
+          <a:endParaRPr lang="zh-TW" altLang="en-US"/>
+        </a:p>
+      </dgm:t>
     </dgm:pt>
     <dgm:pt modelId="{F0332430-2094-44BA-B3EC-33A2BD908B64}" type="pres">
       <dgm:prSet presAssocID="{AD32A085-D46D-4887-85FE-3881670D4ABC}" presName="hierChild4" presStyleCnt="0"/>
@@ -6592,6 +7547,13 @@
     <dgm:pt modelId="{6A9A8A16-8F93-420D-8D9F-15BFBFA09642}" type="pres">
       <dgm:prSet presAssocID="{3F984D36-88C5-4802-A36C-73B6E41E1411}" presName="Name37" presStyleLbl="parChTrans1D3" presStyleIdx="9" presStyleCnt="10"/>
       <dgm:spPr/>
+      <dgm:t>
+        <a:bodyPr/>
+        <a:lstStyle/>
+        <a:p>
+          <a:endParaRPr lang="zh-TW" altLang="en-US"/>
+        </a:p>
+      </dgm:t>
     </dgm:pt>
     <dgm:pt modelId="{6D6CECBC-E1EB-4041-B439-B36FA5E3387D}" type="pres">
       <dgm:prSet presAssocID="{39BE0418-99C9-4A4C-9BB7-65D49A05BB31}" presName="hierRoot2" presStyleCnt="0">
@@ -6612,10 +7574,24 @@
         </dgm:presLayoutVars>
       </dgm:prSet>
       <dgm:spPr/>
+      <dgm:t>
+        <a:bodyPr/>
+        <a:lstStyle/>
+        <a:p>
+          <a:endParaRPr lang="zh-TW" altLang="en-US"/>
+        </a:p>
+      </dgm:t>
     </dgm:pt>
     <dgm:pt modelId="{BC019BB1-5CF6-423B-ABA0-427EF99217C0}" type="pres">
       <dgm:prSet presAssocID="{39BE0418-99C9-4A4C-9BB7-65D49A05BB31}" presName="rootConnector" presStyleLbl="node3" presStyleIdx="9" presStyleCnt="10"/>
       <dgm:spPr/>
+      <dgm:t>
+        <a:bodyPr/>
+        <a:lstStyle/>
+        <a:p>
+          <a:endParaRPr lang="zh-TW" altLang="en-US"/>
+        </a:p>
+      </dgm:t>
     </dgm:pt>
     <dgm:pt modelId="{9DB1C866-67F8-4DB2-99E4-62C28D8B5F6A}" type="pres">
       <dgm:prSet presAssocID="{39BE0418-99C9-4A4C-9BB7-65D49A05BB31}" presName="hierChild4" presStyleCnt="0"/>
@@ -6635,66 +7611,66 @@
     </dgm:pt>
   </dgm:ptLst>
   <dgm:cxnLst>
+    <dgm:cxn modelId="{4F0B0D3E-984D-49D4-BF42-B0C2A303B629}" type="presOf" srcId="{86D061FF-D2B9-4444-977F-ADD2F8B26F58}" destId="{027E1B34-93FE-4CE3-8A28-D69A90B48A09}" srcOrd="0" destOrd="0" presId="urn:microsoft.com/office/officeart/2005/8/layout/orgChart1"/>
+    <dgm:cxn modelId="{2A999C88-D037-4C71-A179-0F3CFCAEFFF4}" type="presOf" srcId="{E75562FB-B070-41B3-8EF8-CB551DCB0DC5}" destId="{6871A768-0DBE-4C41-BCFF-9B19A28A7E1D}" srcOrd="0" destOrd="0" presId="urn:microsoft.com/office/officeart/2005/8/layout/orgChart1"/>
+    <dgm:cxn modelId="{50DAC207-194B-4522-8F60-70329D502C4A}" type="presOf" srcId="{DBFF9E4D-F654-4E3E-A2C7-9EEF27EF4259}" destId="{5F48F0E4-2C7E-480D-9A45-E44C79D6BEA5}" srcOrd="0" destOrd="0" presId="urn:microsoft.com/office/officeart/2005/8/layout/orgChart1"/>
+    <dgm:cxn modelId="{D693D372-7061-4242-B7FA-0922BF6D50B1}" srcId="{AD32A085-D46D-4887-85FE-3881670D4ABC}" destId="{39BE0418-99C9-4A4C-9BB7-65D49A05BB31}" srcOrd="0" destOrd="0" parTransId="{3F984D36-88C5-4802-A36C-73B6E41E1411}" sibTransId="{AADAA9E2-AA9B-4FCD-ACF3-BAF5F5DC6DE5}"/>
+    <dgm:cxn modelId="{98454024-45AF-43B3-94CD-CD1338868A19}" type="presOf" srcId="{44C055A6-A610-4236-9829-3A6EC20B9FFA}" destId="{0EA301AC-CC13-42F4-8CED-8A31F6295604}" srcOrd="0" destOrd="0" presId="urn:microsoft.com/office/officeart/2005/8/layout/orgChart1"/>
+    <dgm:cxn modelId="{26F9324B-44A5-4EE4-A830-EBDAA24A23BC}" type="presOf" srcId="{86D061FF-D2B9-4444-977F-ADD2F8B26F58}" destId="{DBAD3854-BABD-419A-91AD-A1E38A3CF09E}" srcOrd="1" destOrd="0" presId="urn:microsoft.com/office/officeart/2005/8/layout/orgChart1"/>
+    <dgm:cxn modelId="{CF050829-6C9D-4F48-974B-656C1923992E}" type="presOf" srcId="{69FD09DB-7D78-47CE-93D1-107E376A870E}" destId="{0D5A4EFE-1C67-4062-B174-8A1DEA7885B2}" srcOrd="0" destOrd="0" presId="urn:microsoft.com/office/officeart/2005/8/layout/orgChart1"/>
+    <dgm:cxn modelId="{657B40C3-3E57-4CCB-9E16-E70710592D61}" type="presOf" srcId="{45589563-E41B-44DB-8AFC-34EE8901D150}" destId="{31BD8C53-89B5-4F7C-9478-2F7EA5E507AF}" srcOrd="0" destOrd="0" presId="urn:microsoft.com/office/officeart/2005/8/layout/orgChart1"/>
+    <dgm:cxn modelId="{96D6EEE7-8235-4C17-9267-91757A269C8B}" type="presOf" srcId="{39BE0418-99C9-4A4C-9BB7-65D49A05BB31}" destId="{BC019BB1-5CF6-423B-ABA0-427EF99217C0}" srcOrd="1" destOrd="0" presId="urn:microsoft.com/office/officeart/2005/8/layout/orgChart1"/>
+    <dgm:cxn modelId="{A8940652-5E36-4B09-BDC7-923AD7A2B90A}" type="presOf" srcId="{C1995ACD-DEEA-4649-9190-0A2396D6DBA3}" destId="{0F6EA74C-FEEA-4A60-8965-C249C259639B}" srcOrd="0" destOrd="0" presId="urn:microsoft.com/office/officeart/2005/8/layout/orgChart1"/>
+    <dgm:cxn modelId="{5E40A485-E986-4DF1-9B84-9F421FDAB0BC}" type="presOf" srcId="{BA5BADE7-FE02-4E58-AED6-CA6877DD8C92}" destId="{2B8AB7A6-9DF3-44B8-A462-8360BF7B6F26}" srcOrd="0" destOrd="0" presId="urn:microsoft.com/office/officeart/2005/8/layout/orgChart1"/>
+    <dgm:cxn modelId="{DB594F0F-D2CE-46D6-8A71-32F88F2A750A}" type="presOf" srcId="{E7358108-83A8-42F1-84AF-1043344A61B4}" destId="{898283FA-7639-445A-95D5-432134CB6ADF}" srcOrd="0" destOrd="0" presId="urn:microsoft.com/office/officeart/2005/8/layout/orgChart1"/>
+    <dgm:cxn modelId="{B0D333DA-4366-40E3-9447-D37D14EAA057}" type="presOf" srcId="{10800D79-C7F5-402B-9C15-F3A760B05058}" destId="{BDE2651E-B7D5-4C3D-AD07-DA19A512C3EE}" srcOrd="0" destOrd="0" presId="urn:microsoft.com/office/officeart/2005/8/layout/orgChart1"/>
+    <dgm:cxn modelId="{A474708C-9EBF-4ECD-BF09-326E10A1A9BC}" type="presOf" srcId="{B3FBE738-30A6-4B4A-9DB3-9AB2CC3B1641}" destId="{34F89FF5-4CE7-4557-94ED-372F163EBFBB}" srcOrd="0" destOrd="0" presId="urn:microsoft.com/office/officeart/2005/8/layout/orgChart1"/>
+    <dgm:cxn modelId="{8E30AF8B-B498-43A6-9E10-84E97522C64C}" type="presOf" srcId="{BB9FF21B-E75B-43A4-B03F-6C82A45E4511}" destId="{D8602253-5290-4E90-A5EF-32A901888DAC}" srcOrd="1" destOrd="0" presId="urn:microsoft.com/office/officeart/2005/8/layout/orgChart1"/>
+    <dgm:cxn modelId="{0A001B7D-02A3-44E0-884E-6CD766446281}" srcId="{E7358108-83A8-42F1-84AF-1043344A61B4}" destId="{9D5DD00D-D723-41C3-A564-BE447082CEE3}" srcOrd="1" destOrd="0" parTransId="{7F7DDA6E-F3A1-4195-9D49-DD6A7A673A53}" sibTransId="{CC461DF6-266C-458F-8E69-C9749734EA70}"/>
+    <dgm:cxn modelId="{A8E79D71-C7DF-4296-A3C7-24AFAA6DE9C3}" srcId="{86D061FF-D2B9-4444-977F-ADD2F8B26F58}" destId="{0CF1DFD8-24BF-4C6B-BD01-BEBB8834C8DE}" srcOrd="0" destOrd="0" parTransId="{0CDD43BF-559F-46B2-A99A-AC0F2E14E16C}" sibTransId="{4F46DB3D-023A-410E-88AA-FB56A0D3206C}"/>
+    <dgm:cxn modelId="{DAD445AE-77E0-447B-A995-A3969FB11BB6}" srcId="{86D061FF-D2B9-4444-977F-ADD2F8B26F58}" destId="{A20FE1FD-A95C-4766-9690-80DC349AC70F}" srcOrd="2" destOrd="0" parTransId="{2888C3D8-9495-4F27-A1DB-649C0F6F0C8E}" sibTransId="{30C40F3C-0B8E-4BAD-A7D3-38CD92A119D6}"/>
     <dgm:cxn modelId="{468F5004-FAEB-4B83-ACBE-87CC0951A8B8}" type="presOf" srcId="{807A8DFA-5BDA-4B03-B801-660127571B99}" destId="{079241A2-20E2-4232-9D06-88AA9F82E25C}" srcOrd="1" destOrd="0" presId="urn:microsoft.com/office/officeart/2005/8/layout/orgChart1"/>
-    <dgm:cxn modelId="{50DAC207-194B-4522-8F60-70329D502C4A}" type="presOf" srcId="{DBFF9E4D-F654-4E3E-A2C7-9EEF27EF4259}" destId="{5F48F0E4-2C7E-480D-9A45-E44C79D6BEA5}" srcOrd="0" destOrd="0" presId="urn:microsoft.com/office/officeart/2005/8/layout/orgChart1"/>
+    <dgm:cxn modelId="{6AE5289E-380D-477A-8B3F-2DA1D4B51CB3}" srcId="{C1995ACD-DEEA-4649-9190-0A2396D6DBA3}" destId="{BB9FF21B-E75B-43A4-B03F-6C82A45E4511}" srcOrd="1" destOrd="0" parTransId="{B3FBE738-30A6-4B4A-9DB3-9AB2CC3B1641}" sibTransId="{02222961-B9DB-42C2-91C4-66DA7EA2366A}"/>
+    <dgm:cxn modelId="{AB480F80-CE0A-4F95-916F-C7173772710C}" type="presOf" srcId="{9D5DD00D-D723-41C3-A564-BE447082CEE3}" destId="{DE79C5C0-52BB-4AB4-B9E4-4D482851A011}" srcOrd="0" destOrd="0" presId="urn:microsoft.com/office/officeart/2005/8/layout/orgChart1"/>
+    <dgm:cxn modelId="{213F2EDB-FB62-477E-A9C6-18640E49FBDF}" type="presOf" srcId="{1B2EEDB3-4240-40ED-A7B3-4B71CB9A1EB7}" destId="{5B9F79A7-6CE9-4FD2-A91C-F9BBF9EF16E9}" srcOrd="0" destOrd="0" presId="urn:microsoft.com/office/officeart/2005/8/layout/orgChart1"/>
     <dgm:cxn modelId="{3AE07709-9EB4-4A95-9929-16AE08DFE16B}" type="presOf" srcId="{45589563-E41B-44DB-8AFC-34EE8901D150}" destId="{8CE4FFBF-227E-49C4-97D7-83977CD95846}" srcOrd="1" destOrd="0" presId="urn:microsoft.com/office/officeart/2005/8/layout/orgChart1"/>
-    <dgm:cxn modelId="{DB594F0F-D2CE-46D6-8A71-32F88F2A750A}" type="presOf" srcId="{E7358108-83A8-42F1-84AF-1043344A61B4}" destId="{898283FA-7639-445A-95D5-432134CB6ADF}" srcOrd="0" destOrd="0" presId="urn:microsoft.com/office/officeart/2005/8/layout/orgChart1"/>
+    <dgm:cxn modelId="{E4D8F05D-28B4-48A9-9BB5-6EE26DA1C4A4}" type="presOf" srcId="{CB39D681-7061-437F-A140-79E3079A753F}" destId="{E79A5832-DD8A-4441-B652-BD9EC8B7EED1}" srcOrd="0" destOrd="0" presId="urn:microsoft.com/office/officeart/2005/8/layout/orgChart1"/>
+    <dgm:cxn modelId="{367BD37E-38CF-4245-9EFA-D01B85B83BD9}" type="presOf" srcId="{56898A94-E574-4C74-BB23-528EED54EB78}" destId="{2D80F0C3-C504-4561-A084-06B66D39392D}" srcOrd="0" destOrd="0" presId="urn:microsoft.com/office/officeart/2005/8/layout/orgChart1"/>
+    <dgm:cxn modelId="{FB4A1C85-F1E3-45BF-8CD8-8E9D3AE2F3BA}" type="presOf" srcId="{9D5DD00D-D723-41C3-A564-BE447082CEE3}" destId="{7877DBA2-C865-46EE-839A-1D3781B37466}" srcOrd="1" destOrd="0" presId="urn:microsoft.com/office/officeart/2005/8/layout/orgChart1"/>
+    <dgm:cxn modelId="{C75B443E-4E99-4FBB-99BA-FA4A0C1A2EDC}" type="presOf" srcId="{A20FE1FD-A95C-4766-9690-80DC349AC70F}" destId="{84A7522A-37FD-4A20-BFE1-3E7225977F7B}" srcOrd="1" destOrd="0" presId="urn:microsoft.com/office/officeart/2005/8/layout/orgChart1"/>
     <dgm:cxn modelId="{E083AA21-4155-48B2-8F94-BCB535ECC4E3}" type="presOf" srcId="{0CDD43BF-559F-46B2-A99A-AC0F2E14E16C}" destId="{E780AC31-68D7-4FDE-AB32-EFBB2D377EE9}" srcOrd="0" destOrd="0" presId="urn:microsoft.com/office/officeart/2005/8/layout/orgChart1"/>
-    <dgm:cxn modelId="{98454024-45AF-43B3-94CD-CD1338868A19}" type="presOf" srcId="{44C055A6-A610-4236-9829-3A6EC20B9FFA}" destId="{0EA301AC-CC13-42F4-8CED-8A31F6295604}" srcOrd="0" destOrd="0" presId="urn:microsoft.com/office/officeart/2005/8/layout/orgChart1"/>
+    <dgm:cxn modelId="{97F9CF93-1ADD-4C27-A321-B36B3C7D5089}" srcId="{E7358108-83A8-42F1-84AF-1043344A61B4}" destId="{C8AEE87B-F7A2-4CFA-BE00-6B9F721DFE96}" srcOrd="0" destOrd="0" parTransId="{DBFF9E4D-F654-4E3E-A2C7-9EEF27EF4259}" sibTransId="{EC9178BF-E53B-4AAF-BF49-34A7F5D46978}"/>
+    <dgm:cxn modelId="{2EBA05DF-25C4-4F07-B7E4-CBCE24FBD8CD}" type="presOf" srcId="{68B252EE-9C0A-4188-A43E-0D986D13139E}" destId="{58DF7A56-A026-4332-B778-5724E260D9D9}" srcOrd="0" destOrd="0" presId="urn:microsoft.com/office/officeart/2005/8/layout/orgChart1"/>
+    <dgm:cxn modelId="{828B6D54-699D-4E46-AD40-07C1A62B13D9}" srcId="{C1995ACD-DEEA-4649-9190-0A2396D6DBA3}" destId="{86D061FF-D2B9-4444-977F-ADD2F8B26F58}" srcOrd="2" destOrd="0" parTransId="{BA5BADE7-FE02-4E58-AED6-CA6877DD8C92}" sibTransId="{CFC98E5F-E976-47DE-BF3C-8D713A362CC8}"/>
+    <dgm:cxn modelId="{1E7CF7F4-880F-46A8-A683-3C17F8E77C97}" type="presOf" srcId="{AD32A085-D46D-4887-85FE-3881670D4ABC}" destId="{D6D7FEDC-5C4A-4464-B939-F0267B32F854}" srcOrd="0" destOrd="0" presId="urn:microsoft.com/office/officeart/2005/8/layout/orgChart1"/>
     <dgm:cxn modelId="{B78F9826-9110-4719-A708-82323FDEA061}" srcId="{BB9FF21B-E75B-43A4-B03F-6C82A45E4511}" destId="{1B2EEDB3-4240-40ED-A7B3-4B71CB9A1EB7}" srcOrd="2" destOrd="0" parTransId="{44C055A6-A610-4236-9829-3A6EC20B9FFA}" sibTransId="{A06F34F1-7AAD-4AB4-947F-7C602139CFC2}"/>
-    <dgm:cxn modelId="{D680EA26-5B15-420D-9FA0-DD0C5A469941}" srcId="{29EEBFE2-BEA6-4F35-8D1E-FF7000BD40D5}" destId="{C1995ACD-DEEA-4649-9190-0A2396D6DBA3}" srcOrd="0" destOrd="0" parTransId="{A5ED610D-3F11-454D-B28B-8E429C182DBB}" sibTransId="{CF4FC96D-3D22-44F0-A56F-5F48565B1343}"/>
-    <dgm:cxn modelId="{CF050829-6C9D-4F48-974B-656C1923992E}" type="presOf" srcId="{69FD09DB-7D78-47CE-93D1-107E376A870E}" destId="{0D5A4EFE-1C67-4062-B174-8A1DEA7885B2}" srcOrd="0" destOrd="0" presId="urn:microsoft.com/office/officeart/2005/8/layout/orgChart1"/>
+    <dgm:cxn modelId="{8585F034-87B5-4354-A241-97380A009B59}" srcId="{E7358108-83A8-42F1-84AF-1043344A61B4}" destId="{68B252EE-9C0A-4188-A43E-0D986D13139E}" srcOrd="2" destOrd="0" parTransId="{81BF323F-0728-4CEC-A5C6-E78EFAB532FA}" sibTransId="{AD05A098-FF6B-4ED5-BD35-CFD2DCD6F823}"/>
+    <dgm:cxn modelId="{20309684-A762-44F5-84F3-A30330CCFCA8}" type="presOf" srcId="{0CF1DFD8-24BF-4C6B-BD01-BEBB8834C8DE}" destId="{D1B06913-B69F-4394-9B6A-75C451167FE8}" srcOrd="1" destOrd="0" presId="urn:microsoft.com/office/officeart/2005/8/layout/orgChart1"/>
+    <dgm:cxn modelId="{2A37767E-672C-464E-931A-BC8365AF4F05}" type="presOf" srcId="{AD32A085-D46D-4887-85FE-3881670D4ABC}" destId="{C609D8FB-3E78-41DF-97D1-426FFD67870A}" srcOrd="1" destOrd="0" presId="urn:microsoft.com/office/officeart/2005/8/layout/orgChart1"/>
+    <dgm:cxn modelId="{076AD29A-7FEC-4388-8353-A4CBF00E6363}" srcId="{BB9FF21B-E75B-43A4-B03F-6C82A45E4511}" destId="{E75562FB-B070-41B3-8EF8-CB551DCB0DC5}" srcOrd="1" destOrd="0" parTransId="{6D45DEA0-D4D5-4F5A-B34F-FF0007B4D557}" sibTransId="{C45E83A9-31EF-4525-9EDB-CCA5F08C6693}"/>
+    <dgm:cxn modelId="{B024FF53-4887-4D94-A72D-4D97CAFD64F6}" type="presOf" srcId="{E7358108-83A8-42F1-84AF-1043344A61B4}" destId="{74E53E5B-7DCA-4C09-A9BF-327363D42547}" srcOrd="1" destOrd="0" presId="urn:microsoft.com/office/officeart/2005/8/layout/orgChart1"/>
+    <dgm:cxn modelId="{34CA90F4-3BEF-443F-B290-94C9ED524EBD}" type="presOf" srcId="{81BF323F-0728-4CEC-A5C6-E78EFAB532FA}" destId="{FA5B38AC-797B-4312-B45A-B09C5187349A}" srcOrd="0" destOrd="0" presId="urn:microsoft.com/office/officeart/2005/8/layout/orgChart1"/>
+    <dgm:cxn modelId="{9F8086E4-200A-41A0-985F-6819AAD7FF3C}" srcId="{C1995ACD-DEEA-4649-9190-0A2396D6DBA3}" destId="{AD32A085-D46D-4887-85FE-3881670D4ABC}" srcOrd="3" destOrd="0" parTransId="{10800D79-C7F5-402B-9C15-F3A760B05058}" sibTransId="{B3F636BC-F4CF-43A1-A69B-8541CA9DB61A}"/>
+    <dgm:cxn modelId="{AA09D090-9317-4095-B6E6-E4A683928290}" type="presOf" srcId="{A20FE1FD-A95C-4766-9690-80DC349AC70F}" destId="{8C04714C-7228-4FE6-AC0C-C1DB88E9F632}" srcOrd="0" destOrd="0" presId="urn:microsoft.com/office/officeart/2005/8/layout/orgChart1"/>
+    <dgm:cxn modelId="{6C081070-BFA6-4451-8423-41FAADBD5092}" type="presOf" srcId="{807A8DFA-5BDA-4B03-B801-660127571B99}" destId="{B9F624FB-4B18-4FAE-BC1C-356832304C1D}" srcOrd="0" destOrd="0" presId="urn:microsoft.com/office/officeart/2005/8/layout/orgChart1"/>
+    <dgm:cxn modelId="{86B0FB32-42C9-4162-91B1-FFC1DE8460AC}" type="presOf" srcId="{29EEBFE2-BEA6-4F35-8D1E-FF7000BD40D5}" destId="{764024E2-07FC-4A92-AB92-49DAE6C1E5A9}" srcOrd="0" destOrd="0" presId="urn:microsoft.com/office/officeart/2005/8/layout/orgChart1"/>
+    <dgm:cxn modelId="{A22D7F34-B439-4CBC-B05B-B7928B3E9518}" type="presOf" srcId="{BB9FF21B-E75B-43A4-B03F-6C82A45E4511}" destId="{EA605843-84EA-4778-BB50-59415505C303}" srcOrd="0" destOrd="0" presId="urn:microsoft.com/office/officeart/2005/8/layout/orgChart1"/>
+    <dgm:cxn modelId="{8DF793BF-2779-4364-8E86-AD0E5A6E0DE7}" srcId="{BB9FF21B-E75B-43A4-B03F-6C82A45E4511}" destId="{807A8DFA-5BDA-4B03-B801-660127571B99}" srcOrd="0" destOrd="0" parTransId="{CB39D681-7061-437F-A140-79E3079A753F}" sibTransId="{4527A35C-07AB-4D60-998A-707A1A9945D9}"/>
+    <dgm:cxn modelId="{78F39385-89B2-4678-B14C-4566B6C7C105}" type="presOf" srcId="{C1995ACD-DEEA-4649-9190-0A2396D6DBA3}" destId="{51FCB016-BDCC-466A-AEB8-2EA2F7D30621}" srcOrd="1" destOrd="0" presId="urn:microsoft.com/office/officeart/2005/8/layout/orgChart1"/>
     <dgm:cxn modelId="{E3838B30-B14E-4EEB-9770-9A004F60ED7D}" type="presOf" srcId="{2888C3D8-9495-4F27-A1DB-649C0F6F0C8E}" destId="{FD340AE9-3099-4F19-AE25-6AA406E4942B}" srcOrd="0" destOrd="0" presId="urn:microsoft.com/office/officeart/2005/8/layout/orgChart1"/>
     <dgm:cxn modelId="{9E00E631-3A37-453D-8036-41BFD158F301}" srcId="{C1995ACD-DEEA-4649-9190-0A2396D6DBA3}" destId="{E7358108-83A8-42F1-84AF-1043344A61B4}" srcOrd="0" destOrd="0" parTransId="{69FD09DB-7D78-47CE-93D1-107E376A870E}" sibTransId="{1EE218E9-8B94-451F-A133-38BAF668B8B5}"/>
-    <dgm:cxn modelId="{86B0FB32-42C9-4162-91B1-FFC1DE8460AC}" type="presOf" srcId="{29EEBFE2-BEA6-4F35-8D1E-FF7000BD40D5}" destId="{764024E2-07FC-4A92-AB92-49DAE6C1E5A9}" srcOrd="0" destOrd="0" presId="urn:microsoft.com/office/officeart/2005/8/layout/orgChart1"/>
-    <dgm:cxn modelId="{A22D7F34-B439-4CBC-B05B-B7928B3E9518}" type="presOf" srcId="{BB9FF21B-E75B-43A4-B03F-6C82A45E4511}" destId="{EA605843-84EA-4778-BB50-59415505C303}" srcOrd="0" destOrd="0" presId="urn:microsoft.com/office/officeart/2005/8/layout/orgChart1"/>
-    <dgm:cxn modelId="{8585F034-87B5-4354-A241-97380A009B59}" srcId="{E7358108-83A8-42F1-84AF-1043344A61B4}" destId="{68B252EE-9C0A-4188-A43E-0D986D13139E}" srcOrd="2" destOrd="0" parTransId="{81BF323F-0728-4CEC-A5C6-E78EFAB532FA}" sibTransId="{AD05A098-FF6B-4ED5-BD35-CFD2DCD6F823}"/>
-    <dgm:cxn modelId="{4F0B0D3E-984D-49D4-BF42-B0C2A303B629}" type="presOf" srcId="{86D061FF-D2B9-4444-977F-ADD2F8B26F58}" destId="{027E1B34-93FE-4CE3-8A28-D69A90B48A09}" srcOrd="0" destOrd="0" presId="urn:microsoft.com/office/officeart/2005/8/layout/orgChart1"/>
-    <dgm:cxn modelId="{C75B443E-4E99-4FBB-99BA-FA4A0C1A2EDC}" type="presOf" srcId="{A20FE1FD-A95C-4766-9690-80DC349AC70F}" destId="{84A7522A-37FD-4A20-BFE1-3E7225977F7B}" srcOrd="1" destOrd="0" presId="urn:microsoft.com/office/officeart/2005/8/layout/orgChart1"/>
-    <dgm:cxn modelId="{E4D8F05D-28B4-48A9-9BB5-6EE26DA1C4A4}" type="presOf" srcId="{CB39D681-7061-437F-A140-79E3079A753F}" destId="{E79A5832-DD8A-4441-B652-BD9EC8B7EED1}" srcOrd="0" destOrd="0" presId="urn:microsoft.com/office/officeart/2005/8/layout/orgChart1"/>
     <dgm:cxn modelId="{53F1B363-031E-4DC4-8446-BEC328477272}" type="presOf" srcId="{6D45DEA0-D4D5-4F5A-B34F-FF0007B4D557}" destId="{BC0D907D-CEB2-4F4E-B6F3-5737303E1E5F}" srcOrd="0" destOrd="0" presId="urn:microsoft.com/office/officeart/2005/8/layout/orgChart1"/>
     <dgm:cxn modelId="{665D2C66-71F9-4798-AD7B-213B21EF38D4}" type="presOf" srcId="{0CF1DFD8-24BF-4C6B-BD01-BEBB8834C8DE}" destId="{FC2AA275-909E-47D7-A861-5FB840A38676}" srcOrd="0" destOrd="0" presId="urn:microsoft.com/office/officeart/2005/8/layout/orgChart1"/>
+    <dgm:cxn modelId="{934DDD9A-24FF-4BF0-940E-843BF0B8C4A9}" type="presOf" srcId="{39BE0418-99C9-4A4C-9BB7-65D49A05BB31}" destId="{A22D8479-F3B5-40E2-B47E-87AA623B4993}" srcOrd="0" destOrd="0" presId="urn:microsoft.com/office/officeart/2005/8/layout/orgChart1"/>
+    <dgm:cxn modelId="{80C4524F-4DF7-4799-946F-CCB503F3B731}" type="presOf" srcId="{3F984D36-88C5-4802-A36C-73B6E41E1411}" destId="{6A9A8A16-8F93-420D-8D9F-15BFBFA09642}" srcOrd="0" destOrd="0" presId="urn:microsoft.com/office/officeart/2005/8/layout/orgChart1"/>
+    <dgm:cxn modelId="{9935FD93-C4F2-4D60-8FD8-02DB113D79BC}" type="presOf" srcId="{7F7DDA6E-F3A1-4195-9D49-DD6A7A673A53}" destId="{1CACF2A5-9765-453F-9602-3749D63C20FF}" srcOrd="0" destOrd="0" presId="urn:microsoft.com/office/officeart/2005/8/layout/orgChart1"/>
+    <dgm:cxn modelId="{EE872192-4017-4F2D-B4EC-3F779FABC6B7}" type="presOf" srcId="{68B252EE-9C0A-4188-A43E-0D986D13139E}" destId="{53D166CE-3030-491E-8941-378611132950}" srcOrd="1" destOrd="0" presId="urn:microsoft.com/office/officeart/2005/8/layout/orgChart1"/>
+    <dgm:cxn modelId="{74A90CEA-477E-4721-9176-DB72076D1668}" type="presOf" srcId="{1B2EEDB3-4240-40ED-A7B3-4B71CB9A1EB7}" destId="{E02E0588-EE6A-48EA-9FA6-A73F72FA5B0E}" srcOrd="1" destOrd="0" presId="urn:microsoft.com/office/officeart/2005/8/layout/orgChart1"/>
+    <dgm:cxn modelId="{EDDD4D9C-7009-4E90-A9EE-E3DD9DF935B6}" type="presOf" srcId="{C8AEE87B-F7A2-4CFA-BE00-6B9F721DFE96}" destId="{23546AB9-AA88-44E8-A74F-6A7DB71CEDFA}" srcOrd="1" destOrd="0" presId="urn:microsoft.com/office/officeart/2005/8/layout/orgChart1"/>
     <dgm:cxn modelId="{692C2E6B-BDFD-4010-A265-F8C30B20FA6C}" srcId="{86D061FF-D2B9-4444-977F-ADD2F8B26F58}" destId="{45589563-E41B-44DB-8AFC-34EE8901D150}" srcOrd="1" destOrd="0" parTransId="{56898A94-E574-4C74-BB23-528EED54EB78}" sibTransId="{9C579D39-AB85-41C8-8432-AFBFC00D9440}"/>
-    <dgm:cxn modelId="{26F9324B-44A5-4EE4-A830-EBDAA24A23BC}" type="presOf" srcId="{86D061FF-D2B9-4444-977F-ADD2F8B26F58}" destId="{DBAD3854-BABD-419A-91AD-A1E38A3CF09E}" srcOrd="1" destOrd="0" presId="urn:microsoft.com/office/officeart/2005/8/layout/orgChart1"/>
-    <dgm:cxn modelId="{80C4524F-4DF7-4799-946F-CCB503F3B731}" type="presOf" srcId="{3F984D36-88C5-4802-A36C-73B6E41E1411}" destId="{6A9A8A16-8F93-420D-8D9F-15BFBFA09642}" srcOrd="0" destOrd="0" presId="urn:microsoft.com/office/officeart/2005/8/layout/orgChart1"/>
-    <dgm:cxn modelId="{6C081070-BFA6-4451-8423-41FAADBD5092}" type="presOf" srcId="{807A8DFA-5BDA-4B03-B801-660127571B99}" destId="{B9F624FB-4B18-4FAE-BC1C-356832304C1D}" srcOrd="0" destOrd="0" presId="urn:microsoft.com/office/officeart/2005/8/layout/orgChart1"/>
-    <dgm:cxn modelId="{A8E79D71-C7DF-4296-A3C7-24AFAA6DE9C3}" srcId="{86D061FF-D2B9-4444-977F-ADD2F8B26F58}" destId="{0CF1DFD8-24BF-4C6B-BD01-BEBB8834C8DE}" srcOrd="0" destOrd="0" parTransId="{0CDD43BF-559F-46B2-A99A-AC0F2E14E16C}" sibTransId="{4F46DB3D-023A-410E-88AA-FB56A0D3206C}"/>
-    <dgm:cxn modelId="{A8940652-5E36-4B09-BDC7-923AD7A2B90A}" type="presOf" srcId="{C1995ACD-DEEA-4649-9190-0A2396D6DBA3}" destId="{0F6EA74C-FEEA-4A60-8965-C249C259639B}" srcOrd="0" destOrd="0" presId="urn:microsoft.com/office/officeart/2005/8/layout/orgChart1"/>
-    <dgm:cxn modelId="{D693D372-7061-4242-B7FA-0922BF6D50B1}" srcId="{AD32A085-D46D-4887-85FE-3881670D4ABC}" destId="{39BE0418-99C9-4A4C-9BB7-65D49A05BB31}" srcOrd="0" destOrd="0" parTransId="{3F984D36-88C5-4802-A36C-73B6E41E1411}" sibTransId="{AADAA9E2-AA9B-4FCD-ACF3-BAF5F5DC6DE5}"/>
-    <dgm:cxn modelId="{B024FF53-4887-4D94-A72D-4D97CAFD64F6}" type="presOf" srcId="{E7358108-83A8-42F1-84AF-1043344A61B4}" destId="{74E53E5B-7DCA-4C09-A9BF-327363D42547}" srcOrd="1" destOrd="0" presId="urn:microsoft.com/office/officeart/2005/8/layout/orgChart1"/>
-    <dgm:cxn modelId="{828B6D54-699D-4E46-AD40-07C1A62B13D9}" srcId="{C1995ACD-DEEA-4649-9190-0A2396D6DBA3}" destId="{86D061FF-D2B9-4444-977F-ADD2F8B26F58}" srcOrd="2" destOrd="0" parTransId="{BA5BADE7-FE02-4E58-AED6-CA6877DD8C92}" sibTransId="{CFC98E5F-E976-47DE-BF3C-8D713A362CC8}"/>
-    <dgm:cxn modelId="{0A001B7D-02A3-44E0-884E-6CD766446281}" srcId="{E7358108-83A8-42F1-84AF-1043344A61B4}" destId="{9D5DD00D-D723-41C3-A564-BE447082CEE3}" srcOrd="1" destOrd="0" parTransId="{7F7DDA6E-F3A1-4195-9D49-DD6A7A673A53}" sibTransId="{CC461DF6-266C-458F-8E69-C9749734EA70}"/>
-    <dgm:cxn modelId="{2A37767E-672C-464E-931A-BC8365AF4F05}" type="presOf" srcId="{AD32A085-D46D-4887-85FE-3881670D4ABC}" destId="{C609D8FB-3E78-41DF-97D1-426FFD67870A}" srcOrd="1" destOrd="0" presId="urn:microsoft.com/office/officeart/2005/8/layout/orgChart1"/>
-    <dgm:cxn modelId="{367BD37E-38CF-4245-9EFA-D01B85B83BD9}" type="presOf" srcId="{56898A94-E574-4C74-BB23-528EED54EB78}" destId="{2D80F0C3-C504-4561-A084-06B66D39392D}" srcOrd="0" destOrd="0" presId="urn:microsoft.com/office/officeart/2005/8/layout/orgChart1"/>
-    <dgm:cxn modelId="{AB480F80-CE0A-4F95-916F-C7173772710C}" type="presOf" srcId="{9D5DD00D-D723-41C3-A564-BE447082CEE3}" destId="{DE79C5C0-52BB-4AB4-B9E4-4D482851A011}" srcOrd="0" destOrd="0" presId="urn:microsoft.com/office/officeart/2005/8/layout/orgChart1"/>
-    <dgm:cxn modelId="{20309684-A762-44F5-84F3-A30330CCFCA8}" type="presOf" srcId="{0CF1DFD8-24BF-4C6B-BD01-BEBB8834C8DE}" destId="{D1B06913-B69F-4394-9B6A-75C451167FE8}" srcOrd="1" destOrd="0" presId="urn:microsoft.com/office/officeart/2005/8/layout/orgChart1"/>
-    <dgm:cxn modelId="{FB4A1C85-F1E3-45BF-8CD8-8E9D3AE2F3BA}" type="presOf" srcId="{9D5DD00D-D723-41C3-A564-BE447082CEE3}" destId="{7877DBA2-C865-46EE-839A-1D3781B37466}" srcOrd="1" destOrd="0" presId="urn:microsoft.com/office/officeart/2005/8/layout/orgChart1"/>
-    <dgm:cxn modelId="{78F39385-89B2-4678-B14C-4566B6C7C105}" type="presOf" srcId="{C1995ACD-DEEA-4649-9190-0A2396D6DBA3}" destId="{51FCB016-BDCC-466A-AEB8-2EA2F7D30621}" srcOrd="1" destOrd="0" presId="urn:microsoft.com/office/officeart/2005/8/layout/orgChart1"/>
-    <dgm:cxn modelId="{5E40A485-E986-4DF1-9B84-9F421FDAB0BC}" type="presOf" srcId="{BA5BADE7-FE02-4E58-AED6-CA6877DD8C92}" destId="{2B8AB7A6-9DF3-44B8-A462-8360BF7B6F26}" srcOrd="0" destOrd="0" presId="urn:microsoft.com/office/officeart/2005/8/layout/orgChart1"/>
+    <dgm:cxn modelId="{235A9498-EF3D-4486-AD85-5CD5B828BBC7}" type="presOf" srcId="{E75562FB-B070-41B3-8EF8-CB551DCB0DC5}" destId="{D223C34C-51A5-4CA5-8302-426A14A3C069}" srcOrd="1" destOrd="0" presId="urn:microsoft.com/office/officeart/2005/8/layout/orgChart1"/>
+    <dgm:cxn modelId="{D680EA26-5B15-420D-9FA0-DD0C5A469941}" srcId="{29EEBFE2-BEA6-4F35-8D1E-FF7000BD40D5}" destId="{C1995ACD-DEEA-4649-9190-0A2396D6DBA3}" srcOrd="0" destOrd="0" parTransId="{A5ED610D-3F11-454D-B28B-8E429C182DBB}" sibTransId="{CF4FC96D-3D22-44F0-A56F-5F48565B1343}"/>
     <dgm:cxn modelId="{74B08588-A8AA-40FE-A5B1-93EF0CF50E26}" type="presOf" srcId="{C8AEE87B-F7A2-4CFA-BE00-6B9F721DFE96}" destId="{9CB29694-F3D7-41DB-BEBC-33D5343BA11A}" srcOrd="0" destOrd="0" presId="urn:microsoft.com/office/officeart/2005/8/layout/orgChart1"/>
-    <dgm:cxn modelId="{2A999C88-D037-4C71-A179-0F3CFCAEFFF4}" type="presOf" srcId="{E75562FB-B070-41B3-8EF8-CB551DCB0DC5}" destId="{6871A768-0DBE-4C41-BCFF-9B19A28A7E1D}" srcOrd="0" destOrd="0" presId="urn:microsoft.com/office/officeart/2005/8/layout/orgChart1"/>
-    <dgm:cxn modelId="{8E30AF8B-B498-43A6-9E10-84E97522C64C}" type="presOf" srcId="{BB9FF21B-E75B-43A4-B03F-6C82A45E4511}" destId="{D8602253-5290-4E90-A5EF-32A901888DAC}" srcOrd="1" destOrd="0" presId="urn:microsoft.com/office/officeart/2005/8/layout/orgChart1"/>
-    <dgm:cxn modelId="{A474708C-9EBF-4ECD-BF09-326E10A1A9BC}" type="presOf" srcId="{B3FBE738-30A6-4B4A-9DB3-9AB2CC3B1641}" destId="{34F89FF5-4CE7-4557-94ED-372F163EBFBB}" srcOrd="0" destOrd="0" presId="urn:microsoft.com/office/officeart/2005/8/layout/orgChart1"/>
-    <dgm:cxn modelId="{AA09D090-9317-4095-B6E6-E4A683928290}" type="presOf" srcId="{A20FE1FD-A95C-4766-9690-80DC349AC70F}" destId="{8C04714C-7228-4FE6-AC0C-C1DB88E9F632}" srcOrd="0" destOrd="0" presId="urn:microsoft.com/office/officeart/2005/8/layout/orgChart1"/>
-    <dgm:cxn modelId="{EE872192-4017-4F2D-B4EC-3F779FABC6B7}" type="presOf" srcId="{68B252EE-9C0A-4188-A43E-0D986D13139E}" destId="{53D166CE-3030-491E-8941-378611132950}" srcOrd="1" destOrd="0" presId="urn:microsoft.com/office/officeart/2005/8/layout/orgChart1"/>
-    <dgm:cxn modelId="{97F9CF93-1ADD-4C27-A321-B36B3C7D5089}" srcId="{E7358108-83A8-42F1-84AF-1043344A61B4}" destId="{C8AEE87B-F7A2-4CFA-BE00-6B9F721DFE96}" srcOrd="0" destOrd="0" parTransId="{DBFF9E4D-F654-4E3E-A2C7-9EEF27EF4259}" sibTransId="{EC9178BF-E53B-4AAF-BF49-34A7F5D46978}"/>
-    <dgm:cxn modelId="{9935FD93-C4F2-4D60-8FD8-02DB113D79BC}" type="presOf" srcId="{7F7DDA6E-F3A1-4195-9D49-DD6A7A673A53}" destId="{1CACF2A5-9765-453F-9602-3749D63C20FF}" srcOrd="0" destOrd="0" presId="urn:microsoft.com/office/officeart/2005/8/layout/orgChart1"/>
-    <dgm:cxn modelId="{235A9498-EF3D-4486-AD85-5CD5B828BBC7}" type="presOf" srcId="{E75562FB-B070-41B3-8EF8-CB551DCB0DC5}" destId="{D223C34C-51A5-4CA5-8302-426A14A3C069}" srcOrd="1" destOrd="0" presId="urn:microsoft.com/office/officeart/2005/8/layout/orgChart1"/>
-    <dgm:cxn modelId="{076AD29A-7FEC-4388-8353-A4CBF00E6363}" srcId="{BB9FF21B-E75B-43A4-B03F-6C82A45E4511}" destId="{E75562FB-B070-41B3-8EF8-CB551DCB0DC5}" srcOrd="1" destOrd="0" parTransId="{6D45DEA0-D4D5-4F5A-B34F-FF0007B4D557}" sibTransId="{C45E83A9-31EF-4525-9EDB-CCA5F08C6693}"/>
-    <dgm:cxn modelId="{934DDD9A-24FF-4BF0-940E-843BF0B8C4A9}" type="presOf" srcId="{39BE0418-99C9-4A4C-9BB7-65D49A05BB31}" destId="{A22D8479-F3B5-40E2-B47E-87AA623B4993}" srcOrd="0" destOrd="0" presId="urn:microsoft.com/office/officeart/2005/8/layout/orgChart1"/>
-    <dgm:cxn modelId="{EDDD4D9C-7009-4E90-A9EE-E3DD9DF935B6}" type="presOf" srcId="{C8AEE87B-F7A2-4CFA-BE00-6B9F721DFE96}" destId="{23546AB9-AA88-44E8-A74F-6A7DB71CEDFA}" srcOrd="1" destOrd="0" presId="urn:microsoft.com/office/officeart/2005/8/layout/orgChart1"/>
-    <dgm:cxn modelId="{6AE5289E-380D-477A-8B3F-2DA1D4B51CB3}" srcId="{C1995ACD-DEEA-4649-9190-0A2396D6DBA3}" destId="{BB9FF21B-E75B-43A4-B03F-6C82A45E4511}" srcOrd="1" destOrd="0" parTransId="{B3FBE738-30A6-4B4A-9DB3-9AB2CC3B1641}" sibTransId="{02222961-B9DB-42C2-91C4-66DA7EA2366A}"/>
-    <dgm:cxn modelId="{DAD445AE-77E0-447B-A995-A3969FB11BB6}" srcId="{86D061FF-D2B9-4444-977F-ADD2F8B26F58}" destId="{A20FE1FD-A95C-4766-9690-80DC349AC70F}" srcOrd="2" destOrd="0" parTransId="{2888C3D8-9495-4F27-A1DB-649C0F6F0C8E}" sibTransId="{30C40F3C-0B8E-4BAD-A7D3-38CD92A119D6}"/>
-    <dgm:cxn modelId="{8DF793BF-2779-4364-8E86-AD0E5A6E0DE7}" srcId="{BB9FF21B-E75B-43A4-B03F-6C82A45E4511}" destId="{807A8DFA-5BDA-4B03-B801-660127571B99}" srcOrd="0" destOrd="0" parTransId="{CB39D681-7061-437F-A140-79E3079A753F}" sibTransId="{4527A35C-07AB-4D60-998A-707A1A9945D9}"/>
-    <dgm:cxn modelId="{657B40C3-3E57-4CCB-9E16-E70710592D61}" type="presOf" srcId="{45589563-E41B-44DB-8AFC-34EE8901D150}" destId="{31BD8C53-89B5-4F7C-9478-2F7EA5E507AF}" srcOrd="0" destOrd="0" presId="urn:microsoft.com/office/officeart/2005/8/layout/orgChart1"/>
-    <dgm:cxn modelId="{B0D333DA-4366-40E3-9447-D37D14EAA057}" type="presOf" srcId="{10800D79-C7F5-402B-9C15-F3A760B05058}" destId="{BDE2651E-B7D5-4C3D-AD07-DA19A512C3EE}" srcOrd="0" destOrd="0" presId="urn:microsoft.com/office/officeart/2005/8/layout/orgChart1"/>
-    <dgm:cxn modelId="{213F2EDB-FB62-477E-A9C6-18640E49FBDF}" type="presOf" srcId="{1B2EEDB3-4240-40ED-A7B3-4B71CB9A1EB7}" destId="{5B9F79A7-6CE9-4FD2-A91C-F9BBF9EF16E9}" srcOrd="0" destOrd="0" presId="urn:microsoft.com/office/officeart/2005/8/layout/orgChart1"/>
-    <dgm:cxn modelId="{2EBA05DF-25C4-4F07-B7E4-CBCE24FBD8CD}" type="presOf" srcId="{68B252EE-9C0A-4188-A43E-0D986D13139E}" destId="{58DF7A56-A026-4332-B778-5724E260D9D9}" srcOrd="0" destOrd="0" presId="urn:microsoft.com/office/officeart/2005/8/layout/orgChart1"/>
-    <dgm:cxn modelId="{9F8086E4-200A-41A0-985F-6819AAD7FF3C}" srcId="{C1995ACD-DEEA-4649-9190-0A2396D6DBA3}" destId="{AD32A085-D46D-4887-85FE-3881670D4ABC}" srcOrd="3" destOrd="0" parTransId="{10800D79-C7F5-402B-9C15-F3A760B05058}" sibTransId="{B3F636BC-F4CF-43A1-A69B-8541CA9DB61A}"/>
-    <dgm:cxn modelId="{96D6EEE7-8235-4C17-9267-91757A269C8B}" type="presOf" srcId="{39BE0418-99C9-4A4C-9BB7-65D49A05BB31}" destId="{BC019BB1-5CF6-423B-ABA0-427EF99217C0}" srcOrd="1" destOrd="0" presId="urn:microsoft.com/office/officeart/2005/8/layout/orgChart1"/>
-    <dgm:cxn modelId="{74A90CEA-477E-4721-9176-DB72076D1668}" type="presOf" srcId="{1B2EEDB3-4240-40ED-A7B3-4B71CB9A1EB7}" destId="{E02E0588-EE6A-48EA-9FA6-A73F72FA5B0E}" srcOrd="1" destOrd="0" presId="urn:microsoft.com/office/officeart/2005/8/layout/orgChart1"/>
-    <dgm:cxn modelId="{34CA90F4-3BEF-443F-B290-94C9ED524EBD}" type="presOf" srcId="{81BF323F-0728-4CEC-A5C6-E78EFAB532FA}" destId="{FA5B38AC-797B-4312-B45A-B09C5187349A}" srcOrd="0" destOrd="0" presId="urn:microsoft.com/office/officeart/2005/8/layout/orgChart1"/>
-    <dgm:cxn modelId="{1E7CF7F4-880F-46A8-A683-3C17F8E77C97}" type="presOf" srcId="{AD32A085-D46D-4887-85FE-3881670D4ABC}" destId="{D6D7FEDC-5C4A-4464-B939-F0267B32F854}" srcOrd="0" destOrd="0" presId="urn:microsoft.com/office/officeart/2005/8/layout/orgChart1"/>
     <dgm:cxn modelId="{1043DBB4-3E98-4667-AFB0-FE1DD5F4D950}" type="presParOf" srcId="{764024E2-07FC-4A92-AB92-49DAE6C1E5A9}" destId="{341D0529-C993-485F-BFBA-73789AD13323}" srcOrd="0" destOrd="0" presId="urn:microsoft.com/office/officeart/2005/8/layout/orgChart1"/>
     <dgm:cxn modelId="{78CA9623-37D5-4F3C-B069-9D69DC2E1A4A}" type="presParOf" srcId="{341D0529-C993-485F-BFBA-73789AD13323}" destId="{A0EA6964-6D71-4BBB-BFE3-8CE8410BB988}" srcOrd="0" destOrd="0" presId="urn:microsoft.com/office/officeart/2005/8/layout/orgChart1"/>
     <dgm:cxn modelId="{3D3AE38E-E62B-4059-B79C-E624C48E1AEB}" type="presParOf" srcId="{A0EA6964-6D71-4BBB-BFE3-8CE8410BB988}" destId="{0F6EA74C-FEEA-4A60-8965-C249C259639B}" srcOrd="0" destOrd="0" presId="urn:microsoft.com/office/officeart/2005/8/layout/orgChart1"/>
@@ -7712,7 +8688,7 @@
         </a:bodyPr>
         <a:lstStyle/>
         <a:p>
-          <a:pPr marL="0" lvl="0" indent="0" algn="ctr" defTabSz="1066800">
+          <a:pPr lvl="0" algn="ctr" defTabSz="1066800">
             <a:lnSpc>
               <a:spcPct val="90000"/>
             </a:lnSpc>
@@ -7722,7 +8698,6 @@
             <a:spcAft>
               <a:spcPct val="35000"/>
             </a:spcAft>
-            <a:buNone/>
           </a:pPr>
           <a:r>
             <a:rPr lang="en-US" altLang="zh-TW" sz="2400" kern="1200" dirty="0">
@@ -7798,7 +8773,7 @@
         </a:bodyPr>
         <a:lstStyle/>
         <a:p>
-          <a:pPr marL="0" lvl="0" indent="0" algn="ctr" defTabSz="1066800">
+          <a:pPr lvl="0" algn="ctr" defTabSz="1066800">
             <a:lnSpc>
               <a:spcPct val="90000"/>
             </a:lnSpc>
@@ -7808,7 +8783,6 @@
             <a:spcAft>
               <a:spcPct val="35000"/>
             </a:spcAft>
-            <a:buNone/>
           </a:pPr>
           <a:r>
             <a:rPr lang="zh-TW" altLang="en-US" sz="2400" kern="1200" dirty="0">
@@ -7880,7 +8854,7 @@
         </a:bodyPr>
         <a:lstStyle/>
         <a:p>
-          <a:pPr marL="0" lvl="0" indent="0" algn="ctr" defTabSz="844550">
+          <a:pPr lvl="0" algn="ctr" defTabSz="844550">
             <a:lnSpc>
               <a:spcPct val="90000"/>
             </a:lnSpc>
@@ -7890,7 +8864,6 @@
             <a:spcAft>
               <a:spcPct val="35000"/>
             </a:spcAft>
-            <a:buNone/>
           </a:pPr>
           <a:r>
             <a:rPr lang="zh-TW" altLang="en-US" sz="1900" kern="1200" dirty="0">
@@ -7962,7 +8935,7 @@
         </a:bodyPr>
         <a:lstStyle/>
         <a:p>
-          <a:pPr marL="0" lvl="0" indent="0" algn="ctr" defTabSz="844550">
+          <a:pPr lvl="0" algn="ctr" defTabSz="844550">
             <a:lnSpc>
               <a:spcPct val="90000"/>
             </a:lnSpc>
@@ -7972,7 +8945,6 @@
             <a:spcAft>
               <a:spcPct val="35000"/>
             </a:spcAft>
-            <a:buNone/>
           </a:pPr>
           <a:r>
             <a:rPr lang="en-US" altLang="zh-TW" sz="1900" kern="1200" dirty="0">
@@ -8062,7 +9034,7 @@
         </a:bodyPr>
         <a:lstStyle/>
         <a:p>
-          <a:pPr marL="0" lvl="0" indent="0" algn="ctr" defTabSz="844550">
+          <a:pPr lvl="0" algn="ctr" defTabSz="844550">
             <a:lnSpc>
               <a:spcPct val="90000"/>
             </a:lnSpc>
@@ -8072,14 +9044,20 @@
             <a:spcAft>
               <a:spcPct val="35000"/>
             </a:spcAft>
-            <a:buNone/>
           </a:pPr>
+          <a:r>
+            <a:rPr lang="zh-TW" altLang="en-US" sz="1900" kern="1200" dirty="0" smtClean="0">
+              <a:latin typeface="Microsoft JhengHei Light" panose="020B0304030504040204" pitchFamily="34" charset="-120"/>
+              <a:ea typeface="Microsoft JhengHei Light" panose="020B0304030504040204" pitchFamily="34" charset="-120"/>
+            </a:rPr>
+            <a:t>紀錄</a:t>
+          </a:r>
           <a:r>
             <a:rPr lang="zh-TW" altLang="en-US" sz="1900" kern="1200" dirty="0">
               <a:latin typeface="Microsoft JhengHei Light" panose="020B0304030504040204" pitchFamily="34" charset="-120"/>
               <a:ea typeface="Microsoft JhengHei Light" panose="020B0304030504040204" pitchFamily="34" charset="-120"/>
             </a:rPr>
-            <a:t>計錄遊戲數據</a:t>
+            <a:t>遊戲數據</a:t>
           </a:r>
         </a:p>
       </dsp:txBody>
@@ -8144,7 +9122,7 @@
         </a:bodyPr>
         <a:lstStyle/>
         <a:p>
-          <a:pPr marL="0" lvl="0" indent="0" algn="ctr" defTabSz="1066800">
+          <a:pPr lvl="0" algn="ctr" defTabSz="1066800">
             <a:lnSpc>
               <a:spcPct val="90000"/>
             </a:lnSpc>
@@ -8154,7 +9132,6 @@
             <a:spcAft>
               <a:spcPct val="35000"/>
             </a:spcAft>
-            <a:buNone/>
           </a:pPr>
           <a:r>
             <a:rPr lang="zh-TW" altLang="en-US" sz="2400" kern="1200" dirty="0">
@@ -8226,7 +9203,7 @@
         </a:bodyPr>
         <a:lstStyle/>
         <a:p>
-          <a:pPr marL="0" lvl="0" indent="0" algn="ctr" defTabSz="844550">
+          <a:pPr lvl="0" algn="ctr" defTabSz="844550">
             <a:lnSpc>
               <a:spcPct val="90000"/>
             </a:lnSpc>
@@ -8236,7 +9213,6 @@
             <a:spcAft>
               <a:spcPct val="35000"/>
             </a:spcAft>
-            <a:buNone/>
           </a:pPr>
           <a:r>
             <a:rPr lang="zh-TW" altLang="en-US" sz="1900" kern="1200" dirty="0">
@@ -8308,7 +9284,7 @@
         </a:bodyPr>
         <a:lstStyle/>
         <a:p>
-          <a:pPr marL="0" lvl="0" indent="0" algn="ctr" defTabSz="844550">
+          <a:pPr lvl="0" algn="ctr" defTabSz="844550">
             <a:lnSpc>
               <a:spcPct val="90000"/>
             </a:lnSpc>
@@ -8318,7 +9294,6 @@
             <a:spcAft>
               <a:spcPct val="35000"/>
             </a:spcAft>
-            <a:buNone/>
           </a:pPr>
           <a:r>
             <a:rPr lang="zh-TW" altLang="en-US" sz="1900" kern="1200" dirty="0">
@@ -8390,7 +9365,7 @@
         </a:bodyPr>
         <a:lstStyle/>
         <a:p>
-          <a:pPr marL="0" lvl="0" indent="0" algn="ctr" defTabSz="844550">
+          <a:pPr lvl="0" algn="ctr" defTabSz="844550">
             <a:lnSpc>
               <a:spcPct val="90000"/>
             </a:lnSpc>
@@ -8400,10 +9375,12 @@
             <a:spcAft>
               <a:spcPct val="35000"/>
             </a:spcAft>
-            <a:buNone/>
           </a:pPr>
           <a:r>
-            <a:rPr lang="zh-TW" altLang="en-US" sz="1900" kern="1200" dirty="0"/>
+            <a:rPr lang="zh-TW" altLang="en-US" sz="1900" kern="1200" dirty="0">
+              <a:latin typeface="Microsoft JhengHei Light" panose="020B0304030504040204" pitchFamily="34" charset="-120"/>
+              <a:ea typeface="Microsoft JhengHei Light" panose="020B0304030504040204" pitchFamily="34" charset="-120"/>
+            </a:rPr>
             <a:t>訓練</a:t>
           </a:r>
         </a:p>
@@ -8469,7 +9446,7 @@
         </a:bodyPr>
         <a:lstStyle/>
         <a:p>
-          <a:pPr marL="0" lvl="0" indent="0" algn="ctr" defTabSz="1066800">
+          <a:pPr lvl="0" algn="ctr" defTabSz="1066800">
             <a:lnSpc>
               <a:spcPct val="90000"/>
             </a:lnSpc>
@@ -8479,7 +9456,6 @@
             <a:spcAft>
               <a:spcPct val="35000"/>
             </a:spcAft>
-            <a:buNone/>
           </a:pPr>
           <a:r>
             <a:rPr lang="zh-TW" altLang="en-US" sz="2400" kern="1200" dirty="0">
@@ -8551,7 +9527,7 @@
         </a:bodyPr>
         <a:lstStyle/>
         <a:p>
-          <a:pPr marL="0" lvl="0" indent="0" algn="ctr" defTabSz="844550">
+          <a:pPr lvl="0" algn="ctr" defTabSz="844550">
             <a:lnSpc>
               <a:spcPct val="90000"/>
             </a:lnSpc>
@@ -8561,7 +9537,6 @@
             <a:spcAft>
               <a:spcPct val="35000"/>
             </a:spcAft>
-            <a:buNone/>
           </a:pPr>
           <a:r>
             <a:rPr lang="zh-TW" altLang="en-US" sz="1900" kern="1200" dirty="0">
@@ -8633,7 +9608,7 @@
         </a:bodyPr>
         <a:lstStyle/>
         <a:p>
-          <a:pPr marL="0" lvl="0" indent="0" algn="ctr" defTabSz="844550">
+          <a:pPr lvl="0" algn="ctr" defTabSz="844550">
             <a:lnSpc>
               <a:spcPct val="90000"/>
             </a:lnSpc>
@@ -8643,7 +9618,6 @@
             <a:spcAft>
               <a:spcPct val="35000"/>
             </a:spcAft>
-            <a:buNone/>
           </a:pPr>
           <a:r>
             <a:rPr lang="zh-TW" altLang="en-US" sz="1900" kern="1200" dirty="0">
@@ -8715,7 +9689,7 @@
         </a:bodyPr>
         <a:lstStyle/>
         <a:p>
-          <a:pPr marL="0" lvl="0" indent="0" algn="ctr" defTabSz="844550">
+          <a:pPr lvl="0" algn="ctr" defTabSz="844550">
             <a:lnSpc>
               <a:spcPct val="90000"/>
             </a:lnSpc>
@@ -8725,7 +9699,6 @@
             <a:spcAft>
               <a:spcPct val="35000"/>
             </a:spcAft>
-            <a:buNone/>
           </a:pPr>
           <a:r>
             <a:rPr lang="zh-TW" altLang="en-US" sz="1900" kern="1200" dirty="0">
@@ -8797,7 +9770,7 @@
         </a:bodyPr>
         <a:lstStyle/>
         <a:p>
-          <a:pPr marL="0" lvl="0" indent="0" algn="ctr" defTabSz="1066800">
+          <a:pPr lvl="0" algn="ctr" defTabSz="1066800">
             <a:lnSpc>
               <a:spcPct val="90000"/>
             </a:lnSpc>
@@ -8807,7 +9780,6 @@
             <a:spcAft>
               <a:spcPct val="35000"/>
             </a:spcAft>
-            <a:buNone/>
           </a:pPr>
           <a:r>
             <a:rPr lang="zh-TW" altLang="en-US" sz="2400" kern="1200" dirty="0">
@@ -8879,7 +9851,7 @@
         </a:bodyPr>
         <a:lstStyle/>
         <a:p>
-          <a:pPr marL="0" lvl="0" indent="0" algn="ctr" defTabSz="844550">
+          <a:pPr lvl="0" algn="ctr" defTabSz="844550">
             <a:lnSpc>
               <a:spcPct val="90000"/>
             </a:lnSpc>
@@ -8889,7 +9861,6 @@
             <a:spcAft>
               <a:spcPct val="35000"/>
             </a:spcAft>
-            <a:buNone/>
           </a:pPr>
           <a:r>
             <a:rPr lang="zh-TW" altLang="en-US" sz="1900" kern="1200" dirty="0">
@@ -9812,7 +10783,7 @@
         </a:bodyPr>
         <a:lstStyle/>
         <a:p>
-          <a:pPr marL="0" lvl="0" indent="0" algn="ctr" defTabSz="1066800">
+          <a:pPr lvl="0" algn="ctr" defTabSz="1066800">
             <a:lnSpc>
               <a:spcPct val="90000"/>
             </a:lnSpc>
@@ -9822,7 +10793,6 @@
             <a:spcAft>
               <a:spcPct val="35000"/>
             </a:spcAft>
-            <a:buNone/>
           </a:pPr>
           <a:r>
             <a:rPr lang="en-US" altLang="zh-TW" sz="2400" kern="1200" dirty="0">
@@ -9898,7 +10868,7 @@
         </a:bodyPr>
         <a:lstStyle/>
         <a:p>
-          <a:pPr marL="0" lvl="0" indent="0" algn="ctr" defTabSz="1066800">
+          <a:pPr lvl="0" algn="ctr" defTabSz="1066800">
             <a:lnSpc>
               <a:spcPct val="90000"/>
             </a:lnSpc>
@@ -9908,7 +10878,6 @@
             <a:spcAft>
               <a:spcPct val="35000"/>
             </a:spcAft>
-            <a:buNone/>
           </a:pPr>
           <a:r>
             <a:rPr lang="zh-TW" altLang="en-US" sz="2400" kern="1200" dirty="0">
@@ -9980,7 +10949,7 @@
         </a:bodyPr>
         <a:lstStyle/>
         <a:p>
-          <a:pPr marL="0" lvl="0" indent="0" algn="ctr" defTabSz="755650">
+          <a:pPr lvl="0" algn="ctr" defTabSz="755650">
             <a:lnSpc>
               <a:spcPct val="90000"/>
             </a:lnSpc>
@@ -9990,7 +10959,6 @@
             <a:spcAft>
               <a:spcPct val="35000"/>
             </a:spcAft>
-            <a:buNone/>
           </a:pPr>
           <a:r>
             <a:rPr lang="zh-TW" altLang="en-US" sz="1700" kern="1200" dirty="0">
@@ -10062,7 +11030,7 @@
         </a:bodyPr>
         <a:lstStyle/>
         <a:p>
-          <a:pPr marL="0" lvl="0" indent="0" algn="ctr" defTabSz="755650">
+          <a:pPr lvl="0" algn="ctr" defTabSz="755650">
             <a:lnSpc>
               <a:spcPct val="90000"/>
             </a:lnSpc>
@@ -10072,7 +11040,6 @@
             <a:spcAft>
               <a:spcPct val="35000"/>
             </a:spcAft>
-            <a:buNone/>
           </a:pPr>
           <a:r>
             <a:rPr lang="en-US" altLang="zh-TW" sz="1700" kern="1200" dirty="0">
@@ -10174,7 +11141,7 @@
         </a:bodyPr>
         <a:lstStyle/>
         <a:p>
-          <a:pPr marL="0" lvl="0" indent="0" algn="ctr" defTabSz="755650">
+          <a:pPr lvl="0" algn="ctr" defTabSz="755650">
             <a:lnSpc>
               <a:spcPct val="90000"/>
             </a:lnSpc>
@@ -10184,14 +11151,20 @@
             <a:spcAft>
               <a:spcPct val="35000"/>
             </a:spcAft>
-            <a:buNone/>
           </a:pPr>
+          <a:r>
+            <a:rPr lang="zh-TW" altLang="en-US" sz="1700" kern="1200" dirty="0" smtClean="0">
+              <a:latin typeface="Microsoft JhengHei Light" panose="020B0304030504040204" pitchFamily="34" charset="-120"/>
+              <a:ea typeface="Microsoft JhengHei Light" panose="020B0304030504040204" pitchFamily="34" charset="-120"/>
+            </a:rPr>
+            <a:t>紀錄</a:t>
+          </a:r>
           <a:r>
             <a:rPr lang="zh-TW" altLang="en-US" sz="1700" kern="1200" dirty="0">
               <a:latin typeface="Microsoft JhengHei Light" panose="020B0304030504040204" pitchFamily="34" charset="-120"/>
               <a:ea typeface="Microsoft JhengHei Light" panose="020B0304030504040204" pitchFamily="34" charset="-120"/>
             </a:rPr>
-            <a:t>計錄遊戲數據</a:t>
+            <a:t>遊戲數據</a:t>
           </a:r>
         </a:p>
       </dsp:txBody>
@@ -10256,7 +11229,7 @@
         </a:bodyPr>
         <a:lstStyle/>
         <a:p>
-          <a:pPr marL="0" lvl="0" indent="0" algn="ctr" defTabSz="1066800">
+          <a:pPr lvl="0" algn="ctr" defTabSz="1066800">
             <a:lnSpc>
               <a:spcPct val="90000"/>
             </a:lnSpc>
@@ -10266,7 +11239,6 @@
             <a:spcAft>
               <a:spcPct val="35000"/>
             </a:spcAft>
-            <a:buNone/>
           </a:pPr>
           <a:r>
             <a:rPr lang="zh-TW" altLang="en-US" sz="2400" kern="1200" dirty="0">
@@ -10338,7 +11310,7 @@
         </a:bodyPr>
         <a:lstStyle/>
         <a:p>
-          <a:pPr marL="0" lvl="0" indent="0" algn="ctr" defTabSz="755650">
+          <a:pPr lvl="0" algn="ctr" defTabSz="755650">
             <a:lnSpc>
               <a:spcPct val="90000"/>
             </a:lnSpc>
@@ -10348,7 +11320,6 @@
             <a:spcAft>
               <a:spcPct val="35000"/>
             </a:spcAft>
-            <a:buNone/>
           </a:pPr>
           <a:r>
             <a:rPr lang="zh-TW" altLang="en-US" sz="1700" kern="1200" dirty="0">
@@ -10420,7 +11391,7 @@
         </a:bodyPr>
         <a:lstStyle/>
         <a:p>
-          <a:pPr marL="0" lvl="0" indent="0" algn="ctr" defTabSz="755650">
+          <a:pPr lvl="0" algn="ctr" defTabSz="755650">
             <a:lnSpc>
               <a:spcPct val="90000"/>
             </a:lnSpc>
@@ -10430,7 +11401,6 @@
             <a:spcAft>
               <a:spcPct val="35000"/>
             </a:spcAft>
-            <a:buNone/>
           </a:pPr>
           <a:r>
             <a:rPr lang="zh-TW" altLang="en-US" sz="1700" kern="1200" dirty="0">
@@ -10502,7 +11472,7 @@
         </a:bodyPr>
         <a:lstStyle/>
         <a:p>
-          <a:pPr marL="0" lvl="0" indent="0" algn="ctr" defTabSz="755650">
+          <a:pPr lvl="0" algn="ctr" defTabSz="755650">
             <a:lnSpc>
               <a:spcPct val="90000"/>
             </a:lnSpc>
@@ -10512,7 +11482,6 @@
             <a:spcAft>
               <a:spcPct val="35000"/>
             </a:spcAft>
-            <a:buNone/>
           </a:pPr>
           <a:r>
             <a:rPr lang="zh-TW" altLang="en-US" sz="1700" kern="1200" dirty="0">
@@ -10584,7 +11553,7 @@
         </a:bodyPr>
         <a:lstStyle/>
         <a:p>
-          <a:pPr marL="0" lvl="0" indent="0" algn="ctr" defTabSz="1066800">
+          <a:pPr lvl="0" algn="ctr" defTabSz="1066800">
             <a:lnSpc>
               <a:spcPct val="90000"/>
             </a:lnSpc>
@@ -10594,7 +11563,6 @@
             <a:spcAft>
               <a:spcPct val="35000"/>
             </a:spcAft>
-            <a:buNone/>
           </a:pPr>
           <a:r>
             <a:rPr lang="zh-TW" altLang="en-US" sz="2400" kern="1200" dirty="0">
@@ -10666,7 +11634,7 @@
         </a:bodyPr>
         <a:lstStyle/>
         <a:p>
-          <a:pPr marL="0" lvl="0" indent="0" algn="ctr" defTabSz="755650">
+          <a:pPr lvl="0" algn="ctr" defTabSz="755650">
             <a:lnSpc>
               <a:spcPct val="90000"/>
             </a:lnSpc>
@@ -10676,7 +11644,6 @@
             <a:spcAft>
               <a:spcPct val="35000"/>
             </a:spcAft>
-            <a:buNone/>
           </a:pPr>
           <a:r>
             <a:rPr lang="zh-TW" altLang="en-US" sz="1700" kern="1200" dirty="0">
@@ -10748,7 +11715,7 @@
         </a:bodyPr>
         <a:lstStyle/>
         <a:p>
-          <a:pPr marL="0" lvl="0" indent="0" algn="ctr" defTabSz="755650">
+          <a:pPr lvl="0" algn="ctr" defTabSz="755650">
             <a:lnSpc>
               <a:spcPct val="90000"/>
             </a:lnSpc>
@@ -10758,7 +11725,6 @@
             <a:spcAft>
               <a:spcPct val="35000"/>
             </a:spcAft>
-            <a:buNone/>
           </a:pPr>
           <a:r>
             <a:rPr lang="zh-TW" altLang="en-US" sz="1700" kern="1200" dirty="0">
@@ -10830,7 +11796,7 @@
         </a:bodyPr>
         <a:lstStyle/>
         <a:p>
-          <a:pPr marL="0" lvl="0" indent="0" algn="ctr" defTabSz="755650">
+          <a:pPr lvl="0" algn="ctr" defTabSz="755650">
             <a:lnSpc>
               <a:spcPct val="90000"/>
             </a:lnSpc>
@@ -10840,7 +11806,6 @@
             <a:spcAft>
               <a:spcPct val="35000"/>
             </a:spcAft>
-            <a:buNone/>
           </a:pPr>
           <a:r>
             <a:rPr lang="zh-TW" altLang="en-US" sz="1700" kern="1200" dirty="0">
@@ -10912,7 +11877,7 @@
         </a:bodyPr>
         <a:lstStyle/>
         <a:p>
-          <a:pPr marL="0" lvl="0" indent="0" algn="ctr" defTabSz="1066800">
+          <a:pPr lvl="0" algn="ctr" defTabSz="1066800">
             <a:lnSpc>
               <a:spcPct val="90000"/>
             </a:lnSpc>
@@ -10922,7 +11887,6 @@
             <a:spcAft>
               <a:spcPct val="35000"/>
             </a:spcAft>
-            <a:buNone/>
           </a:pPr>
           <a:r>
             <a:rPr lang="zh-TW" altLang="en-US" sz="2400" kern="1200" dirty="0">
@@ -10994,7 +11958,7 @@
         </a:bodyPr>
         <a:lstStyle/>
         <a:p>
-          <a:pPr marL="0" lvl="0" indent="0" algn="ctr" defTabSz="755650">
+          <a:pPr lvl="0" algn="ctr" defTabSz="755650">
             <a:lnSpc>
               <a:spcPct val="90000"/>
             </a:lnSpc>
@@ -11004,7 +11968,6 @@
             <a:spcAft>
               <a:spcPct val="35000"/>
             </a:spcAft>
-            <a:buNone/>
           </a:pPr>
           <a:r>
             <a:rPr lang="zh-TW" altLang="en-US" sz="1700" kern="1200" dirty="0">
@@ -11927,7 +12890,7 @@
         </a:bodyPr>
         <a:lstStyle/>
         <a:p>
-          <a:pPr marL="0" lvl="0" indent="0" algn="ctr" defTabSz="1066800">
+          <a:pPr lvl="0" algn="ctr" defTabSz="1066800">
             <a:lnSpc>
               <a:spcPct val="90000"/>
             </a:lnSpc>
@@ -11937,7 +12900,6 @@
             <a:spcAft>
               <a:spcPct val="35000"/>
             </a:spcAft>
-            <a:buNone/>
           </a:pPr>
           <a:r>
             <a:rPr lang="en-US" altLang="zh-TW" sz="2400" kern="1200" dirty="0">
@@ -12013,7 +12975,7 @@
         </a:bodyPr>
         <a:lstStyle/>
         <a:p>
-          <a:pPr marL="0" lvl="0" indent="0" algn="ctr" defTabSz="1066800">
+          <a:pPr lvl="0" algn="ctr" defTabSz="1066800">
             <a:lnSpc>
               <a:spcPct val="90000"/>
             </a:lnSpc>
@@ -12023,7 +12985,6 @@
             <a:spcAft>
               <a:spcPct val="35000"/>
             </a:spcAft>
-            <a:buNone/>
           </a:pPr>
           <a:r>
             <a:rPr lang="zh-TW" altLang="en-US" sz="2400" kern="1200" dirty="0">
@@ -12095,7 +13056,7 @@
         </a:bodyPr>
         <a:lstStyle/>
         <a:p>
-          <a:pPr marL="0" lvl="0" indent="0" algn="ctr" defTabSz="755650">
+          <a:pPr lvl="0" algn="ctr" defTabSz="755650">
             <a:lnSpc>
               <a:spcPct val="90000"/>
             </a:lnSpc>
@@ -12105,7 +13066,6 @@
             <a:spcAft>
               <a:spcPct val="35000"/>
             </a:spcAft>
-            <a:buNone/>
           </a:pPr>
           <a:r>
             <a:rPr lang="zh-TW" altLang="en-US" sz="1700" kern="1200" dirty="0">
@@ -12177,7 +13137,7 @@
         </a:bodyPr>
         <a:lstStyle/>
         <a:p>
-          <a:pPr marL="0" lvl="0" indent="0" algn="ctr" defTabSz="755650">
+          <a:pPr lvl="0" algn="ctr" defTabSz="755650">
             <a:lnSpc>
               <a:spcPct val="90000"/>
             </a:lnSpc>
@@ -12187,7 +13147,6 @@
             <a:spcAft>
               <a:spcPct val="35000"/>
             </a:spcAft>
-            <a:buNone/>
           </a:pPr>
           <a:r>
             <a:rPr lang="en-US" altLang="zh-TW" sz="1700" kern="1200" dirty="0">
@@ -12277,7 +13236,7 @@
         </a:bodyPr>
         <a:lstStyle/>
         <a:p>
-          <a:pPr marL="0" lvl="0" indent="0" algn="ctr" defTabSz="755650">
+          <a:pPr lvl="0" algn="ctr" defTabSz="755650">
             <a:lnSpc>
               <a:spcPct val="90000"/>
             </a:lnSpc>
@@ -12287,14 +13246,20 @@
             <a:spcAft>
               <a:spcPct val="35000"/>
             </a:spcAft>
-            <a:buNone/>
           </a:pPr>
+          <a:r>
+            <a:rPr lang="zh-TW" altLang="en-US" sz="1700" kern="1200" dirty="0" smtClean="0">
+              <a:latin typeface="Microsoft JhengHei Light" panose="020B0304030504040204" pitchFamily="34" charset="-120"/>
+              <a:ea typeface="Microsoft JhengHei Light" panose="020B0304030504040204" pitchFamily="34" charset="-120"/>
+            </a:rPr>
+            <a:t>紀錄</a:t>
+          </a:r>
           <a:r>
             <a:rPr lang="zh-TW" altLang="en-US" sz="1700" kern="1200" dirty="0">
               <a:latin typeface="Microsoft JhengHei Light" panose="020B0304030504040204" pitchFamily="34" charset="-120"/>
               <a:ea typeface="Microsoft JhengHei Light" panose="020B0304030504040204" pitchFamily="34" charset="-120"/>
             </a:rPr>
-            <a:t>計錄遊戲數據</a:t>
+            <a:t>遊戲數據</a:t>
           </a:r>
         </a:p>
       </dsp:txBody>
@@ -12359,7 +13324,7 @@
         </a:bodyPr>
         <a:lstStyle/>
         <a:p>
-          <a:pPr marL="0" lvl="0" indent="0" algn="ctr" defTabSz="1066800">
+          <a:pPr lvl="0" algn="ctr" defTabSz="1066800">
             <a:lnSpc>
               <a:spcPct val="90000"/>
             </a:lnSpc>
@@ -12369,7 +13334,6 @@
             <a:spcAft>
               <a:spcPct val="35000"/>
             </a:spcAft>
-            <a:buNone/>
           </a:pPr>
           <a:r>
             <a:rPr lang="zh-TW" altLang="en-US" sz="2400" kern="1200" dirty="0">
@@ -12441,7 +13405,7 @@
         </a:bodyPr>
         <a:lstStyle/>
         <a:p>
-          <a:pPr marL="0" lvl="0" indent="0" algn="ctr" defTabSz="755650">
+          <a:pPr lvl="0" algn="ctr" defTabSz="755650">
             <a:lnSpc>
               <a:spcPct val="90000"/>
             </a:lnSpc>
@@ -12451,7 +13415,6 @@
             <a:spcAft>
               <a:spcPct val="35000"/>
             </a:spcAft>
-            <a:buNone/>
           </a:pPr>
           <a:r>
             <a:rPr lang="zh-TW" altLang="en-US" sz="1700" kern="1200" dirty="0">
@@ -12523,7 +13486,7 @@
         </a:bodyPr>
         <a:lstStyle/>
         <a:p>
-          <a:pPr marL="0" lvl="0" indent="0" algn="ctr" defTabSz="755650">
+          <a:pPr lvl="0" algn="ctr" defTabSz="755650">
             <a:lnSpc>
               <a:spcPct val="90000"/>
             </a:lnSpc>
@@ -12533,7 +13496,6 @@
             <a:spcAft>
               <a:spcPct val="35000"/>
             </a:spcAft>
-            <a:buNone/>
           </a:pPr>
           <a:r>
             <a:rPr lang="zh-TW" altLang="en-US" sz="1700" kern="1200" dirty="0">
@@ -12608,7 +13570,7 @@
         </a:bodyPr>
         <a:lstStyle/>
         <a:p>
-          <a:pPr marL="0" lvl="0" indent="0" algn="ctr" defTabSz="755650">
+          <a:pPr lvl="0" algn="ctr" defTabSz="755650">
             <a:lnSpc>
               <a:spcPct val="90000"/>
             </a:lnSpc>
@@ -12618,7 +13580,6 @@
             <a:spcAft>
               <a:spcPct val="35000"/>
             </a:spcAft>
-            <a:buNone/>
           </a:pPr>
           <a:r>
             <a:rPr lang="zh-TW" altLang="en-US" sz="1700" kern="1200" dirty="0">
@@ -12693,7 +13654,7 @@
         </a:bodyPr>
         <a:lstStyle/>
         <a:p>
-          <a:pPr marL="0" lvl="0" indent="0" algn="ctr" defTabSz="1066800">
+          <a:pPr lvl="0" algn="ctr" defTabSz="1066800">
             <a:lnSpc>
               <a:spcPct val="90000"/>
             </a:lnSpc>
@@ -12703,7 +13664,6 @@
             <a:spcAft>
               <a:spcPct val="35000"/>
             </a:spcAft>
-            <a:buNone/>
           </a:pPr>
           <a:r>
             <a:rPr lang="zh-TW" altLang="en-US" sz="2400" kern="1200" dirty="0">
@@ -12775,7 +13735,7 @@
         </a:bodyPr>
         <a:lstStyle/>
         <a:p>
-          <a:pPr marL="0" lvl="0" indent="0" algn="ctr" defTabSz="755650">
+          <a:pPr lvl="0" algn="ctr" defTabSz="755650">
             <a:lnSpc>
               <a:spcPct val="90000"/>
             </a:lnSpc>
@@ -12785,7 +13745,6 @@
             <a:spcAft>
               <a:spcPct val="35000"/>
             </a:spcAft>
-            <a:buNone/>
           </a:pPr>
           <a:r>
             <a:rPr lang="zh-TW" altLang="en-US" sz="1700" kern="1200" dirty="0">
@@ -12857,7 +13816,7 @@
         </a:bodyPr>
         <a:lstStyle/>
         <a:p>
-          <a:pPr marL="0" lvl="0" indent="0" algn="ctr" defTabSz="755650">
+          <a:pPr lvl="0" algn="ctr" defTabSz="755650">
             <a:lnSpc>
               <a:spcPct val="90000"/>
             </a:lnSpc>
@@ -12867,7 +13826,6 @@
             <a:spcAft>
               <a:spcPct val="35000"/>
             </a:spcAft>
-            <a:buNone/>
           </a:pPr>
           <a:r>
             <a:rPr lang="zh-TW" altLang="en-US" sz="1700" kern="1200" dirty="0">
@@ -12939,7 +13897,7 @@
         </a:bodyPr>
         <a:lstStyle/>
         <a:p>
-          <a:pPr marL="0" lvl="0" indent="0" algn="ctr" defTabSz="755650">
+          <a:pPr lvl="0" algn="ctr" defTabSz="755650">
             <a:lnSpc>
               <a:spcPct val="90000"/>
             </a:lnSpc>
@@ -12949,7 +13907,6 @@
             <a:spcAft>
               <a:spcPct val="35000"/>
             </a:spcAft>
-            <a:buNone/>
           </a:pPr>
           <a:r>
             <a:rPr lang="zh-TW" altLang="en-US" sz="1700" kern="1200" dirty="0">
@@ -13021,7 +13978,7 @@
         </a:bodyPr>
         <a:lstStyle/>
         <a:p>
-          <a:pPr marL="0" lvl="0" indent="0" algn="ctr" defTabSz="1066800">
+          <a:pPr lvl="0" algn="ctr" defTabSz="1066800">
             <a:lnSpc>
               <a:spcPct val="90000"/>
             </a:lnSpc>
@@ -13031,7 +13988,6 @@
             <a:spcAft>
               <a:spcPct val="35000"/>
             </a:spcAft>
-            <a:buNone/>
           </a:pPr>
           <a:r>
             <a:rPr lang="zh-TW" altLang="en-US" sz="2400" kern="1200" dirty="0">
@@ -13103,7 +14059,7 @@
         </a:bodyPr>
         <a:lstStyle/>
         <a:p>
-          <a:pPr marL="0" lvl="0" indent="0" algn="ctr" defTabSz="755650">
+          <a:pPr lvl="0" algn="ctr" defTabSz="755650">
             <a:lnSpc>
               <a:spcPct val="90000"/>
             </a:lnSpc>
@@ -13113,7 +14069,6 @@
             <a:spcAft>
               <a:spcPct val="35000"/>
             </a:spcAft>
-            <a:buNone/>
           </a:pPr>
           <a:r>
             <a:rPr lang="zh-TW" altLang="en-US" sz="1700" kern="1200" dirty="0">
@@ -19756,7 +20711,7 @@
           <a:p>
             <a:fld id="{6F94AA58-72FF-427F-B51D-D5ADB9A967C4}" type="datetimeFigureOut">
               <a:rPr lang="zh-CN" altLang="en-US" smtClean="0"/>
-              <a:t>2019/12/3</a:t>
+              <a:t>2019/12/4</a:t>
             </a:fld>
             <a:endParaRPr lang="zh-CN" altLang="en-US"/>
           </a:p>
@@ -20152,7 +21107,7 @@
           <a:p>
             <a:fld id="{82F288E0-7875-42C4-84C8-98DBBD3BF4D2}" type="datetimeFigureOut">
               <a:rPr lang="zh-CN" altLang="en-US" smtClean="0"/>
-              <a:t>2019/12/3</a:t>
+              <a:t>2019/12/4</a:t>
             </a:fld>
             <a:endParaRPr lang="zh-CN" altLang="en-US"/>
           </a:p>
@@ -20298,7 +21253,7 @@
           <a:p>
             <a:fld id="{82F288E0-7875-42C4-84C8-98DBBD3BF4D2}" type="datetimeFigureOut">
               <a:rPr lang="zh-CN" altLang="en-US" smtClean="0"/>
-              <a:t>2019/12/3</a:t>
+              <a:t>2019/12/4</a:t>
             </a:fld>
             <a:endParaRPr lang="zh-CN" altLang="en-US"/>
           </a:p>
@@ -20461,7 +21416,7 @@
           <a:p>
             <a:fld id="{82F288E0-7875-42C4-84C8-98DBBD3BF4D2}" type="datetimeFigureOut">
               <a:rPr lang="zh-CN" altLang="en-US" smtClean="0"/>
-              <a:t>2019/12/3</a:t>
+              <a:t>2019/12/4</a:t>
             </a:fld>
             <a:endParaRPr lang="zh-CN" altLang="en-US"/>
           </a:p>
@@ -20701,7 +21656,7 @@
           <a:p>
             <a:fld id="{82F288E0-7875-42C4-84C8-98DBBD3BF4D2}" type="datetimeFigureOut">
               <a:rPr lang="zh-CN" altLang="en-US" smtClean="0"/>
-              <a:t>2019/12/3</a:t>
+              <a:t>2019/12/4</a:t>
             </a:fld>
             <a:endParaRPr lang="zh-CN" altLang="en-US"/>
           </a:p>
@@ -20925,7 +21880,7 @@
           <a:p>
             <a:fld id="{82F288E0-7875-42C4-84C8-98DBBD3BF4D2}" type="datetimeFigureOut">
               <a:rPr lang="zh-CN" altLang="en-US" smtClean="0"/>
-              <a:t>2019/12/3</a:t>
+              <a:t>2019/12/4</a:t>
             </a:fld>
             <a:endParaRPr lang="zh-CN" altLang="en-US"/>
           </a:p>
@@ -21284,7 +22239,7 @@
           <a:p>
             <a:fld id="{82F288E0-7875-42C4-84C8-98DBBD3BF4D2}" type="datetimeFigureOut">
               <a:rPr lang="zh-CN" altLang="en-US" smtClean="0"/>
-              <a:t>2019/12/3</a:t>
+              <a:t>2019/12/4</a:t>
             </a:fld>
             <a:endParaRPr lang="zh-CN" altLang="en-US"/>
           </a:p>
@@ -21396,7 +22351,7 @@
           <a:p>
             <a:fld id="{82F288E0-7875-42C4-84C8-98DBBD3BF4D2}" type="datetimeFigureOut">
               <a:rPr lang="zh-CN" altLang="en-US" smtClean="0"/>
-              <a:t>2019/12/3</a:t>
+              <a:t>2019/12/4</a:t>
             </a:fld>
             <a:endParaRPr lang="zh-CN" altLang="en-US"/>
           </a:p>
@@ -21486,7 +22441,7 @@
           <a:p>
             <a:fld id="{82F288E0-7875-42C4-84C8-98DBBD3BF4D2}" type="datetimeFigureOut">
               <a:rPr lang="zh-CN" altLang="en-US" smtClean="0"/>
-              <a:t>2019/12/3</a:t>
+              <a:t>2019/12/4</a:t>
             </a:fld>
             <a:endParaRPr lang="zh-CN" altLang="en-US"/>
           </a:p>
@@ -21733,7 +22688,7 @@
           <a:p>
             <a:fld id="{82F288E0-7875-42C4-84C8-98DBBD3BF4D2}" type="datetimeFigureOut">
               <a:rPr lang="zh-CN" altLang="en-US" smtClean="0"/>
-              <a:t>2019/12/3</a:t>
+              <a:t>2019/12/4</a:t>
             </a:fld>
             <a:endParaRPr lang="zh-CN" altLang="en-US"/>
           </a:p>
@@ -21906,7 +22861,7 @@
           <a:p>
             <a:fld id="{82F288E0-7875-42C4-84C8-98DBBD3BF4D2}" type="datetimeFigureOut">
               <a:rPr lang="zh-CN" altLang="en-US" smtClean="0"/>
-              <a:t>2019/12/3</a:t>
+              <a:t>2019/12/4</a:t>
             </a:fld>
             <a:endParaRPr lang="zh-CN" altLang="en-US"/>
           </a:p>
@@ -22112,7 +23067,7 @@
           <a:p>
             <a:fld id="{82F288E0-7875-42C4-84C8-98DBBD3BF4D2}" type="datetimeFigureOut">
               <a:rPr lang="zh-CN" altLang="en-US" smtClean="0"/>
-              <a:t>2019/12/3</a:t>
+              <a:t>2019/12/4</a:t>
             </a:fld>
             <a:endParaRPr lang="zh-CN" altLang="en-US"/>
           </a:p>
@@ -23253,7 +24208,7 @@
           <p:nvPr>
             <p:extLst>
               <p:ext uri="{D42A27DB-BD31-4B8C-83A1-F6EECF244321}">
-                <p14:modId xmlns:p14="http://schemas.microsoft.com/office/powerpoint/2010/main" val="3646060819"/>
+                <p14:modId xmlns:p14="http://schemas.microsoft.com/office/powerpoint/2010/main" val="260897655"/>
               </p:ext>
             </p:extLst>
           </p:nvPr>
@@ -24693,7 +25648,7 @@
           <p:nvPr>
             <p:extLst>
               <p:ext uri="{D42A27DB-BD31-4B8C-83A1-F6EECF244321}">
-                <p14:modId xmlns:p14="http://schemas.microsoft.com/office/powerpoint/2010/main" val="2483254055"/>
+                <p14:modId xmlns:p14="http://schemas.microsoft.com/office/powerpoint/2010/main" val="3449184720"/>
               </p:ext>
             </p:extLst>
           </p:nvPr>
@@ -25652,7 +26607,7 @@
           <p:nvPr>
             <p:extLst>
               <p:ext uri="{D42A27DB-BD31-4B8C-83A1-F6EECF244321}">
-                <p14:modId xmlns:p14="http://schemas.microsoft.com/office/powerpoint/2010/main" val="3712961857"/>
+                <p14:modId xmlns:p14="http://schemas.microsoft.com/office/powerpoint/2010/main" val="2803914387"/>
               </p:ext>
             </p:extLst>
           </p:nvPr>
@@ -32412,11 +33367,23 @@
           <a:p>
             <a:r>
               <a:rPr lang="en-US" altLang="zh-TW" sz="1600" dirty="0"/>
-              <a:t>3.</a:t>
+              <a:t>3</a:t>
+            </a:r>
+            <a:r>
+              <a:rPr lang="en-US" altLang="zh-TW" sz="1600" dirty="0" smtClean="0"/>
+              <a:t>.</a:t>
             </a:r>
             <a:r>
               <a:rPr lang="zh-TW" altLang="en-US" sz="1600" dirty="0"/>
-              <a:t>計錄遊戲數據</a:t>
+              <a:t>紀</a:t>
+            </a:r>
+            <a:r>
+              <a:rPr lang="zh-TW" altLang="en-US" sz="1600" dirty="0" smtClean="0"/>
+              <a:t>錄</a:t>
+            </a:r>
+            <a:r>
+              <a:rPr lang="zh-TW" altLang="en-US" sz="1600" dirty="0"/>
+              <a:t>遊戲數據</a:t>
             </a:r>
           </a:p>
         </p:txBody>
@@ -32874,11 +33841,23 @@
           <a:p>
             <a:r>
               <a:rPr lang="en-US" altLang="zh-TW" sz="1600" dirty="0"/>
-              <a:t>3.</a:t>
+              <a:t>3</a:t>
+            </a:r>
+            <a:r>
+              <a:rPr lang="en-US" altLang="zh-TW" sz="1600" dirty="0" smtClean="0"/>
+              <a:t>.</a:t>
             </a:r>
             <a:r>
               <a:rPr lang="zh-TW" altLang="en-US" sz="1600" dirty="0"/>
-              <a:t>計錄遊戲數據</a:t>
+              <a:t>紀</a:t>
+            </a:r>
+            <a:r>
+              <a:rPr lang="zh-TW" altLang="en-US" sz="1600" dirty="0" smtClean="0"/>
+              <a:t>錄</a:t>
+            </a:r>
+            <a:r>
+              <a:rPr lang="zh-TW" altLang="en-US" sz="1600" dirty="0"/>
+              <a:t>遊戲數據</a:t>
             </a:r>
           </a:p>
         </p:txBody>
